--- a/asset/Learn/ITA-Conductor_en.pptx
+++ b/asset/Learn/ITA-Conductor_en.pptx
@@ -6,10 +6,10 @@
     <p:sldMasterId id="2147483703" r:id="rId2"/>
   </p:sldMasterIdLst>
   <p:notesMasterIdLst>
-    <p:notesMasterId r:id="rId24"/>
+    <p:notesMasterId r:id="rId26"/>
   </p:notesMasterIdLst>
   <p:handoutMasterIdLst>
-    <p:handoutMasterId r:id="rId25"/>
+    <p:handoutMasterId r:id="rId27"/>
   </p:handoutMasterIdLst>
   <p:sldIdLst>
     <p:sldId id="262" r:id="rId3"/>
@@ -31,8 +31,10 @@
     <p:sldId id="694" r:id="rId19"/>
     <p:sldId id="695" r:id="rId20"/>
     <p:sldId id="700" r:id="rId21"/>
-    <p:sldId id="688" r:id="rId22"/>
-    <p:sldId id="318" r:id="rId23"/>
+    <p:sldId id="701" r:id="rId22"/>
+    <p:sldId id="702" r:id="rId23"/>
+    <p:sldId id="688" r:id="rId24"/>
+    <p:sldId id="318" r:id="rId25"/>
   </p:sldIdLst>
   <p:sldSz cx="9144000" cy="6858000" type="screen4x3"/>
   <p:notesSz cx="6807200" cy="9939338"/>
@@ -277,7 +279,7 @@
               <a:rPr kumimoji="1" lang="ja-JP" altLang="en-US" smtClean="0">
                 <a:ea typeface="メイリオ" panose="020B0604030504040204" pitchFamily="50" charset="-128"/>
               </a:rPr>
-              <a:t>2021/12/9</a:t>
+              <a:t>2022/2/2</a:t>
             </a:fld>
             <a:endParaRPr kumimoji="1" lang="ja-JP" altLang="en-US" dirty="0">
               <a:ea typeface="メイリオ" panose="020B0604030504040204" pitchFamily="50" charset="-128"/>
@@ -423,7 +425,7 @@
             <a:fld id="{4B26993D-C081-44EB-B0F5-A9F467792B62}" type="datetimeFigureOut">
               <a:rPr lang="ja-JP" altLang="en-US" smtClean="0"/>
               <a:pPr/>
-              <a:t>2021/12/9</a:t>
+              <a:t>2022/2/2</a:t>
             </a:fld>
             <a:endParaRPr lang="ja-JP" altLang="en-US" dirty="0"/>
           </a:p>
@@ -1046,7 +1048,7 @@
           <a:p>
             <a:fld id="{56F9016B-CCA6-43BE-8BEE-59565A35F4F7}" type="datetimeFigureOut">
               <a:rPr kumimoji="1" lang="ja-JP" altLang="en-US" smtClean="0"/>
-              <a:t>2021/12/9</a:t>
+              <a:t>2022/2/2</a:t>
             </a:fld>
             <a:endParaRPr kumimoji="1" lang="ja-JP" altLang="en-US"/>
           </a:p>
@@ -1248,7 +1250,7 @@
           <a:p>
             <a:fld id="{56F9016B-CCA6-43BE-8BEE-59565A35F4F7}" type="datetimeFigureOut">
               <a:rPr kumimoji="1" lang="ja-JP" altLang="en-US" smtClean="0"/>
-              <a:t>2021/12/9</a:t>
+              <a:t>2022/2/2</a:t>
             </a:fld>
             <a:endParaRPr kumimoji="1" lang="ja-JP" altLang="en-US"/>
           </a:p>
@@ -1494,7 +1496,7 @@
           <a:p>
             <a:fld id="{56F9016B-CCA6-43BE-8BEE-59565A35F4F7}" type="datetimeFigureOut">
               <a:rPr kumimoji="1" lang="ja-JP" altLang="en-US" smtClean="0"/>
-              <a:t>2021/12/9</a:t>
+              <a:t>2022/2/2</a:t>
             </a:fld>
             <a:endParaRPr kumimoji="1" lang="ja-JP" altLang="en-US"/>
           </a:p>
@@ -1790,7 +1792,7 @@
           <a:p>
             <a:fld id="{56F9016B-CCA6-43BE-8BEE-59565A35F4F7}" type="datetimeFigureOut">
               <a:rPr kumimoji="1" lang="ja-JP" altLang="en-US" smtClean="0"/>
-              <a:t>2021/12/9</a:t>
+              <a:t>2022/2/2</a:t>
             </a:fld>
             <a:endParaRPr kumimoji="1" lang="ja-JP" altLang="en-US"/>
           </a:p>
@@ -2221,7 +2223,7 @@
           <a:p>
             <a:fld id="{56F9016B-CCA6-43BE-8BEE-59565A35F4F7}" type="datetimeFigureOut">
               <a:rPr kumimoji="1" lang="ja-JP" altLang="en-US" smtClean="0"/>
-              <a:t>2021/12/9</a:t>
+              <a:t>2022/2/2</a:t>
             </a:fld>
             <a:endParaRPr kumimoji="1" lang="ja-JP" altLang="en-US"/>
           </a:p>
@@ -2339,7 +2341,7 @@
           <a:p>
             <a:fld id="{56F9016B-CCA6-43BE-8BEE-59565A35F4F7}" type="datetimeFigureOut">
               <a:rPr kumimoji="1" lang="ja-JP" altLang="en-US" smtClean="0"/>
-              <a:t>2021/12/9</a:t>
+              <a:t>2022/2/2</a:t>
             </a:fld>
             <a:endParaRPr kumimoji="1" lang="ja-JP" altLang="en-US"/>
           </a:p>
@@ -2434,7 +2436,7 @@
           <a:p>
             <a:fld id="{56F9016B-CCA6-43BE-8BEE-59565A35F4F7}" type="datetimeFigureOut">
               <a:rPr kumimoji="1" lang="ja-JP" altLang="en-US" smtClean="0"/>
-              <a:t>2021/12/9</a:t>
+              <a:t>2022/2/2</a:t>
             </a:fld>
             <a:endParaRPr kumimoji="1" lang="ja-JP" altLang="en-US"/>
           </a:p>
@@ -2743,7 +2745,7 @@
           <a:p>
             <a:fld id="{56F9016B-CCA6-43BE-8BEE-59565A35F4F7}" type="datetimeFigureOut">
               <a:rPr kumimoji="1" lang="ja-JP" altLang="en-US" smtClean="0"/>
-              <a:t>2021/12/9</a:t>
+              <a:t>2022/2/2</a:t>
             </a:fld>
             <a:endParaRPr kumimoji="1" lang="ja-JP" altLang="en-US"/>
           </a:p>
@@ -2996,7 +2998,7 @@
           <a:p>
             <a:fld id="{56F9016B-CCA6-43BE-8BEE-59565A35F4F7}" type="datetimeFigureOut">
               <a:rPr kumimoji="1" lang="ja-JP" altLang="en-US" smtClean="0"/>
-              <a:t>2021/12/9</a:t>
+              <a:t>2022/2/2</a:t>
             </a:fld>
             <a:endParaRPr kumimoji="1" lang="ja-JP" altLang="en-US"/>
           </a:p>
@@ -3273,7 +3275,7 @@
           <a:p>
             <a:fld id="{56F9016B-CCA6-43BE-8BEE-59565A35F4F7}" type="datetimeFigureOut">
               <a:rPr kumimoji="1" lang="ja-JP" altLang="en-US" smtClean="0"/>
-              <a:t>2021/12/9</a:t>
+              <a:t>2022/2/2</a:t>
             </a:fld>
             <a:endParaRPr kumimoji="1" lang="ja-JP" altLang="en-US"/>
           </a:p>
@@ -3485,7 +3487,7 @@
           <a:p>
             <a:fld id="{56F9016B-CCA6-43BE-8BEE-59565A35F4F7}" type="datetimeFigureOut">
               <a:rPr kumimoji="1" lang="ja-JP" altLang="en-US" smtClean="0"/>
-              <a:t>2021/12/9</a:t>
+              <a:t>2022/2/2</a:t>
             </a:fld>
             <a:endParaRPr kumimoji="1" lang="ja-JP" altLang="en-US"/>
           </a:p>
@@ -6544,7 +6546,7 @@
           <a:p>
             <a:fld id="{56F9016B-CCA6-43BE-8BEE-59565A35F4F7}" type="datetimeFigureOut">
               <a:rPr kumimoji="1" lang="ja-JP" altLang="en-US" smtClean="0"/>
-              <a:t>2021/12/9</a:t>
+              <a:t>2022/2/2</a:t>
             </a:fld>
             <a:endParaRPr kumimoji="1" lang="ja-JP" altLang="en-US"/>
           </a:p>
@@ -6978,7 +6980,15 @@
           <a:p>
             <a:r>
               <a:rPr lang="en-US" altLang="ja-JP" dirty="0"/>
-              <a:t>Exastro IT Automation Version 1.8</a:t>
+              <a:t>Exastro IT Automation Version </a:t>
+            </a:r>
+            <a:r>
+              <a:rPr lang="en-US" altLang="ja-JP" dirty="0" smtClean="0"/>
+              <a:t>1.9</a:t>
+            </a:r>
+            <a:r>
+              <a:rPr lang="en-US" altLang="ja-JP" dirty="0"/>
+              <a:t/>
             </a:r>
             <a:br>
               <a:rPr lang="en-US" altLang="ja-JP" dirty="0"/>
@@ -7525,7 +7535,7 @@
             </a:r>
             <a:r>
               <a:rPr lang="en-US" altLang="ja-JP" dirty="0" smtClean="0"/>
-              <a:t>3/12</a:t>
+              <a:t>3/14</a:t>
             </a:r>
             <a:r>
               <a:rPr lang="ja-JP" altLang="en-US" dirty="0" smtClean="0"/>
@@ -8375,7 +8385,7 @@
             </a:r>
             <a:r>
               <a:rPr lang="en-US" altLang="ja-JP" dirty="0" smtClean="0"/>
-              <a:t>4/12</a:t>
+              <a:t>4/14</a:t>
             </a:r>
             <a:r>
               <a:rPr lang="ja-JP" altLang="en-US" dirty="0" smtClean="0"/>
@@ -12040,7 +12050,7 @@
             </a:r>
             <a:r>
               <a:rPr lang="en-US" altLang="ja-JP" dirty="0" smtClean="0"/>
-              <a:t>5/12</a:t>
+              <a:t>5/14</a:t>
             </a:r>
             <a:r>
               <a:rPr lang="ja-JP" altLang="en-US" dirty="0" smtClean="0"/>
@@ -12116,7 +12126,7 @@
       </p:sp>
       <p:pic>
         <p:nvPicPr>
-          <p:cNvPr id="7" name="図 6"/>
+          <p:cNvPr id="8" name="図 7"/>
           <p:cNvPicPr>
             <a:picLocks noChangeAspect="1"/>
           </p:cNvPicPr>
@@ -12130,8 +12140,8 @@
         </p:blipFill>
         <p:spPr>
           <a:xfrm>
-            <a:off x="179512" y="1916790"/>
-            <a:ext cx="4367473" cy="3981450"/>
+            <a:off x="4581526" y="1916790"/>
+            <a:ext cx="4381988" cy="1781175"/>
           </a:xfrm>
           <a:prstGeom prst="rect">
             <a:avLst/>
@@ -12140,7 +12150,7 @@
       </p:pic>
       <p:pic>
         <p:nvPicPr>
-          <p:cNvPr id="8" name="図 7"/>
+          <p:cNvPr id="4" name="図 3"/>
           <p:cNvPicPr>
             <a:picLocks noChangeAspect="1"/>
           </p:cNvPicPr>
@@ -12154,8 +12164,32 @@
         </p:blipFill>
         <p:spPr>
           <a:xfrm>
-            <a:off x="4581526" y="1916790"/>
-            <a:ext cx="4381988" cy="1781175"/>
+            <a:off x="251401" y="1916790"/>
+            <a:ext cx="4116824" cy="3600500"/>
+          </a:xfrm>
+          <a:prstGeom prst="rect">
+            <a:avLst/>
+          </a:prstGeom>
+        </p:spPr>
+      </p:pic>
+      <p:pic>
+        <p:nvPicPr>
+          <p:cNvPr id="5" name="図 4"/>
+          <p:cNvPicPr>
+            <a:picLocks noChangeAspect="1"/>
+          </p:cNvPicPr>
+          <p:nvPr/>
+        </p:nvPicPr>
+        <p:blipFill>
+          <a:blip r:embed="rId5"/>
+          <a:stretch>
+            <a:fillRect/>
+          </a:stretch>
+        </p:blipFill>
+        <p:spPr>
+          <a:xfrm>
+            <a:off x="4581526" y="2098606"/>
+            <a:ext cx="4384480" cy="2842604"/>
           </a:xfrm>
           <a:prstGeom prst="rect">
             <a:avLst/>
@@ -12374,7 +12408,7 @@
             </a:r>
             <a:r>
               <a:rPr lang="en-US" altLang="ja-JP" dirty="0" smtClean="0"/>
-              <a:t>6/12</a:t>
+              <a:t>6/14</a:t>
             </a:r>
             <a:r>
               <a:rPr lang="ja-JP" altLang="en-US" dirty="0" smtClean="0"/>
@@ -13048,7 +13082,7 @@
             </a:r>
             <a:r>
               <a:rPr lang="en-US" altLang="ja-JP" dirty="0" smtClean="0"/>
-              <a:t>7/12</a:t>
+              <a:t>7/14</a:t>
             </a:r>
             <a:r>
               <a:rPr lang="ja-JP" altLang="en-US" dirty="0" smtClean="0"/>
@@ -13485,7 +13519,7 @@
             </a:r>
             <a:r>
               <a:rPr lang="en-US" altLang="ja-JP" dirty="0" smtClean="0"/>
-              <a:t>8/12</a:t>
+              <a:t>8/14</a:t>
             </a:r>
             <a:r>
               <a:rPr lang="ja-JP" altLang="en-US" dirty="0" smtClean="0"/>
@@ -13905,7 +13939,7 @@
       </p:grpSpPr>
       <p:pic>
         <p:nvPicPr>
-          <p:cNvPr id="4" name="図 3"/>
+          <p:cNvPr id="5" name="図 4"/>
           <p:cNvPicPr>
             <a:picLocks noChangeAspect="1"/>
           </p:cNvPicPr>
@@ -13919,14 +13953,64 @@
         </p:blipFill>
         <p:spPr>
           <a:xfrm>
-            <a:off x="395420" y="2092532"/>
-            <a:ext cx="6832678" cy="4257155"/>
+            <a:off x="251400" y="2272958"/>
+            <a:ext cx="8715683" cy="3028301"/>
           </a:xfrm>
           <a:prstGeom prst="rect">
             <a:avLst/>
           </a:prstGeom>
         </p:spPr>
       </p:pic>
+      <p:sp>
+        <p:nvSpPr>
+          <p:cNvPr id="3" name="コンテンツ プレースホルダー 2"/>
+          <p:cNvSpPr>
+            <a:spLocks noGrp="1"/>
+          </p:cNvSpPr>
+          <p:nvPr>
+            <p:ph sz="quarter" idx="10"/>
+          </p:nvPr>
+        </p:nvSpPr>
+        <p:spPr/>
+        <p:txBody>
+          <a:bodyPr/>
+          <a:lstStyle/>
+          <a:p>
+            <a:pPr>
+              <a:buFont typeface="Wingdings" panose="05000000000000000000" pitchFamily="2" charset="2"/>
+              <a:buChar char="l"/>
+            </a:pPr>
+            <a:r>
+              <a:rPr lang="en-US" altLang="ja-JP" b="1" dirty="0" smtClean="0"/>
+              <a:t>Conductor check</a:t>
+            </a:r>
+            <a:r>
+              <a:rPr lang="ja-JP" altLang="en-US" b="1" dirty="0" smtClean="0"/>
+              <a:t>（</a:t>
+            </a:r>
+            <a:r>
+              <a:rPr lang="en-US" altLang="ja-JP" b="1" dirty="0"/>
+              <a:t>1</a:t>
+            </a:r>
+            <a:r>
+              <a:rPr lang="ja-JP" altLang="en-US" b="1" dirty="0" smtClean="0"/>
+              <a:t>）</a:t>
+            </a:r>
+            <a:r>
+              <a:rPr lang="en-US" altLang="ja-JP" b="1" dirty="0" smtClean="0"/>
+              <a:t/>
+            </a:r>
+            <a:br>
+              <a:rPr lang="en-US" altLang="ja-JP" b="1" dirty="0" smtClean="0"/>
+            </a:br>
+            <a:r>
+              <a:rPr lang="en-US" altLang="ja-JP" dirty="0" smtClean="0"/>
+              <a:t>In the “Conductor” Menu group -&gt; “Conductor list” menu -&gt;”List” Sub-menu, users can download the input/results data for each Conductor.</a:t>
+            </a:r>
+            <a:endParaRPr lang="ja-JP" altLang="en-US" dirty="0" smtClean="0"/>
+          </a:p>
+        </p:txBody>
+      </p:sp>
       <p:sp>
         <p:nvSpPr>
           <p:cNvPr id="2" name="タイトル 1"/>
@@ -13964,63 +14048,13 @@
             </a:r>
             <a:r>
               <a:rPr lang="en-US" altLang="ja-JP" dirty="0" smtClean="0"/>
-              <a:t>9/12</a:t>
+              <a:t>9/14</a:t>
             </a:r>
             <a:r>
               <a:rPr lang="ja-JP" altLang="en-US" dirty="0" smtClean="0"/>
               <a:t>）</a:t>
             </a:r>
             <a:endParaRPr kumimoji="1" lang="ja-JP" altLang="en-US" dirty="0"/>
-          </a:p>
-        </p:txBody>
-      </p:sp>
-      <p:sp>
-        <p:nvSpPr>
-          <p:cNvPr id="3" name="コンテンツ プレースホルダー 2"/>
-          <p:cNvSpPr>
-            <a:spLocks noGrp="1"/>
-          </p:cNvSpPr>
-          <p:nvPr>
-            <p:ph sz="quarter" idx="10"/>
-          </p:nvPr>
-        </p:nvSpPr>
-        <p:spPr/>
-        <p:txBody>
-          <a:bodyPr/>
-          <a:lstStyle/>
-          <a:p>
-            <a:pPr>
-              <a:buFont typeface="Wingdings" panose="05000000000000000000" pitchFamily="2" charset="2"/>
-              <a:buChar char="l"/>
-            </a:pPr>
-            <a:r>
-              <a:rPr lang="en-US" altLang="ja-JP" b="1" dirty="0" smtClean="0"/>
-              <a:t>Conductor check</a:t>
-            </a:r>
-            <a:r>
-              <a:rPr lang="ja-JP" altLang="en-US" b="1" dirty="0" smtClean="0"/>
-              <a:t>（</a:t>
-            </a:r>
-            <a:r>
-              <a:rPr lang="en-US" altLang="ja-JP" b="1" dirty="0"/>
-              <a:t>1</a:t>
-            </a:r>
-            <a:r>
-              <a:rPr lang="ja-JP" altLang="en-US" b="1" dirty="0" smtClean="0"/>
-              <a:t>）</a:t>
-            </a:r>
-            <a:r>
-              <a:rPr lang="en-US" altLang="ja-JP" b="1" dirty="0" smtClean="0"/>
-              <a:t/>
-            </a:r>
-            <a:br>
-              <a:rPr lang="en-US" altLang="ja-JP" b="1" dirty="0" smtClean="0"/>
-            </a:br>
-            <a:r>
-              <a:rPr lang="en-US" altLang="ja-JP" dirty="0" smtClean="0"/>
-              <a:t>In the “Conductor” Menu group -&gt; “Conductor list” menu -&gt;”List” Sub-menu, users can download the input/results data for each Conductor.</a:t>
-            </a:r>
-            <a:endParaRPr lang="ja-JP" altLang="en-US" dirty="0" smtClean="0"/>
           </a:p>
         </p:txBody>
       </p:sp>
@@ -14032,8 +14066,8 @@
         </p:nvSpPr>
         <p:spPr bwMode="auto">
           <a:xfrm>
-            <a:off x="395420" y="3789050"/>
-            <a:ext cx="792110" cy="196762"/>
+            <a:off x="251400" y="4528418"/>
+            <a:ext cx="792110" cy="268772"/>
           </a:xfrm>
           <a:prstGeom prst="rect">
             <a:avLst/>
@@ -14071,8 +14105,8 @@
         </p:nvSpPr>
         <p:spPr bwMode="auto">
           <a:xfrm>
-            <a:off x="5292100" y="4725180"/>
-            <a:ext cx="1440200" cy="504070"/>
+            <a:off x="5796170" y="5121118"/>
+            <a:ext cx="1296180" cy="180141"/>
           </a:xfrm>
           <a:prstGeom prst="rect">
             <a:avLst/>
@@ -14171,7 +14205,7 @@
             </a:r>
             <a:r>
               <a:rPr lang="en-US" altLang="ja-JP" dirty="0" smtClean="0"/>
-              <a:t>10/12</a:t>
+              <a:t>10/14</a:t>
             </a:r>
             <a:r>
               <a:rPr lang="ja-JP" altLang="en-US" dirty="0" smtClean="0"/>
@@ -14585,7 +14619,7 @@
             </a:r>
             <a:r>
               <a:rPr lang="en-US" altLang="ja-JP" dirty="0" smtClean="0"/>
-              <a:t>11/12</a:t>
+              <a:t>11/14</a:t>
             </a:r>
             <a:r>
               <a:rPr lang="ja-JP" altLang="en-US" dirty="0" smtClean="0"/>
@@ -14968,8 +15002,8 @@
         </p:nvSpPr>
         <p:spPr bwMode="auto">
           <a:xfrm>
-            <a:off x="1547580" y="4540104"/>
-            <a:ext cx="4427241" cy="1900729"/>
+            <a:off x="899490" y="4540104"/>
+            <a:ext cx="5075331" cy="1900729"/>
           </a:xfrm>
           <a:prstGeom prst="rect">
             <a:avLst/>
@@ -15041,28 +15075,24 @@
               <a:rPr lang="en-US" altLang="ja-JP" sz="1400" b="1" dirty="0" smtClean="0"/>
             </a:br>
             <a:r>
+              <a:rPr lang="en-US" altLang="ja-JP" sz="1400" b="1" dirty="0" smtClean="0"/>
+              <a:t>1</a:t>
+            </a:r>
+            <a:r>
+              <a:rPr lang="en-US" altLang="ja-JP" sz="1400" b="1" baseline="30000" dirty="0" smtClean="0"/>
+              <a:t>st</a:t>
+            </a:r>
+            <a:r>
+              <a:rPr lang="en-US" altLang="ja-JP" sz="1400" b="1" dirty="0" smtClean="0"/>
+              <a:t> time</a:t>
+            </a:r>
+            <a:r>
+              <a:rPr lang="en-US" altLang="ja-JP" sz="1400" b="1" dirty="0" smtClean="0"/>
+              <a:t>(=next execution date)</a:t>
+            </a:r>
+            <a:r>
               <a:rPr lang="ja-JP" altLang="en-US" sz="1400" b="1" dirty="0" smtClean="0"/>
-              <a:t>初回</a:t>
-            </a:r>
-            <a:r>
-              <a:rPr lang="en-US" altLang="ja-JP" sz="1400" b="1" dirty="0" smtClean="0"/>
-              <a:t>(=</a:t>
-            </a:r>
-            <a:r>
-              <a:rPr lang="ja-JP" altLang="en-US" sz="1400" b="1" dirty="0"/>
-              <a:t>次回実行</a:t>
-            </a:r>
-            <a:r>
-              <a:rPr lang="ja-JP" altLang="en-US" sz="1400" b="1" dirty="0" smtClean="0"/>
-              <a:t>日付</a:t>
-            </a:r>
-            <a:r>
-              <a:rPr lang="en-US" altLang="ja-JP" sz="1400" b="1" dirty="0" smtClean="0"/>
-              <a:t>)</a:t>
-            </a:r>
-            <a:r>
-              <a:rPr lang="ja-JP" altLang="en-US" sz="1400" b="1" dirty="0" smtClean="0"/>
-              <a:t> ：</a:t>
+              <a:t>：</a:t>
             </a:r>
             <a:r>
               <a:rPr lang="en-US" altLang="ja-JP" sz="1400" b="1" dirty="0" smtClean="0"/>
@@ -15086,10 +15116,34 @@
               <a:t>2</a:t>
             </a:r>
             <a:r>
+              <a:rPr lang="en-US" altLang="ja-JP" sz="1400" b="1" baseline="30000" dirty="0" smtClean="0">
+                <a:latin typeface="+mn-ea"/>
+              </a:rPr>
+              <a:t>nd</a:t>
+            </a:r>
+            <a:r>
+              <a:rPr lang="en-US" altLang="ja-JP" sz="1400" b="1" dirty="0" smtClean="0">
+                <a:latin typeface="+mn-ea"/>
+              </a:rPr>
+              <a:t> time</a:t>
+            </a:r>
+            <a:r>
               <a:rPr lang="ja-JP" altLang="en-US" sz="1400" b="1" dirty="0" smtClean="0">
                 <a:latin typeface="+mn-ea"/>
               </a:rPr>
-              <a:t>回目                       </a:t>
+              <a:t>       </a:t>
+            </a:r>
+            <a:r>
+              <a:rPr lang="en-US" altLang="ja-JP" sz="1400" b="1" dirty="0" smtClean="0">
+                <a:latin typeface="+mn-ea"/>
+              </a:rPr>
+              <a:t>	</a:t>
+            </a:r>
+            <a:r>
+              <a:rPr lang="ja-JP" altLang="en-US" sz="1400" b="1" dirty="0" smtClean="0">
+                <a:latin typeface="+mn-ea"/>
+              </a:rPr>
+              <a:t>                   </a:t>
             </a:r>
             <a:r>
               <a:rPr lang="ja-JP" altLang="en-US" sz="1400" b="1" dirty="0" smtClean="0"/>
@@ -15109,10 +15163,34 @@
               <a:t>3</a:t>
             </a:r>
             <a:r>
+              <a:rPr lang="en-US" altLang="ja-JP" sz="1400" b="1" baseline="30000" dirty="0" smtClean="0">
+                <a:latin typeface="+mn-ea"/>
+              </a:rPr>
+              <a:t>rd</a:t>
+            </a:r>
+            <a:r>
+              <a:rPr lang="en-US" altLang="ja-JP" sz="1400" b="1" dirty="0" smtClean="0">
+                <a:latin typeface="+mn-ea"/>
+              </a:rPr>
+              <a:t> time</a:t>
+            </a:r>
+            <a:r>
               <a:rPr lang="ja-JP" altLang="en-US" sz="1400" b="1" dirty="0" smtClean="0">
                 <a:latin typeface="+mn-ea"/>
               </a:rPr>
-              <a:t>回目                       </a:t>
+              <a:t>             </a:t>
+            </a:r>
+            <a:r>
+              <a:rPr lang="en-US" altLang="ja-JP" sz="1400" b="1" dirty="0" smtClean="0">
+                <a:latin typeface="+mn-ea"/>
+              </a:rPr>
+              <a:t>		</a:t>
+            </a:r>
+            <a:r>
+              <a:rPr lang="ja-JP" altLang="en-US" sz="1400" b="1" dirty="0" smtClean="0">
+                <a:latin typeface="+mn-ea"/>
+              </a:rPr>
+              <a:t>            </a:t>
             </a:r>
             <a:r>
               <a:rPr lang="ja-JP" altLang="en-US" sz="1400" b="1" dirty="0" smtClean="0"/>
@@ -15157,8 +15235,8 @@
         </p:nvSpPr>
         <p:spPr bwMode="auto">
           <a:xfrm>
-            <a:off x="1671261" y="4760202"/>
-            <a:ext cx="4427241" cy="683961"/>
+            <a:off x="971500" y="4576243"/>
+            <a:ext cx="5003321" cy="899991"/>
           </a:xfrm>
           <a:prstGeom prst="rect">
             <a:avLst/>
@@ -15179,68 +15257,53 @@
           </a:bodyPr>
           <a:lstStyle/>
           <a:p>
-            <a:r>
-              <a:rPr lang="ja-JP" altLang="en-US" sz="1400" b="1" dirty="0" smtClean="0">
+            <a:pPr algn="ctr"/>
+            <a:r>
+              <a:rPr lang="en-US" altLang="ja-JP" sz="1200" b="1" dirty="0">
                 <a:latin typeface="+mn-ea"/>
               </a:rPr>
-              <a:t>現在日時「</a:t>
-            </a:r>
-            <a:r>
-              <a:rPr lang="en-US" altLang="ja-JP" sz="1400" b="1" dirty="0" smtClean="0">
+              <a:t>If the current date is " </a:t>
+            </a:r>
+            <a:r>
+              <a:rPr lang="en-US" altLang="ja-JP" sz="1200" b="1" dirty="0" smtClean="0">
                 <a:latin typeface="+mn-ea"/>
               </a:rPr>
-              <a:t>2021/8/31 00:00</a:t>
-            </a:r>
-            <a:r>
-              <a:rPr lang="ja-JP" altLang="en-US" sz="1400" b="1" dirty="0" smtClean="0">
-                <a:latin typeface="+mn-ea"/>
-              </a:rPr>
-              <a:t>」に</a:t>
-            </a:r>
-            <a:r>
-              <a:rPr lang="en-US" altLang="ja-JP" sz="1400" b="1" dirty="0" smtClean="0">
-                <a:latin typeface="+mn-ea"/>
-              </a:rPr>
-              <a:t/>
+              <a:t>31/8/2021”</a:t>
             </a:r>
             <a:br>
-              <a:rPr lang="en-US" altLang="ja-JP" sz="1400" b="1" dirty="0" smtClean="0">
+              <a:rPr lang="en-US" altLang="ja-JP" sz="1200" b="1" dirty="0" smtClean="0">
                 <a:latin typeface="+mn-ea"/>
               </a:rPr>
             </a:br>
             <a:r>
-              <a:rPr lang="ja-JP" altLang="en-US" sz="1400" b="1" dirty="0" smtClean="0">
+              <a:rPr lang="en-US" altLang="ja-JP" sz="1200" b="1" dirty="0" smtClean="0">
                 <a:latin typeface="+mn-ea"/>
               </a:rPr>
-              <a:t>左図のようにスケジュール設定した場合</a:t>
-            </a:r>
-            <a:r>
-              <a:rPr lang="en-US" altLang="ja-JP" sz="1400" b="1" dirty="0" smtClean="0">
+              <a:t>and </a:t>
+            </a:r>
+            <a:r>
+              <a:rPr lang="en-US" altLang="ja-JP" sz="1200" b="1" dirty="0">
                 <a:latin typeface="+mn-ea"/>
               </a:rPr>
-              <a:t/>
-            </a:r>
-            <a:br>
-              <a:rPr lang="en-US" altLang="ja-JP" sz="1400" b="1" dirty="0" smtClean="0">
+              <a:t>the execution schedule is set as the same above, </a:t>
+            </a:r>
+          </a:p>
+          <a:p>
+            <a:pPr algn="ctr"/>
+            <a:r>
+              <a:rPr lang="en-US" altLang="ja-JP" sz="1200" b="1" dirty="0">
                 <a:latin typeface="+mn-ea"/>
               </a:rPr>
+              <a:t>the conductor will be executed at the following dates:</a:t>
+            </a:r>
+            <a:r>
+              <a:rPr lang="en-US" altLang="ja-JP" sz="1200" b="1" dirty="0" smtClean="0"/>
+              <a:t/>
+            </a:r>
+            <a:br>
+              <a:rPr lang="en-US" altLang="ja-JP" sz="1200" b="1" dirty="0" smtClean="0"/>
             </a:br>
-            <a:r>
-              <a:rPr lang="en-US" altLang="ja-JP" sz="1400" b="1" dirty="0" smtClean="0"/>
-              <a:t>Conductor</a:t>
-            </a:r>
-            <a:r>
-              <a:rPr lang="ja-JP" altLang="en-US" sz="1400" b="1" dirty="0" smtClean="0"/>
-              <a:t>の実行日時は以下のようになります。</a:t>
-            </a:r>
-            <a:r>
-              <a:rPr lang="en-US" altLang="ja-JP" sz="1400" b="1" dirty="0" smtClean="0"/>
-              <a:t/>
-            </a:r>
-            <a:br>
-              <a:rPr lang="en-US" altLang="ja-JP" sz="1400" b="1" dirty="0" smtClean="0"/>
-            </a:br>
-            <a:endParaRPr lang="ja-JP" altLang="en-US" sz="1400" b="1" dirty="0">
+            <a:endParaRPr lang="ja-JP" altLang="en-US" sz="1200" b="1" dirty="0">
               <a:latin typeface="+mn-ea"/>
             </a:endParaRPr>
           </a:p>
@@ -15283,6 +15346,30 @@
           <a:chExt cx="0" cy="0"/>
         </a:xfrm>
       </p:grpSpPr>
+      <p:pic>
+        <p:nvPicPr>
+          <p:cNvPr id="5" name="図 4"/>
+          <p:cNvPicPr>
+            <a:picLocks noChangeAspect="1"/>
+          </p:cNvPicPr>
+          <p:nvPr/>
+        </p:nvPicPr>
+        <p:blipFill>
+          <a:blip r:embed="rId2"/>
+          <a:stretch>
+            <a:fillRect/>
+          </a:stretch>
+        </p:blipFill>
+        <p:spPr>
+          <a:xfrm>
+            <a:off x="179512" y="3867178"/>
+            <a:ext cx="4743964" cy="1888251"/>
+          </a:xfrm>
+          <a:prstGeom prst="rect">
+            <a:avLst/>
+          </a:prstGeom>
+        </p:spPr>
+      </p:pic>
       <p:sp>
         <p:nvSpPr>
           <p:cNvPr id="2" name="タイトル 1"/>
@@ -15324,7 +15411,7 @@
             </a:r>
             <a:r>
               <a:rPr lang="en-US" altLang="ja-JP" dirty="0" smtClean="0"/>
-              <a:t>12/12</a:t>
+              <a:t>12/14</a:t>
             </a:r>
             <a:r>
               <a:rPr lang="ja-JP" altLang="en-US" dirty="0" smtClean="0"/>
@@ -15395,27 +15482,11 @@
             </a:r>
             <a:r>
               <a:rPr lang="en-US" altLang="ja-JP" sz="1400" dirty="0" smtClean="0"/>
-              <a:t>. For more information, please see XXX</a:t>
-            </a:r>
-            <a:endParaRPr lang="en-US" altLang="ja-JP" sz="1400" dirty="0"/>
-          </a:p>
-          <a:p>
-            <a:pPr marL="180000" lvl="1" indent="0">
-              <a:buNone/>
-            </a:pPr>
-            <a:r>
-              <a:rPr lang="ja-JP" altLang="en-US" sz="1400" dirty="0" smtClean="0"/>
-              <a:t>変更手順は</a:t>
-            </a:r>
-            <a:r>
-              <a:rPr lang="ja-JP" altLang="en-US" sz="1400" dirty="0" smtClean="0">
-                <a:hlinkClick r:id="rId2"/>
-              </a:rPr>
-              <a:t>管理コンソールの利用手順マニュアル</a:t>
-            </a:r>
-            <a:r>
-              <a:rPr lang="ja-JP" altLang="en-US" sz="1400" dirty="0" smtClean="0"/>
-              <a:t>をご参照ください。</a:t>
+              <a:t>. For more information, please see </a:t>
+            </a:r>
+            <a:r>
+              <a:rPr lang="en-US" altLang="ja-JP" sz="1400" dirty="0" smtClean="0"/>
+              <a:t>the Management console user manual. </a:t>
             </a:r>
             <a:endParaRPr lang="en-US" altLang="ja-JP" sz="1400" dirty="0" smtClean="0"/>
           </a:p>
@@ -15433,30 +15504,6 @@
           </a:p>
         </p:txBody>
       </p:sp>
-      <p:pic>
-        <p:nvPicPr>
-          <p:cNvPr id="6" name="図 5"/>
-          <p:cNvPicPr>
-            <a:picLocks noChangeAspect="1"/>
-          </p:cNvPicPr>
-          <p:nvPr/>
-        </p:nvPicPr>
-        <p:blipFill>
-          <a:blip r:embed="rId3"/>
-          <a:stretch>
-            <a:fillRect/>
-          </a:stretch>
-        </p:blipFill>
-        <p:spPr>
-          <a:xfrm>
-            <a:off x="47671" y="3917698"/>
-            <a:ext cx="4968333" cy="2339558"/>
-          </a:xfrm>
-          <a:prstGeom prst="rect">
-            <a:avLst/>
-          </a:prstGeom>
-        </p:spPr>
-      </p:pic>
       <p:pic>
         <p:nvPicPr>
           <p:cNvPr id="7" name="図 6"/>
@@ -15466,7 +15513,7 @@
           <p:nvPr/>
         </p:nvPicPr>
         <p:blipFill>
-          <a:blip r:embed="rId4"/>
+          <a:blip r:embed="rId3"/>
           <a:stretch>
             <a:fillRect/>
           </a:stretch>
@@ -15489,8 +15536,8 @@
         </p:nvSpPr>
         <p:spPr bwMode="auto">
           <a:xfrm>
-            <a:off x="3448461" y="5285888"/>
-            <a:ext cx="504070" cy="216030"/>
+            <a:off x="2314668" y="5626782"/>
+            <a:ext cx="169042" cy="128647"/>
           </a:xfrm>
           <a:prstGeom prst="rect">
             <a:avLst/>
@@ -15567,8 +15614,8 @@
         </p:nvSpPr>
         <p:spPr bwMode="auto">
           <a:xfrm>
-            <a:off x="2627730" y="5755430"/>
-            <a:ext cx="4536629" cy="951270"/>
+            <a:off x="683460" y="5789956"/>
+            <a:ext cx="6480899" cy="916743"/>
           </a:xfrm>
           <a:custGeom>
             <a:avLst/>
@@ -16749,6 +16796,732 @@
           <a:chExt cx="0" cy="0"/>
         </a:xfrm>
       </p:grpSpPr>
+      <p:pic>
+        <p:nvPicPr>
+          <p:cNvPr id="4" name="図 3"/>
+          <p:cNvPicPr>
+            <a:picLocks noChangeAspect="1"/>
+          </p:cNvPicPr>
+          <p:nvPr/>
+        </p:nvPicPr>
+        <p:blipFill>
+          <a:blip r:embed="rId2"/>
+          <a:stretch>
+            <a:fillRect/>
+          </a:stretch>
+        </p:blipFill>
+        <p:spPr>
+          <a:xfrm>
+            <a:off x="179512" y="2533866"/>
+            <a:ext cx="8753006" cy="3801253"/>
+          </a:xfrm>
+          <a:prstGeom prst="rect">
+            <a:avLst/>
+          </a:prstGeom>
+        </p:spPr>
+      </p:pic>
+      <p:sp>
+        <p:nvSpPr>
+          <p:cNvPr id="2" name="タイトル 1"/>
+          <p:cNvSpPr>
+            <a:spLocks noGrp="1"/>
+          </p:cNvSpPr>
+          <p:nvPr>
+            <p:ph type="title"/>
+          </p:nvPr>
+        </p:nvSpPr>
+        <p:spPr/>
+        <p:txBody>
+          <a:bodyPr/>
+          <a:lstStyle/>
+          <a:p>
+            <a:r>
+              <a:rPr lang="en-US" altLang="ja-JP" dirty="0"/>
+              <a:t>2.3</a:t>
+            </a:r>
+            <a:r>
+              <a:rPr lang="ja-JP" altLang="en-US" dirty="0"/>
+              <a:t>　</a:t>
+            </a:r>
+            <a:r>
+              <a:rPr lang="en-US" altLang="ja-JP" dirty="0"/>
+              <a:t> Conductor Function </a:t>
+            </a:r>
+            <a:r>
+              <a:rPr lang="en-US" altLang="ja-JP" dirty="0" smtClean="0"/>
+              <a:t>Description</a:t>
+            </a:r>
+            <a:r>
+              <a:rPr lang="ja-JP" altLang="en-US" dirty="0"/>
+              <a:t>　（</a:t>
+            </a:r>
+            <a:r>
+              <a:rPr lang="en-US" altLang="ja-JP" dirty="0" smtClean="0"/>
+              <a:t>13/14</a:t>
+            </a:r>
+            <a:r>
+              <a:rPr lang="ja-JP" altLang="en-US" dirty="0" smtClean="0"/>
+              <a:t>）</a:t>
+            </a:r>
+            <a:endParaRPr kumimoji="1" lang="ja-JP" altLang="en-US" dirty="0"/>
+          </a:p>
+        </p:txBody>
+      </p:sp>
+      <p:sp>
+        <p:nvSpPr>
+          <p:cNvPr id="3" name="コンテンツ プレースホルダー 2"/>
+          <p:cNvSpPr>
+            <a:spLocks noGrp="1"/>
+          </p:cNvSpPr>
+          <p:nvPr>
+            <p:ph sz="quarter" idx="10"/>
+          </p:nvPr>
+        </p:nvSpPr>
+        <p:spPr/>
+        <p:txBody>
+          <a:bodyPr/>
+          <a:lstStyle/>
+          <a:p>
+            <a:pPr>
+              <a:buFont typeface="Wingdings" panose="05000000000000000000" pitchFamily="2" charset="2"/>
+              <a:buChar char="l"/>
+            </a:pPr>
+            <a:r>
+              <a:rPr lang="en-US" altLang="ja-JP" b="1" dirty="0" smtClean="0"/>
+              <a:t>Conductor</a:t>
+            </a:r>
+            <a:r>
+              <a:rPr lang="ja-JP" altLang="en-US" b="1" dirty="0" smtClean="0"/>
+              <a:t> </a:t>
+            </a:r>
+            <a:r>
+              <a:rPr lang="en-US" altLang="ja-JP" b="1" dirty="0" smtClean="0"/>
+              <a:t>notification definition</a:t>
+            </a:r>
+            <a:r>
+              <a:rPr lang="ja-JP" altLang="en-US" b="1" dirty="0" smtClean="0"/>
+              <a:t>（</a:t>
+            </a:r>
+            <a:r>
+              <a:rPr lang="en-US" altLang="ja-JP" b="1" dirty="0" smtClean="0"/>
+              <a:t>1/2</a:t>
+            </a:r>
+            <a:r>
+              <a:rPr lang="ja-JP" altLang="en-US" b="1" dirty="0" smtClean="0"/>
+              <a:t>）</a:t>
+            </a:r>
+            <a:endParaRPr lang="en-US" altLang="ja-JP" b="1" dirty="0" smtClean="0"/>
+          </a:p>
+          <a:p>
+            <a:pPr lvl="1"/>
+            <a:r>
+              <a:rPr lang="en-US" altLang="ja-JP" dirty="0" smtClean="0"/>
+              <a:t>Send conductor operation results to selected message tool</a:t>
+            </a:r>
+            <a:r>
+              <a:rPr lang="ja-JP" altLang="en-US" dirty="0"/>
+              <a:t> </a:t>
+            </a:r>
+            <a:r>
+              <a:rPr lang="en-US" altLang="ja-JP" dirty="0" smtClean="0"/>
+              <a:t>(Teams, Slack) by http request. Set definition for destination and content in “Conductor notification definition” menu. For detail see</a:t>
+            </a:r>
+            <a:r>
+              <a:rPr lang="ja-JP" altLang="en-US" dirty="0"/>
+              <a:t> </a:t>
+            </a:r>
+            <a:r>
+              <a:rPr lang="en-US" altLang="ja-JP" dirty="0" smtClean="0">
+                <a:hlinkClick r:id="rId3"/>
+              </a:rPr>
+              <a:t>this manual</a:t>
+            </a:r>
+            <a:r>
+              <a:rPr lang="en-US" altLang="ja-JP" dirty="0" smtClean="0"/>
+              <a:t>.</a:t>
+            </a:r>
+            <a:endParaRPr lang="en-US" altLang="ja-JP" dirty="0" smtClean="0"/>
+          </a:p>
+          <a:p>
+            <a:pPr lvl="1"/>
+            <a:r>
+              <a:rPr lang="en-US" altLang="ja-JP" dirty="0" smtClean="0"/>
+              <a:t>Applicable </a:t>
+            </a:r>
+            <a:r>
+              <a:rPr lang="en-US" altLang="ja-JP" dirty="0" smtClean="0"/>
+              <a:t>for</a:t>
+            </a:r>
+            <a:r>
+              <a:rPr lang="en-US" altLang="ja-JP" dirty="0" smtClean="0"/>
+              <a:t> </a:t>
+            </a:r>
+            <a:r>
+              <a:rPr lang="en-US" altLang="ja-JP" dirty="0" smtClean="0"/>
+              <a:t>checking results </a:t>
+            </a:r>
+            <a:r>
+              <a:rPr lang="en-US" altLang="ja-JP" dirty="0" smtClean="0"/>
+              <a:t>of</a:t>
+            </a:r>
+            <a:r>
+              <a:rPr lang="en-US" altLang="ja-JP" dirty="0" smtClean="0"/>
+              <a:t> </a:t>
+            </a:r>
+            <a:r>
+              <a:rPr lang="en-US" altLang="ja-JP" dirty="0" smtClean="0"/>
+              <a:t>long </a:t>
+            </a:r>
+            <a:r>
+              <a:rPr lang="en-US" altLang="ja-JP" dirty="0" smtClean="0"/>
+              <a:t> or reserved operations.</a:t>
+            </a:r>
+            <a:endParaRPr kumimoji="1" lang="ja-JP" altLang="en-US" dirty="0"/>
+          </a:p>
+        </p:txBody>
+      </p:sp>
+      <p:sp>
+        <p:nvSpPr>
+          <p:cNvPr id="13" name="正方形/長方形 12"/>
+          <p:cNvSpPr/>
+          <p:nvPr/>
+        </p:nvSpPr>
+        <p:spPr>
+          <a:xfrm>
+            <a:off x="2123660" y="4106388"/>
+            <a:ext cx="2579947" cy="369332"/>
+          </a:xfrm>
+          <a:prstGeom prst="rect">
+            <a:avLst/>
+          </a:prstGeom>
+        </p:spPr>
+        <p:txBody>
+          <a:bodyPr wrap="square">
+            <a:spAutoFit/>
+          </a:bodyPr>
+          <a:lstStyle/>
+          <a:p>
+            <a:r>
+              <a:rPr lang="ja-JP" altLang="en-US" dirty="0">
+                <a:solidFill>
+                  <a:srgbClr val="000000"/>
+                </a:solidFill>
+                <a:latin typeface="Meiryo" panose="020B0604030504040204" pitchFamily="50" charset="-128"/>
+                <a:ea typeface="Meiryo" panose="020B0604030504040204" pitchFamily="50" charset="-128"/>
+              </a:rPr>
+              <a:t> </a:t>
+            </a:r>
+            <a:endParaRPr lang="ja-JP" altLang="en-US" dirty="0"/>
+          </a:p>
+        </p:txBody>
+      </p:sp>
+      <p:sp>
+        <p:nvSpPr>
+          <p:cNvPr id="14" name="正方形/長方形 13"/>
+          <p:cNvSpPr/>
+          <p:nvPr/>
+        </p:nvSpPr>
+        <p:spPr bwMode="auto">
+          <a:xfrm>
+            <a:off x="1187530" y="5121706"/>
+            <a:ext cx="7561050" cy="751501"/>
+          </a:xfrm>
+          <a:prstGeom prst="rect">
+            <a:avLst/>
+          </a:prstGeom>
+          <a:noFill/>
+          <a:ln w="38100">
+            <a:solidFill>
+              <a:srgbClr val="FF0000"/>
+            </a:solidFill>
+          </a:ln>
+          <a:effectLst/>
+          <a:extLst/>
+        </p:spPr>
+        <p:txBody>
+          <a:bodyPr rot="0" spcFirstLastPara="0" vertOverflow="overflow" horzOverflow="overflow" vert="horz" wrap="none" lIns="72000" tIns="72000" rIns="72000" bIns="72000" numCol="1" spcCol="0" rtlCol="0" fromWordArt="0" anchor="ctr" anchorCtr="0" forceAA="0" compatLnSpc="1">
+            <a:prstTxWarp prst="textNoShape">
+              <a:avLst/>
+            </a:prstTxWarp>
+            <a:noAutofit/>
+          </a:bodyPr>
+          <a:lstStyle/>
+          <a:p>
+            <a:pPr algn="ctr"/>
+            <a:endParaRPr kumimoji="1" lang="ja-JP" altLang="en-US" b="1" dirty="0" smtClean="0">
+              <a:latin typeface="+mn-ea"/>
+            </a:endParaRPr>
+          </a:p>
+        </p:txBody>
+      </p:sp>
+      <p:sp>
+        <p:nvSpPr>
+          <p:cNvPr id="12" name="四角形吹き出し 11"/>
+          <p:cNvSpPr/>
+          <p:nvPr/>
+        </p:nvSpPr>
+        <p:spPr bwMode="auto">
+          <a:xfrm>
+            <a:off x="5580140" y="4005080"/>
+            <a:ext cx="2592360" cy="858827"/>
+          </a:xfrm>
+          <a:prstGeom prst="wedgeRectCallout">
+            <a:avLst>
+              <a:gd name="adj1" fmla="val -38346"/>
+              <a:gd name="adj2" fmla="val 79525"/>
+            </a:avLst>
+          </a:prstGeom>
+          <a:solidFill>
+            <a:schemeClr val="bg1"/>
+          </a:solidFill>
+          <a:ln w="38100">
+            <a:solidFill>
+              <a:schemeClr val="accent6">
+                <a:lumMod val="90000"/>
+                <a:lumOff val="10000"/>
+              </a:schemeClr>
+            </a:solidFill>
+          </a:ln>
+          <a:effectLst/>
+          <a:extLst/>
+        </p:spPr>
+        <p:txBody>
+          <a:bodyPr rot="0" spcFirstLastPara="0" vertOverflow="overflow" horzOverflow="overflow" vert="horz" wrap="none" lIns="72000" tIns="72000" rIns="72000" bIns="72000" numCol="1" spcCol="0" rtlCol="0" fromWordArt="0" anchor="ctr" anchorCtr="0" forceAA="0" compatLnSpc="1">
+            <a:prstTxWarp prst="textNoShape">
+              <a:avLst/>
+            </a:prstTxWarp>
+            <a:noAutofit/>
+          </a:bodyPr>
+          <a:lstStyle/>
+          <a:p>
+            <a:pPr algn="ctr"/>
+            <a:r>
+              <a:rPr lang="en-US" altLang="ja-JP" sz="1600" b="1" dirty="0" smtClean="0">
+                <a:latin typeface="+mn-ea"/>
+              </a:rPr>
+              <a:t>Define notification</a:t>
+            </a:r>
+          </a:p>
+          <a:p>
+            <a:pPr algn="ctr"/>
+            <a:r>
+              <a:rPr lang="en-US" altLang="ja-JP" sz="1600" b="1" dirty="0" smtClean="0">
+                <a:latin typeface="+mn-ea"/>
+              </a:rPr>
+              <a:t> destination</a:t>
+            </a:r>
+            <a:r>
+              <a:rPr lang="ja-JP" altLang="en-US" sz="1600" b="1" dirty="0" smtClean="0">
+                <a:latin typeface="+mn-ea"/>
+              </a:rPr>
+              <a:t>・</a:t>
+            </a:r>
+            <a:r>
+              <a:rPr lang="en-US" altLang="ja-JP" sz="1600" b="1" dirty="0" smtClean="0">
+                <a:latin typeface="+mn-ea"/>
+              </a:rPr>
+              <a:t>content</a:t>
+            </a:r>
+            <a:endParaRPr kumimoji="1" lang="ja-JP" altLang="en-US" sz="1600" b="1" dirty="0" smtClean="0">
+              <a:latin typeface="+mn-ea"/>
+            </a:endParaRPr>
+          </a:p>
+        </p:txBody>
+      </p:sp>
+    </p:spTree>
+    <p:extLst>
+      <p:ext uri="{BB962C8B-B14F-4D97-AF65-F5344CB8AC3E}">
+        <p14:creationId xmlns:p14="http://schemas.microsoft.com/office/powerpoint/2010/main" val="4216228233"/>
+      </p:ext>
+    </p:extLst>
+  </p:cSld>
+  <p:clrMapOvr>
+    <a:masterClrMapping/>
+  </p:clrMapOvr>
+</p:sld>
+</file>
+
+<file path=ppt/slides/slide21.xml><?xml version="1.0" encoding="utf-8"?>
+<p:sld xmlns:a="http://schemas.openxmlformats.org/drawingml/2006/main" xmlns:r="http://schemas.openxmlformats.org/officeDocument/2006/relationships" xmlns:p="http://schemas.openxmlformats.org/presentationml/2006/main">
+  <p:cSld>
+    <p:spTree>
+      <p:nvGrpSpPr>
+        <p:cNvPr id="1" name=""/>
+        <p:cNvGrpSpPr/>
+        <p:nvPr/>
+      </p:nvGrpSpPr>
+      <p:grpSpPr>
+        <a:xfrm>
+          <a:off x="0" y="0"/>
+          <a:ext cx="0" cy="0"/>
+          <a:chOff x="0" y="0"/>
+          <a:chExt cx="0" cy="0"/>
+        </a:xfrm>
+      </p:grpSpPr>
+      <p:pic>
+        <p:nvPicPr>
+          <p:cNvPr id="5" name="図 4"/>
+          <p:cNvPicPr>
+            <a:picLocks noChangeAspect="1"/>
+          </p:cNvPicPr>
+          <p:nvPr/>
+        </p:nvPicPr>
+        <p:blipFill rotWithShape="1">
+          <a:blip r:embed="rId2"/>
+          <a:srcRect l="-2662" r="2662"/>
+          <a:stretch/>
+        </p:blipFill>
+        <p:spPr>
+          <a:xfrm>
+            <a:off x="62696" y="2173466"/>
+            <a:ext cx="8857231" cy="2880400"/>
+          </a:xfrm>
+          <a:prstGeom prst="rect">
+            <a:avLst/>
+          </a:prstGeom>
+        </p:spPr>
+      </p:pic>
+      <p:sp>
+        <p:nvSpPr>
+          <p:cNvPr id="2" name="タイトル 1"/>
+          <p:cNvSpPr>
+            <a:spLocks noGrp="1"/>
+          </p:cNvSpPr>
+          <p:nvPr>
+            <p:ph type="title"/>
+          </p:nvPr>
+        </p:nvSpPr>
+        <p:spPr/>
+        <p:txBody>
+          <a:bodyPr/>
+          <a:lstStyle/>
+          <a:p>
+            <a:r>
+              <a:rPr lang="en-US" altLang="ja-JP" dirty="0"/>
+              <a:t>2.3</a:t>
+            </a:r>
+            <a:r>
+              <a:rPr lang="ja-JP" altLang="en-US" dirty="0"/>
+              <a:t>　</a:t>
+            </a:r>
+            <a:r>
+              <a:rPr lang="en-US" altLang="ja-JP" dirty="0"/>
+              <a:t> Conductor Function </a:t>
+            </a:r>
+            <a:r>
+              <a:rPr lang="en-US" altLang="ja-JP" dirty="0" smtClean="0"/>
+              <a:t>Description</a:t>
+            </a:r>
+            <a:r>
+              <a:rPr lang="ja-JP" altLang="en-US" dirty="0"/>
+              <a:t>　（</a:t>
+            </a:r>
+            <a:r>
+              <a:rPr lang="en-US" altLang="ja-JP" dirty="0" smtClean="0"/>
+              <a:t>14/14</a:t>
+            </a:r>
+            <a:r>
+              <a:rPr lang="ja-JP" altLang="en-US" dirty="0" smtClean="0"/>
+              <a:t>）</a:t>
+            </a:r>
+            <a:endParaRPr kumimoji="1" lang="ja-JP" altLang="en-US" dirty="0"/>
+          </a:p>
+        </p:txBody>
+      </p:sp>
+      <p:sp>
+        <p:nvSpPr>
+          <p:cNvPr id="3" name="コンテンツ プレースホルダー 2"/>
+          <p:cNvSpPr>
+            <a:spLocks noGrp="1"/>
+          </p:cNvSpPr>
+          <p:nvPr>
+            <p:ph sz="quarter" idx="10"/>
+          </p:nvPr>
+        </p:nvSpPr>
+        <p:spPr/>
+        <p:txBody>
+          <a:bodyPr/>
+          <a:lstStyle/>
+          <a:p>
+            <a:pPr>
+              <a:buFont typeface="Wingdings" panose="05000000000000000000" pitchFamily="2" charset="2"/>
+              <a:buChar char="l"/>
+            </a:pPr>
+            <a:r>
+              <a:rPr lang="en-US" altLang="ja-JP" b="1" dirty="0" smtClean="0"/>
+              <a:t>Conductor</a:t>
+            </a:r>
+            <a:r>
+              <a:rPr lang="ja-JP" altLang="en-US" b="1" dirty="0"/>
+              <a:t> </a:t>
+            </a:r>
+            <a:r>
+              <a:rPr lang="en-US" altLang="ja-JP" b="1" dirty="0" smtClean="0"/>
+              <a:t>notification definition</a:t>
+            </a:r>
+            <a:r>
+              <a:rPr lang="ja-JP" altLang="en-US" b="1" dirty="0" smtClean="0"/>
+              <a:t>（</a:t>
+            </a:r>
+            <a:r>
+              <a:rPr lang="en-US" altLang="ja-JP" b="1" dirty="0" smtClean="0"/>
+              <a:t>2/2</a:t>
+            </a:r>
+            <a:r>
+              <a:rPr lang="ja-JP" altLang="en-US" b="1" dirty="0" smtClean="0"/>
+              <a:t>）</a:t>
+            </a:r>
+            <a:endParaRPr lang="en-US" altLang="ja-JP" b="1" dirty="0" smtClean="0"/>
+          </a:p>
+          <a:p>
+            <a:pPr lvl="1"/>
+            <a:r>
+              <a:rPr lang="en-US" altLang="ja-JP" dirty="0" smtClean="0"/>
+              <a:t>Users can press the “Notice” button in the “Conductor class edit” to select what statuses will send a notification. </a:t>
+            </a:r>
+            <a:br>
+              <a:rPr lang="en-US" altLang="ja-JP" dirty="0" smtClean="0"/>
+            </a:br>
+            <a:r>
+              <a:rPr lang="en-US" altLang="ja-JP" dirty="0" smtClean="0"/>
+              <a:t>The notifications must be defined in the Conductor notification definition menu.</a:t>
+            </a:r>
+            <a:endParaRPr lang="ja-JP" altLang="en-US" dirty="0"/>
+          </a:p>
+        </p:txBody>
+      </p:sp>
+      <p:sp>
+        <p:nvSpPr>
+          <p:cNvPr id="13" name="正方形/長方形 12"/>
+          <p:cNvSpPr/>
+          <p:nvPr/>
+        </p:nvSpPr>
+        <p:spPr>
+          <a:xfrm>
+            <a:off x="2123660" y="3244334"/>
+            <a:ext cx="2579947" cy="369332"/>
+          </a:xfrm>
+          <a:prstGeom prst="rect">
+            <a:avLst/>
+          </a:prstGeom>
+        </p:spPr>
+        <p:txBody>
+          <a:bodyPr wrap="square">
+            <a:spAutoFit/>
+          </a:bodyPr>
+          <a:lstStyle/>
+          <a:p>
+            <a:r>
+              <a:rPr lang="ja-JP" altLang="en-US" dirty="0">
+                <a:solidFill>
+                  <a:srgbClr val="000000"/>
+                </a:solidFill>
+                <a:latin typeface="Meiryo" panose="020B0604030504040204" pitchFamily="50" charset="-128"/>
+                <a:ea typeface="Meiryo" panose="020B0604030504040204" pitchFamily="50" charset="-128"/>
+              </a:rPr>
+              <a:t> </a:t>
+            </a:r>
+            <a:endParaRPr lang="ja-JP" altLang="en-US" dirty="0"/>
+          </a:p>
+        </p:txBody>
+      </p:sp>
+      <p:sp>
+        <p:nvSpPr>
+          <p:cNvPr id="10" name="四角形吹き出し 9"/>
+          <p:cNvSpPr/>
+          <p:nvPr/>
+        </p:nvSpPr>
+        <p:spPr bwMode="auto">
+          <a:xfrm>
+            <a:off x="4973286" y="2186152"/>
+            <a:ext cx="3218491" cy="648090"/>
+          </a:xfrm>
+          <a:prstGeom prst="wedgeRectCallout">
+            <a:avLst>
+              <a:gd name="adj1" fmla="val 62826"/>
+              <a:gd name="adj2" fmla="val 32789"/>
+            </a:avLst>
+          </a:prstGeom>
+          <a:solidFill>
+            <a:schemeClr val="bg1"/>
+          </a:solidFill>
+          <a:ln w="38100">
+            <a:solidFill>
+              <a:schemeClr val="accent6">
+                <a:lumMod val="90000"/>
+                <a:lumOff val="10000"/>
+              </a:schemeClr>
+            </a:solidFill>
+          </a:ln>
+          <a:effectLst/>
+          <a:extLst/>
+        </p:spPr>
+        <p:txBody>
+          <a:bodyPr rot="0" spcFirstLastPara="0" vertOverflow="overflow" horzOverflow="overflow" vert="horz" wrap="none" lIns="72000" tIns="72000" rIns="72000" bIns="72000" numCol="1" spcCol="0" rtlCol="0" fromWordArt="0" anchor="ctr" anchorCtr="0" forceAA="0" compatLnSpc="1">
+            <a:prstTxWarp prst="textNoShape">
+              <a:avLst/>
+            </a:prstTxWarp>
+            <a:noAutofit/>
+          </a:bodyPr>
+          <a:lstStyle/>
+          <a:p>
+            <a:pPr algn="ctr"/>
+            <a:r>
+              <a:rPr kumimoji="1" lang="en-US" altLang="ja-JP" sz="1600" b="1" dirty="0" smtClean="0">
+                <a:latin typeface="+mn-ea"/>
+              </a:rPr>
+              <a:t>Click to display the </a:t>
+            </a:r>
+            <a:br>
+              <a:rPr kumimoji="1" lang="en-US" altLang="ja-JP" sz="1600" b="1" dirty="0" smtClean="0">
+                <a:latin typeface="+mn-ea"/>
+              </a:rPr>
+            </a:br>
+            <a:r>
+              <a:rPr kumimoji="1" lang="en-US" altLang="ja-JP" sz="1600" b="1" dirty="0" smtClean="0">
+                <a:latin typeface="+mn-ea"/>
+              </a:rPr>
+              <a:t>“Notice list”</a:t>
+            </a:r>
+            <a:endParaRPr kumimoji="1" lang="ja-JP" altLang="en-US" sz="1600" b="1" dirty="0" smtClean="0">
+              <a:latin typeface="+mn-ea"/>
+            </a:endParaRPr>
+          </a:p>
+        </p:txBody>
+      </p:sp>
+      <p:sp>
+        <p:nvSpPr>
+          <p:cNvPr id="11" name="正方形/長方形 10"/>
+          <p:cNvSpPr/>
+          <p:nvPr/>
+        </p:nvSpPr>
+        <p:spPr bwMode="auto">
+          <a:xfrm>
+            <a:off x="8645796" y="2678875"/>
+            <a:ext cx="293338" cy="195074"/>
+          </a:xfrm>
+          <a:prstGeom prst="rect">
+            <a:avLst/>
+          </a:prstGeom>
+          <a:noFill/>
+          <a:ln w="38100">
+            <a:solidFill>
+              <a:srgbClr val="FF0000"/>
+            </a:solidFill>
+          </a:ln>
+          <a:effectLst/>
+          <a:extLst/>
+        </p:spPr>
+        <p:txBody>
+          <a:bodyPr rot="0" spcFirstLastPara="0" vertOverflow="overflow" horzOverflow="overflow" vert="horz" wrap="none" lIns="72000" tIns="72000" rIns="72000" bIns="72000" numCol="1" spcCol="0" rtlCol="0" fromWordArt="0" anchor="ctr" anchorCtr="0" forceAA="0" compatLnSpc="1">
+            <a:prstTxWarp prst="textNoShape">
+              <a:avLst/>
+            </a:prstTxWarp>
+            <a:noAutofit/>
+          </a:bodyPr>
+          <a:lstStyle/>
+          <a:p>
+            <a:pPr algn="ctr"/>
+            <a:endParaRPr kumimoji="1" lang="ja-JP" altLang="en-US" b="1" dirty="0" smtClean="0">
+              <a:latin typeface="+mn-ea"/>
+            </a:endParaRPr>
+          </a:p>
+        </p:txBody>
+      </p:sp>
+      <p:cxnSp>
+        <p:nvCxnSpPr>
+          <p:cNvPr id="16" name="直線矢印コネクタ 15"/>
+          <p:cNvCxnSpPr/>
+          <p:nvPr/>
+        </p:nvCxnSpPr>
+        <p:spPr bwMode="auto">
+          <a:xfrm flipH="1">
+            <a:off x="7348044" y="3068950"/>
+            <a:ext cx="1040486" cy="1980413"/>
+          </a:xfrm>
+          <a:prstGeom prst="straightConnector1">
+            <a:avLst/>
+          </a:prstGeom>
+          <a:solidFill>
+            <a:schemeClr val="bg1"/>
+          </a:solidFill>
+          <a:ln w="76200" cap="flat" cmpd="sng" algn="ctr">
+            <a:solidFill>
+              <a:srgbClr val="FF0000"/>
+            </a:solidFill>
+            <a:prstDash val="solid"/>
+            <a:round/>
+            <a:headEnd type="none" w="med" len="med"/>
+            <a:tailEnd type="triangle"/>
+          </a:ln>
+          <a:effectLst/>
+          <a:extLst>
+            <a:ext uri="{AF507438-7753-43E0-B8FC-AC1667EBCBE1}">
+              <a14:hiddenEffects xmlns:a14="http://schemas.microsoft.com/office/drawing/2010/main">
+                <a:effectLst>
+                  <a:outerShdw dist="35921" dir="2700000" algn="ctr" rotWithShape="0">
+                    <a:schemeClr val="tx1">
+                      <a:alpha val="50000"/>
+                    </a:schemeClr>
+                  </a:outerShdw>
+                </a:effectLst>
+              </a14:hiddenEffects>
+            </a:ext>
+          </a:extLst>
+        </p:spPr>
+      </p:cxnSp>
+      <p:pic>
+        <p:nvPicPr>
+          <p:cNvPr id="12" name="図 11"/>
+          <p:cNvPicPr/>
+          <p:nvPr/>
+        </p:nvPicPr>
+        <p:blipFill>
+          <a:blip r:embed="rId3"/>
+          <a:stretch>
+            <a:fillRect/>
+          </a:stretch>
+        </p:blipFill>
+        <p:spPr>
+          <a:xfrm>
+            <a:off x="2411700" y="5049363"/>
+            <a:ext cx="4891783" cy="1476067"/>
+          </a:xfrm>
+          <a:prstGeom prst="rect">
+            <a:avLst/>
+          </a:prstGeom>
+        </p:spPr>
+      </p:pic>
+    </p:spTree>
+    <p:extLst>
+      <p:ext uri="{BB962C8B-B14F-4D97-AF65-F5344CB8AC3E}">
+        <p14:creationId xmlns:p14="http://schemas.microsoft.com/office/powerpoint/2010/main" val="315922539"/>
+      </p:ext>
+    </p:extLst>
+  </p:cSld>
+  <p:clrMapOvr>
+    <a:masterClrMapping/>
+  </p:clrMapOvr>
+</p:sld>
+</file>
+
+<file path=ppt/slides/slide22.xml><?xml version="1.0" encoding="utf-8"?>
+<p:sld xmlns:a="http://schemas.openxmlformats.org/drawingml/2006/main" xmlns:r="http://schemas.openxmlformats.org/officeDocument/2006/relationships" xmlns:p="http://schemas.openxmlformats.org/presentationml/2006/main">
+  <p:cSld>
+    <p:spTree>
+      <p:nvGrpSpPr>
+        <p:cNvPr id="1" name=""/>
+        <p:cNvGrpSpPr/>
+        <p:nvPr/>
+      </p:nvGrpSpPr>
+      <p:grpSpPr>
+        <a:xfrm>
+          <a:off x="0" y="0"/>
+          <a:ext cx="0" cy="0"/>
+          <a:chOff x="0" y="0"/>
+          <a:chExt cx="0" cy="0"/>
+        </a:xfrm>
+      </p:grpSpPr>
       <p:sp>
         <p:nvSpPr>
           <p:cNvPr id="16" name="正方形/長方形 15"/>
@@ -17817,7 +18590,7 @@
 </p:sld>
 </file>
 
-<file path=ppt/slides/slide21.xml><?xml version="1.0" encoding="utf-8"?>
+<file path=ppt/slides/slide23.xml><?xml version="1.0" encoding="utf-8"?>
 <p:sld xmlns:a="http://schemas.openxmlformats.org/drawingml/2006/main" xmlns:r="http://schemas.openxmlformats.org/officeDocument/2006/relationships" xmlns:p="http://schemas.openxmlformats.org/presentationml/2006/main">
   <p:cSld>
     <p:spTree>
@@ -17946,7 +18719,7 @@
       </p:grpSpPr>
       <p:pic>
         <p:nvPicPr>
-          <p:cNvPr id="5" name="図 4"/>
+          <p:cNvPr id="4" name="図 3"/>
           <p:cNvPicPr>
             <a:picLocks noChangeAspect="1"/>
           </p:cNvPicPr>
@@ -17960,8 +18733,8 @@
         </p:blipFill>
         <p:spPr>
           <a:xfrm>
-            <a:off x="323410" y="1916790"/>
-            <a:ext cx="8137130" cy="3971392"/>
+            <a:off x="179267" y="1704780"/>
+            <a:ext cx="8702702" cy="3524470"/>
           </a:xfrm>
           <a:prstGeom prst="rect">
             <a:avLst/>
@@ -18266,8 +19039,8 @@
         </p:nvSpPr>
         <p:spPr bwMode="auto">
           <a:xfrm flipH="1">
-            <a:off x="3563860" y="2780910"/>
-            <a:ext cx="576080" cy="648090"/>
+            <a:off x="3563860" y="2606494"/>
+            <a:ext cx="576080" cy="784189"/>
           </a:xfrm>
           <a:prstGeom prst="rect">
             <a:avLst/>
@@ -20231,13 +21004,19 @@
               <a:rPr lang="en-US" altLang="ja-JP" sz="1200" b="1" dirty="0">
                 <a:latin typeface="+mn-ea"/>
               </a:rPr>
-              <a:t>n</a:t>
+              <a:t>N</a:t>
             </a:r>
             <a:r>
               <a:rPr lang="en-US" altLang="ja-JP" sz="1200" b="1" dirty="0" smtClean="0">
                 <a:latin typeface="+mn-ea"/>
               </a:rPr>
-              <a:t>ormal end</a:t>
+              <a:t>ormal </a:t>
+            </a:r>
+            <a:r>
+              <a:rPr lang="en-US" altLang="ja-JP" sz="1200" b="1" dirty="0" smtClean="0">
+                <a:latin typeface="+mn-ea"/>
+              </a:rPr>
+              <a:t>end</a:t>
             </a:r>
             <a:endParaRPr kumimoji="1" lang="en-US" altLang="ja-JP" sz="1200" b="1" dirty="0" smtClean="0">
               <a:latin typeface="+mn-ea"/>
@@ -20343,11 +21122,8 @@
                   </a:schemeClr>
                 </a:solidFill>
               </a:rPr>
-              <a:t>Parallel movement executions</a:t>
-            </a:r>
-          </a:p>
-          <a:p>
-            <a:pPr lvl="1"/>
+              <a:t>Parallel </a:t>
+            </a:r>
             <a:r>
               <a:rPr lang="en-US" altLang="ja-JP" sz="1800" b="1" dirty="0" smtClean="0">
                 <a:solidFill>
@@ -20357,7 +21133,21 @@
                   </a:schemeClr>
                 </a:solidFill>
               </a:rPr>
-              <a:t>Ability to call other </a:t>
+              <a:t>movement executions</a:t>
+            </a:r>
+          </a:p>
+          <a:p>
+            <a:pPr lvl="1"/>
+            <a:r>
+              <a:rPr lang="en-US" altLang="ja-JP" sz="1800" b="1" dirty="0" smtClean="0">
+                <a:solidFill>
+                  <a:schemeClr val="accent6">
+                    <a:lumMod val="90000"/>
+                    <a:lumOff val="10000"/>
+                  </a:schemeClr>
+                </a:solidFill>
+              </a:rPr>
+              <a:t>Call other </a:t>
             </a:r>
             <a:r>
               <a:rPr lang="en-US" altLang="ja-JP" sz="1800" b="1" dirty="0" err="1" smtClean="0">
@@ -20382,17 +21172,6 @@
           <a:p>
             <a:pPr lvl="1"/>
             <a:r>
-              <a:rPr lang="en-US" altLang="ja-JP" sz="1800" b="1" dirty="0">
-                <a:solidFill>
-                  <a:schemeClr val="accent6">
-                    <a:lumMod val="90000"/>
-                    <a:lumOff val="10000"/>
-                  </a:schemeClr>
-                </a:solidFill>
-              </a:rPr>
-              <a:t>Conditional branching according to the execution result of </a:t>
-            </a:r>
-            <a:r>
               <a:rPr lang="en-US" altLang="ja-JP" sz="1800" b="1" dirty="0" smtClean="0">
                 <a:solidFill>
                   <a:schemeClr val="accent6">
@@ -20401,9 +21180,48 @@
                   </a:schemeClr>
                 </a:solidFill>
               </a:rPr>
-              <a:t>movement</a:t>
-            </a:r>
-            <a:endParaRPr lang="en-US" altLang="ja-JP" sz="1800" b="1" dirty="0" smtClean="0"/>
+              <a:t>Conditional branch depending on Movement results</a:t>
+            </a:r>
+            <a:r>
+              <a:rPr lang="en-US" altLang="ja-JP" sz="1800" b="1" dirty="0" smtClean="0">
+                <a:solidFill>
+                  <a:schemeClr val="accent6">
+                    <a:lumMod val="90000"/>
+                    <a:lumOff val="10000"/>
+                  </a:schemeClr>
+                </a:solidFill>
+              </a:rPr>
+              <a:t/>
+            </a:r>
+            <a:br>
+              <a:rPr lang="en-US" altLang="ja-JP" sz="1800" b="1" dirty="0" smtClean="0">
+                <a:solidFill>
+                  <a:schemeClr val="accent6">
+                    <a:lumMod val="90000"/>
+                    <a:lumOff val="10000"/>
+                  </a:schemeClr>
+                </a:solidFill>
+              </a:rPr>
+            </a:br>
+            <a:endParaRPr lang="en-US" altLang="ja-JP" sz="1800" b="1" dirty="0" smtClean="0">
+              <a:solidFill>
+                <a:schemeClr val="accent6">
+                  <a:lumMod val="90000"/>
+                  <a:lumOff val="10000"/>
+                </a:schemeClr>
+              </a:solidFill>
+            </a:endParaRPr>
+          </a:p>
+          <a:p>
+            <a:pPr lvl="1"/>
+            <a:endParaRPr lang="en-US" altLang="ja-JP" sz="1800" b="1" dirty="0" smtClean="0">
+              <a:solidFill>
+                <a:schemeClr val="accent6">
+                  <a:lumMod val="90000"/>
+                  <a:lumOff val="10000"/>
+                </a:schemeClr>
+              </a:solidFill>
+            </a:endParaRPr>
           </a:p>
         </p:txBody>
       </p:sp>
@@ -21057,13 +21875,22 @@
           <a:p>
             <a:pPr algn="ctr"/>
             <a:r>
+              <a:rPr lang="en-US" altLang="ja-JP" b="1" dirty="0">
+                <a:solidFill>
+                  <a:schemeClr val="bg1"/>
+                </a:solidFill>
+                <a:latin typeface="+mn-ea"/>
+              </a:rPr>
+              <a:t>C</a:t>
+            </a:r>
+            <a:r>
               <a:rPr lang="en-US" altLang="ja-JP" b="1" dirty="0" smtClean="0">
                 <a:solidFill>
                   <a:schemeClr val="bg1"/>
                 </a:solidFill>
                 <a:latin typeface="+mn-ea"/>
               </a:rPr>
-              <a:t>call</a:t>
+              <a:t>all</a:t>
             </a:r>
             <a:r>
               <a:rPr kumimoji="1" lang="en-US" altLang="ja-JP" b="1" dirty="0" smtClean="0">
@@ -21692,10 +22519,16 @@
           <a:p>
             <a:pPr algn="ctr"/>
             <a:r>
+              <a:rPr lang="en-US" altLang="ja-JP" sz="1200" b="1" dirty="0">
+                <a:latin typeface="+mn-ea"/>
+              </a:rPr>
+              <a:t>E</a:t>
+            </a:r>
+            <a:r>
               <a:rPr lang="en-US" altLang="ja-JP" sz="1200" b="1" dirty="0" smtClean="0">
                 <a:latin typeface="+mn-ea"/>
               </a:rPr>
-              <a:t>error</a:t>
+              <a:t>rror</a:t>
             </a:r>
             <a:endParaRPr kumimoji="1" lang="en-US" altLang="ja-JP" sz="1200" b="1" dirty="0" smtClean="0">
               <a:latin typeface="+mn-ea"/>
@@ -21840,6 +22673,30 @@
           <a:chExt cx="0" cy="0"/>
         </a:xfrm>
       </p:grpSpPr>
+      <p:pic>
+        <p:nvPicPr>
+          <p:cNvPr id="5" name="図 4"/>
+          <p:cNvPicPr>
+            <a:picLocks noChangeAspect="1"/>
+          </p:cNvPicPr>
+          <p:nvPr/>
+        </p:nvPicPr>
+        <p:blipFill>
+          <a:blip r:embed="rId2"/>
+          <a:stretch>
+            <a:fillRect/>
+          </a:stretch>
+        </p:blipFill>
+        <p:spPr>
+          <a:xfrm>
+            <a:off x="173702" y="1537607"/>
+            <a:ext cx="2111305" cy="4877074"/>
+          </a:xfrm>
+          <a:prstGeom prst="rect">
+            <a:avLst/>
+          </a:prstGeom>
+        </p:spPr>
+      </p:pic>
       <p:sp>
         <p:nvSpPr>
           <p:cNvPr id="2" name="タイトル 1"/>
@@ -21875,7 +22732,7 @@
             </a:r>
             <a:r>
               <a:rPr lang="en-US" altLang="ja-JP" dirty="0" smtClean="0"/>
-              <a:t>1/12</a:t>
+              <a:t>1/14</a:t>
             </a:r>
             <a:r>
               <a:rPr lang="ja-JP" altLang="en-US" dirty="0" smtClean="0"/>
@@ -21894,7 +22751,7 @@
         <p:spPr>
           <a:xfrm>
             <a:off x="2691359" y="1531554"/>
-            <a:ext cx="6266310" cy="3477875"/>
+            <a:ext cx="6266310" cy="4031873"/>
           </a:xfrm>
           <a:prstGeom prst="rect">
             <a:avLst/>
@@ -22054,11 +22911,38 @@
               <a:rPr lang="en-US" altLang="ja-JP" sz="1600" dirty="0" smtClean="0"/>
               <a:t>.</a:t>
             </a:r>
+          </a:p>
+          <a:p>
+            <a:endParaRPr lang="en-US" altLang="ja-JP" sz="1600" dirty="0" smtClean="0"/>
+          </a:p>
+          <a:p>
+            <a:r>
+              <a:rPr lang="ja-JP" altLang="en-US" b="1" dirty="0" smtClean="0"/>
+              <a:t>⑤</a:t>
+            </a:r>
+            <a:r>
+              <a:rPr lang="en-US" altLang="ja-JP" b="1" dirty="0" smtClean="0"/>
+              <a:t>Conductor notification definition</a:t>
+            </a:r>
+          </a:p>
+          <a:p>
+            <a:r>
+              <a:rPr lang="ja-JP" altLang="en-US" b="1" dirty="0"/>
+              <a:t>　</a:t>
+            </a:r>
+            <a:r>
+              <a:rPr lang="en-US" altLang="ja-JP" sz="1600" dirty="0" smtClean="0"/>
+              <a:t>Set </a:t>
+            </a:r>
+            <a:r>
+              <a:rPr lang="en-US" altLang="ja-JP" sz="1600" dirty="0"/>
+              <a:t>definition for conductor </a:t>
+            </a:r>
+            <a:r>
+              <a:rPr lang="en-US" altLang="ja-JP" sz="1600" dirty="0" smtClean="0"/>
+              <a:t>operation notifications.</a:t>
+            </a:r>
             <a:endParaRPr lang="en-US" altLang="ja-JP" sz="1600" dirty="0"/>
-          </a:p>
-          <a:p>
-            <a:pPr lvl="1"/>
-            <a:endParaRPr lang="en-US" altLang="ja-JP" sz="1600" dirty="0" smtClean="0"/>
           </a:p>
         </p:txBody>
       </p:sp>
@@ -22270,7 +23154,7 @@
         </p:nvSpPr>
         <p:spPr>
           <a:xfrm>
-            <a:off x="2278309" y="3681500"/>
+            <a:off x="2244543" y="4089995"/>
             <a:ext cx="415498" cy="369332"/>
           </a:xfrm>
           <a:prstGeom prst="rect">
@@ -22308,7 +23192,7 @@
         </p:nvSpPr>
         <p:spPr>
           <a:xfrm>
-            <a:off x="2285007" y="4049814"/>
+            <a:off x="2244543" y="4460178"/>
             <a:ext cx="415498" cy="369332"/>
           </a:xfrm>
           <a:prstGeom prst="rect">
@@ -22346,7 +23230,7 @@
         </p:nvSpPr>
         <p:spPr>
           <a:xfrm>
-            <a:off x="2285007" y="4487992"/>
+            <a:off x="2243519" y="4909816"/>
             <a:ext cx="415498" cy="369332"/>
           </a:xfrm>
           <a:prstGeom prst="rect">
@@ -22384,7 +23268,7 @@
         </p:nvSpPr>
         <p:spPr>
           <a:xfrm>
-            <a:off x="2284242" y="5445280"/>
+            <a:off x="2275861" y="5956658"/>
             <a:ext cx="415498" cy="369332"/>
           </a:xfrm>
           <a:prstGeom prst="rect">
@@ -22414,32 +23298,6 @@
           </a:p>
         </p:txBody>
       </p:sp>
-      <p:pic>
-        <p:nvPicPr>
-          <p:cNvPr id="35" name="コンテンツ プレースホルダー 34"/>
-          <p:cNvPicPr>
-            <a:picLocks noGrp="1" noChangeAspect="1"/>
-          </p:cNvPicPr>
-          <p:nvPr>
-            <p:ph sz="quarter" idx="10"/>
-          </p:nvPr>
-        </p:nvPicPr>
-        <p:blipFill>
-          <a:blip r:embed="rId2"/>
-          <a:stretch>
-            <a:fillRect/>
-          </a:stretch>
-        </p:blipFill>
-        <p:spPr>
-          <a:xfrm>
-            <a:off x="179512" y="1514573"/>
-            <a:ext cx="2077660" cy="4566117"/>
-          </a:xfrm>
-          <a:prstGeom prst="rect">
-            <a:avLst/>
-          </a:prstGeom>
-        </p:spPr>
-      </p:pic>
       <p:sp>
         <p:nvSpPr>
           <p:cNvPr id="36" name="正方形/長方形 35"/>
@@ -22448,7 +23306,419 @@
         </p:nvSpPr>
         <p:spPr bwMode="auto">
           <a:xfrm>
-            <a:off x="179512" y="3545319"/>
+            <a:off x="161895" y="4497834"/>
+            <a:ext cx="2095038" cy="359490"/>
+          </a:xfrm>
+          <a:prstGeom prst="rect">
+            <a:avLst/>
+          </a:prstGeom>
+          <a:noFill/>
+          <a:ln w="38100">
+            <a:solidFill>
+              <a:srgbClr val="FF0000"/>
+            </a:solidFill>
+          </a:ln>
+          <a:effectLst/>
+          <a:extLst/>
+        </p:spPr>
+        <p:txBody>
+          <a:bodyPr rot="0" spcFirstLastPara="0" vert="horz" wrap="square" lIns="72000" tIns="72000" rIns="72000" bIns="72000" numCol="1" spcCol="0" rtlCol="0" fromWordArt="0" anchor="ctr" anchorCtr="0" forceAA="0" compatLnSpc="1">
+            <a:prstTxWarp prst="textNoShape">
+              <a:avLst/>
+            </a:prstTxWarp>
+            <a:noAutofit/>
+          </a:bodyPr>
+          <a:lstStyle>
+            <a:lvl1pPr marL="0" indent="0">
+              <a:defRPr sz="1100">
+                <a:latin typeface="+mn-lt"/>
+                <a:ea typeface="+mn-ea"/>
+                <a:cs typeface="+mn-cs"/>
+              </a:defRPr>
+            </a:lvl1pPr>
+            <a:lvl2pPr marL="457200" indent="0">
+              <a:defRPr sz="1100">
+                <a:latin typeface="+mn-lt"/>
+                <a:ea typeface="+mn-ea"/>
+                <a:cs typeface="+mn-cs"/>
+              </a:defRPr>
+            </a:lvl2pPr>
+            <a:lvl3pPr marL="914400" indent="0">
+              <a:defRPr sz="1100">
+                <a:latin typeface="+mn-lt"/>
+                <a:ea typeface="+mn-ea"/>
+                <a:cs typeface="+mn-cs"/>
+              </a:defRPr>
+            </a:lvl3pPr>
+            <a:lvl4pPr marL="1371600" indent="0">
+              <a:defRPr sz="1100">
+                <a:latin typeface="+mn-lt"/>
+                <a:ea typeface="+mn-ea"/>
+                <a:cs typeface="+mn-cs"/>
+              </a:defRPr>
+            </a:lvl4pPr>
+            <a:lvl5pPr marL="1828800" indent="0">
+              <a:defRPr sz="1100">
+                <a:latin typeface="+mn-lt"/>
+                <a:ea typeface="+mn-ea"/>
+                <a:cs typeface="+mn-cs"/>
+              </a:defRPr>
+            </a:lvl5pPr>
+            <a:lvl6pPr marL="2286000" indent="0">
+              <a:defRPr sz="1100">
+                <a:latin typeface="+mn-lt"/>
+                <a:ea typeface="+mn-ea"/>
+                <a:cs typeface="+mn-cs"/>
+              </a:defRPr>
+            </a:lvl6pPr>
+            <a:lvl7pPr marL="2743200" indent="0">
+              <a:defRPr sz="1100">
+                <a:latin typeface="+mn-lt"/>
+                <a:ea typeface="+mn-ea"/>
+                <a:cs typeface="+mn-cs"/>
+              </a:defRPr>
+            </a:lvl7pPr>
+            <a:lvl8pPr marL="3200400" indent="0">
+              <a:defRPr sz="1100">
+                <a:latin typeface="+mn-lt"/>
+                <a:ea typeface="+mn-ea"/>
+                <a:cs typeface="+mn-cs"/>
+              </a:defRPr>
+            </a:lvl8pPr>
+            <a:lvl9pPr marL="3657600" indent="0">
+              <a:defRPr sz="1100">
+                <a:latin typeface="+mn-lt"/>
+                <a:ea typeface="+mn-ea"/>
+                <a:cs typeface="+mn-cs"/>
+              </a:defRPr>
+            </a:lvl9pPr>
+          </a:lstStyle>
+          <a:p>
+            <a:pPr algn="ctr"/>
+            <a:endParaRPr kumimoji="1" lang="ja-JP" altLang="en-US" b="1" dirty="0">
+              <a:latin typeface="+mn-ea"/>
+            </a:endParaRPr>
+          </a:p>
+        </p:txBody>
+      </p:sp>
+      <p:sp>
+        <p:nvSpPr>
+          <p:cNvPr id="37" name="正方形/長方形 36"/>
+          <p:cNvSpPr/>
+          <p:nvPr/>
+        </p:nvSpPr>
+        <p:spPr bwMode="auto">
+          <a:xfrm>
+            <a:off x="171262" y="4857324"/>
+            <a:ext cx="2092489" cy="489280"/>
+          </a:xfrm>
+          <a:prstGeom prst="rect">
+            <a:avLst/>
+          </a:prstGeom>
+          <a:noFill/>
+          <a:ln w="38100">
+            <a:solidFill>
+              <a:srgbClr val="FF0000"/>
+            </a:solidFill>
+          </a:ln>
+          <a:effectLst/>
+          <a:extLst/>
+        </p:spPr>
+        <p:txBody>
+          <a:bodyPr rot="0" spcFirstLastPara="0" vert="horz" wrap="square" lIns="72000" tIns="72000" rIns="72000" bIns="72000" numCol="1" spcCol="0" rtlCol="0" fromWordArt="0" anchor="ctr" anchorCtr="0" forceAA="0" compatLnSpc="1">
+            <a:prstTxWarp prst="textNoShape">
+              <a:avLst/>
+            </a:prstTxWarp>
+            <a:noAutofit/>
+          </a:bodyPr>
+          <a:lstStyle>
+            <a:lvl1pPr marL="0" indent="0">
+              <a:defRPr sz="1100">
+                <a:latin typeface="+mn-lt"/>
+                <a:ea typeface="+mn-ea"/>
+                <a:cs typeface="+mn-cs"/>
+              </a:defRPr>
+            </a:lvl1pPr>
+            <a:lvl2pPr marL="457200" indent="0">
+              <a:defRPr sz="1100">
+                <a:latin typeface="+mn-lt"/>
+                <a:ea typeface="+mn-ea"/>
+                <a:cs typeface="+mn-cs"/>
+              </a:defRPr>
+            </a:lvl2pPr>
+            <a:lvl3pPr marL="914400" indent="0">
+              <a:defRPr sz="1100">
+                <a:latin typeface="+mn-lt"/>
+                <a:ea typeface="+mn-ea"/>
+                <a:cs typeface="+mn-cs"/>
+              </a:defRPr>
+            </a:lvl3pPr>
+            <a:lvl4pPr marL="1371600" indent="0">
+              <a:defRPr sz="1100">
+                <a:latin typeface="+mn-lt"/>
+                <a:ea typeface="+mn-ea"/>
+                <a:cs typeface="+mn-cs"/>
+              </a:defRPr>
+            </a:lvl4pPr>
+            <a:lvl5pPr marL="1828800" indent="0">
+              <a:defRPr sz="1100">
+                <a:latin typeface="+mn-lt"/>
+                <a:ea typeface="+mn-ea"/>
+                <a:cs typeface="+mn-cs"/>
+              </a:defRPr>
+            </a:lvl5pPr>
+            <a:lvl6pPr marL="2286000" indent="0">
+              <a:defRPr sz="1100">
+                <a:latin typeface="+mn-lt"/>
+                <a:ea typeface="+mn-ea"/>
+                <a:cs typeface="+mn-cs"/>
+              </a:defRPr>
+            </a:lvl6pPr>
+            <a:lvl7pPr marL="2743200" indent="0">
+              <a:defRPr sz="1100">
+                <a:latin typeface="+mn-lt"/>
+                <a:ea typeface="+mn-ea"/>
+                <a:cs typeface="+mn-cs"/>
+              </a:defRPr>
+            </a:lvl7pPr>
+            <a:lvl8pPr marL="3200400" indent="0">
+              <a:defRPr sz="1100">
+                <a:latin typeface="+mn-lt"/>
+                <a:ea typeface="+mn-ea"/>
+                <a:cs typeface="+mn-cs"/>
+              </a:defRPr>
+            </a:lvl8pPr>
+            <a:lvl9pPr marL="3657600" indent="0">
+              <a:defRPr sz="1100">
+                <a:latin typeface="+mn-lt"/>
+                <a:ea typeface="+mn-ea"/>
+                <a:cs typeface="+mn-cs"/>
+              </a:defRPr>
+            </a:lvl9pPr>
+          </a:lstStyle>
+          <a:p>
+            <a:pPr algn="ctr"/>
+            <a:endParaRPr kumimoji="1" lang="ja-JP" altLang="en-US" b="1" dirty="0">
+              <a:latin typeface="+mn-ea"/>
+            </a:endParaRPr>
+          </a:p>
+        </p:txBody>
+      </p:sp>
+      <p:sp>
+        <p:nvSpPr>
+          <p:cNvPr id="38" name="正方形/長方形 37"/>
+          <p:cNvSpPr/>
+          <p:nvPr/>
+        </p:nvSpPr>
+        <p:spPr bwMode="auto">
+          <a:xfrm>
+            <a:off x="166751" y="4008554"/>
+            <a:ext cx="2090182" cy="489280"/>
+          </a:xfrm>
+          <a:prstGeom prst="rect">
+            <a:avLst/>
+          </a:prstGeom>
+          <a:noFill/>
+          <a:ln w="38100">
+            <a:solidFill>
+              <a:srgbClr val="FF0000"/>
+            </a:solidFill>
+          </a:ln>
+          <a:effectLst/>
+          <a:extLst/>
+        </p:spPr>
+        <p:txBody>
+          <a:bodyPr rot="0" spcFirstLastPara="0" vert="horz" wrap="square" lIns="72000" tIns="72000" rIns="72000" bIns="72000" numCol="1" spcCol="0" rtlCol="0" fromWordArt="0" anchor="ctr" anchorCtr="0" forceAA="0" compatLnSpc="1">
+            <a:prstTxWarp prst="textNoShape">
+              <a:avLst/>
+            </a:prstTxWarp>
+            <a:noAutofit/>
+          </a:bodyPr>
+          <a:lstStyle>
+            <a:lvl1pPr marL="0" indent="0">
+              <a:defRPr sz="1100">
+                <a:latin typeface="+mn-lt"/>
+                <a:ea typeface="+mn-ea"/>
+                <a:cs typeface="+mn-cs"/>
+              </a:defRPr>
+            </a:lvl1pPr>
+            <a:lvl2pPr marL="457200" indent="0">
+              <a:defRPr sz="1100">
+                <a:latin typeface="+mn-lt"/>
+                <a:ea typeface="+mn-ea"/>
+                <a:cs typeface="+mn-cs"/>
+              </a:defRPr>
+            </a:lvl2pPr>
+            <a:lvl3pPr marL="914400" indent="0">
+              <a:defRPr sz="1100">
+                <a:latin typeface="+mn-lt"/>
+                <a:ea typeface="+mn-ea"/>
+                <a:cs typeface="+mn-cs"/>
+              </a:defRPr>
+            </a:lvl3pPr>
+            <a:lvl4pPr marL="1371600" indent="0">
+              <a:defRPr sz="1100">
+                <a:latin typeface="+mn-lt"/>
+                <a:ea typeface="+mn-ea"/>
+                <a:cs typeface="+mn-cs"/>
+              </a:defRPr>
+            </a:lvl4pPr>
+            <a:lvl5pPr marL="1828800" indent="0">
+              <a:defRPr sz="1100">
+                <a:latin typeface="+mn-lt"/>
+                <a:ea typeface="+mn-ea"/>
+                <a:cs typeface="+mn-cs"/>
+              </a:defRPr>
+            </a:lvl5pPr>
+            <a:lvl6pPr marL="2286000" indent="0">
+              <a:defRPr sz="1100">
+                <a:latin typeface="+mn-lt"/>
+                <a:ea typeface="+mn-ea"/>
+                <a:cs typeface="+mn-cs"/>
+              </a:defRPr>
+            </a:lvl6pPr>
+            <a:lvl7pPr marL="2743200" indent="0">
+              <a:defRPr sz="1100">
+                <a:latin typeface="+mn-lt"/>
+                <a:ea typeface="+mn-ea"/>
+                <a:cs typeface="+mn-cs"/>
+              </a:defRPr>
+            </a:lvl7pPr>
+            <a:lvl8pPr marL="3200400" indent="0">
+              <a:defRPr sz="1100">
+                <a:latin typeface="+mn-lt"/>
+                <a:ea typeface="+mn-ea"/>
+                <a:cs typeface="+mn-cs"/>
+              </a:defRPr>
+            </a:lvl8pPr>
+            <a:lvl9pPr marL="3657600" indent="0">
+              <a:defRPr sz="1100">
+                <a:latin typeface="+mn-lt"/>
+                <a:ea typeface="+mn-ea"/>
+                <a:cs typeface="+mn-cs"/>
+              </a:defRPr>
+            </a:lvl9pPr>
+          </a:lstStyle>
+          <a:p>
+            <a:pPr algn="ctr"/>
+            <a:endParaRPr kumimoji="1" lang="ja-JP" altLang="en-US" b="1" dirty="0">
+              <a:latin typeface="+mn-ea"/>
+            </a:endParaRPr>
+          </a:p>
+        </p:txBody>
+      </p:sp>
+      <p:sp>
+        <p:nvSpPr>
+          <p:cNvPr id="39" name="正方形/長方形 38"/>
+          <p:cNvSpPr/>
+          <p:nvPr/>
+        </p:nvSpPr>
+        <p:spPr bwMode="auto">
+          <a:xfrm>
+            <a:off x="173251" y="5799359"/>
+            <a:ext cx="2071292" cy="615321"/>
+          </a:xfrm>
+          <a:prstGeom prst="rect">
+            <a:avLst/>
+          </a:prstGeom>
+          <a:noFill/>
+          <a:ln w="38100">
+            <a:solidFill>
+              <a:srgbClr val="FF0000"/>
+            </a:solidFill>
+          </a:ln>
+          <a:effectLst/>
+          <a:extLst/>
+        </p:spPr>
+        <p:txBody>
+          <a:bodyPr rot="0" spcFirstLastPara="0" vert="horz" wrap="square" lIns="72000" tIns="72000" rIns="72000" bIns="72000" numCol="1" spcCol="0" rtlCol="0" fromWordArt="0" anchor="ctr" anchorCtr="0" forceAA="0" compatLnSpc="1">
+            <a:prstTxWarp prst="textNoShape">
+              <a:avLst/>
+            </a:prstTxWarp>
+            <a:noAutofit/>
+          </a:bodyPr>
+          <a:lstStyle>
+            <a:lvl1pPr marL="0" indent="0">
+              <a:defRPr sz="1100">
+                <a:latin typeface="+mn-lt"/>
+                <a:ea typeface="+mn-ea"/>
+                <a:cs typeface="+mn-cs"/>
+              </a:defRPr>
+            </a:lvl1pPr>
+            <a:lvl2pPr marL="457200" indent="0">
+              <a:defRPr sz="1100">
+                <a:latin typeface="+mn-lt"/>
+                <a:ea typeface="+mn-ea"/>
+                <a:cs typeface="+mn-cs"/>
+              </a:defRPr>
+            </a:lvl2pPr>
+            <a:lvl3pPr marL="914400" indent="0">
+              <a:defRPr sz="1100">
+                <a:latin typeface="+mn-lt"/>
+                <a:ea typeface="+mn-ea"/>
+                <a:cs typeface="+mn-cs"/>
+              </a:defRPr>
+            </a:lvl3pPr>
+            <a:lvl4pPr marL="1371600" indent="0">
+              <a:defRPr sz="1100">
+                <a:latin typeface="+mn-lt"/>
+                <a:ea typeface="+mn-ea"/>
+                <a:cs typeface="+mn-cs"/>
+              </a:defRPr>
+            </a:lvl4pPr>
+            <a:lvl5pPr marL="1828800" indent="0">
+              <a:defRPr sz="1100">
+                <a:latin typeface="+mn-lt"/>
+                <a:ea typeface="+mn-ea"/>
+                <a:cs typeface="+mn-cs"/>
+              </a:defRPr>
+            </a:lvl5pPr>
+            <a:lvl6pPr marL="2286000" indent="0">
+              <a:defRPr sz="1100">
+                <a:latin typeface="+mn-lt"/>
+                <a:ea typeface="+mn-ea"/>
+                <a:cs typeface="+mn-cs"/>
+              </a:defRPr>
+            </a:lvl6pPr>
+            <a:lvl7pPr marL="2743200" indent="0">
+              <a:defRPr sz="1100">
+                <a:latin typeface="+mn-lt"/>
+                <a:ea typeface="+mn-ea"/>
+                <a:cs typeface="+mn-cs"/>
+              </a:defRPr>
+            </a:lvl7pPr>
+            <a:lvl8pPr marL="3200400" indent="0">
+              <a:defRPr sz="1100">
+                <a:latin typeface="+mn-lt"/>
+                <a:ea typeface="+mn-ea"/>
+                <a:cs typeface="+mn-cs"/>
+              </a:defRPr>
+            </a:lvl8pPr>
+            <a:lvl9pPr marL="3657600" indent="0">
+              <a:defRPr sz="1100">
+                <a:latin typeface="+mn-lt"/>
+                <a:ea typeface="+mn-ea"/>
+                <a:cs typeface="+mn-cs"/>
+              </a:defRPr>
+            </a:lvl9pPr>
+          </a:lstStyle>
+          <a:p>
+            <a:pPr algn="ctr"/>
+            <a:endParaRPr kumimoji="1" lang="ja-JP" altLang="en-US" b="1" dirty="0">
+              <a:latin typeface="+mn-ea"/>
+            </a:endParaRPr>
+          </a:p>
+        </p:txBody>
+      </p:sp>
+      <p:sp>
+        <p:nvSpPr>
+          <p:cNvPr id="17" name="正方形/長方形 16"/>
+          <p:cNvSpPr/>
+          <p:nvPr/>
+        </p:nvSpPr>
+        <p:spPr bwMode="auto">
+          <a:xfrm>
+            <a:off x="166883" y="3043131"/>
             <a:ext cx="2077660" cy="489280"/>
           </a:xfrm>
           <a:prstGeom prst="rect">
@@ -22545,309 +23815,38 @@
       </p:sp>
       <p:sp>
         <p:nvSpPr>
-          <p:cNvPr id="37" name="正方形/長方形 36"/>
-          <p:cNvSpPr/>
+          <p:cNvPr id="18" name="テキスト ボックス 17"/>
+          <p:cNvSpPr txBox="1"/>
           <p:nvPr/>
         </p:nvSpPr>
-        <p:spPr bwMode="auto">
+        <p:spPr>
           <a:xfrm>
-            <a:off x="179512" y="4492164"/>
-            <a:ext cx="2077660" cy="489280"/>
+            <a:off x="2239970" y="3128625"/>
+            <a:ext cx="415498" cy="369332"/>
           </a:xfrm>
           <a:prstGeom prst="rect">
             <a:avLst/>
           </a:prstGeom>
           <a:noFill/>
-          <a:ln w="38100">
-            <a:solidFill>
-              <a:srgbClr val="FF0000"/>
-            </a:solidFill>
-          </a:ln>
-          <a:effectLst/>
-          <a:extLst/>
         </p:spPr>
         <p:txBody>
-          <a:bodyPr rot="0" spcFirstLastPara="0" vert="horz" wrap="square" lIns="72000" tIns="72000" rIns="72000" bIns="72000" numCol="1" spcCol="0" rtlCol="0" fromWordArt="0" anchor="ctr" anchorCtr="0" forceAA="0" compatLnSpc="1">
-            <a:prstTxWarp prst="textNoShape">
-              <a:avLst/>
-            </a:prstTxWarp>
-            <a:noAutofit/>
+          <a:bodyPr wrap="none" rtlCol="0">
+            <a:spAutoFit/>
           </a:bodyPr>
-          <a:lstStyle>
-            <a:lvl1pPr marL="0" indent="0">
-              <a:defRPr sz="1100">
-                <a:latin typeface="+mn-lt"/>
-                <a:ea typeface="+mn-ea"/>
-                <a:cs typeface="+mn-cs"/>
-              </a:defRPr>
-            </a:lvl1pPr>
-            <a:lvl2pPr marL="457200" indent="0">
-              <a:defRPr sz="1100">
-                <a:latin typeface="+mn-lt"/>
-                <a:ea typeface="+mn-ea"/>
-                <a:cs typeface="+mn-cs"/>
-              </a:defRPr>
-            </a:lvl2pPr>
-            <a:lvl3pPr marL="914400" indent="0">
-              <a:defRPr sz="1100">
-                <a:latin typeface="+mn-lt"/>
-                <a:ea typeface="+mn-ea"/>
-                <a:cs typeface="+mn-cs"/>
-              </a:defRPr>
-            </a:lvl3pPr>
-            <a:lvl4pPr marL="1371600" indent="0">
-              <a:defRPr sz="1100">
-                <a:latin typeface="+mn-lt"/>
-                <a:ea typeface="+mn-ea"/>
-                <a:cs typeface="+mn-cs"/>
-              </a:defRPr>
-            </a:lvl4pPr>
-            <a:lvl5pPr marL="1828800" indent="0">
-              <a:defRPr sz="1100">
-                <a:latin typeface="+mn-lt"/>
-                <a:ea typeface="+mn-ea"/>
-                <a:cs typeface="+mn-cs"/>
-              </a:defRPr>
-            </a:lvl5pPr>
-            <a:lvl6pPr marL="2286000" indent="0">
-              <a:defRPr sz="1100">
-                <a:latin typeface="+mn-lt"/>
-                <a:ea typeface="+mn-ea"/>
-                <a:cs typeface="+mn-cs"/>
-              </a:defRPr>
-            </a:lvl6pPr>
-            <a:lvl7pPr marL="2743200" indent="0">
-              <a:defRPr sz="1100">
-                <a:latin typeface="+mn-lt"/>
-                <a:ea typeface="+mn-ea"/>
-                <a:cs typeface="+mn-cs"/>
-              </a:defRPr>
-            </a:lvl7pPr>
-            <a:lvl8pPr marL="3200400" indent="0">
-              <a:defRPr sz="1100">
-                <a:latin typeface="+mn-lt"/>
-                <a:ea typeface="+mn-ea"/>
-                <a:cs typeface="+mn-cs"/>
-              </a:defRPr>
-            </a:lvl8pPr>
-            <a:lvl9pPr marL="3657600" indent="0">
-              <a:defRPr sz="1100">
-                <a:latin typeface="+mn-lt"/>
-                <a:ea typeface="+mn-ea"/>
-                <a:cs typeface="+mn-cs"/>
-              </a:defRPr>
-            </a:lvl9pPr>
-          </a:lstStyle>
-          <a:p>
-            <a:pPr algn="ctr"/>
-            <a:endParaRPr kumimoji="1" lang="ja-JP" altLang="en-US" b="1" dirty="0">
-              <a:latin typeface="+mn-ea"/>
-            </a:endParaRPr>
-          </a:p>
-        </p:txBody>
-      </p:sp>
-      <p:sp>
-        <p:nvSpPr>
-          <p:cNvPr id="38" name="正方形/長方形 37"/>
-          <p:cNvSpPr/>
-          <p:nvPr/>
-        </p:nvSpPr>
-        <p:spPr bwMode="auto">
-          <a:xfrm>
-            <a:off x="166990" y="4009614"/>
-            <a:ext cx="2090182" cy="489280"/>
-          </a:xfrm>
-          <a:prstGeom prst="rect">
-            <a:avLst/>
-          </a:prstGeom>
-          <a:noFill/>
-          <a:ln w="38100">
-            <a:solidFill>
-              <a:srgbClr val="FF0000"/>
-            </a:solidFill>
-          </a:ln>
-          <a:effectLst/>
-          <a:extLst/>
-        </p:spPr>
-        <p:txBody>
-          <a:bodyPr rot="0" spcFirstLastPara="0" vert="horz" wrap="square" lIns="72000" tIns="72000" rIns="72000" bIns="72000" numCol="1" spcCol="0" rtlCol="0" fromWordArt="0" anchor="ctr" anchorCtr="0" forceAA="0" compatLnSpc="1">
-            <a:prstTxWarp prst="textNoShape">
-              <a:avLst/>
-            </a:prstTxWarp>
-            <a:noAutofit/>
-          </a:bodyPr>
-          <a:lstStyle>
-            <a:lvl1pPr marL="0" indent="0">
-              <a:defRPr sz="1100">
-                <a:latin typeface="+mn-lt"/>
-                <a:ea typeface="+mn-ea"/>
-                <a:cs typeface="+mn-cs"/>
-              </a:defRPr>
-            </a:lvl1pPr>
-            <a:lvl2pPr marL="457200" indent="0">
-              <a:defRPr sz="1100">
-                <a:latin typeface="+mn-lt"/>
-                <a:ea typeface="+mn-ea"/>
-                <a:cs typeface="+mn-cs"/>
-              </a:defRPr>
-            </a:lvl2pPr>
-            <a:lvl3pPr marL="914400" indent="0">
-              <a:defRPr sz="1100">
-                <a:latin typeface="+mn-lt"/>
-                <a:ea typeface="+mn-ea"/>
-                <a:cs typeface="+mn-cs"/>
-              </a:defRPr>
-            </a:lvl3pPr>
-            <a:lvl4pPr marL="1371600" indent="0">
-              <a:defRPr sz="1100">
-                <a:latin typeface="+mn-lt"/>
-                <a:ea typeface="+mn-ea"/>
-                <a:cs typeface="+mn-cs"/>
-              </a:defRPr>
-            </a:lvl4pPr>
-            <a:lvl5pPr marL="1828800" indent="0">
-              <a:defRPr sz="1100">
-                <a:latin typeface="+mn-lt"/>
-                <a:ea typeface="+mn-ea"/>
-                <a:cs typeface="+mn-cs"/>
-              </a:defRPr>
-            </a:lvl5pPr>
-            <a:lvl6pPr marL="2286000" indent="0">
-              <a:defRPr sz="1100">
-                <a:latin typeface="+mn-lt"/>
-                <a:ea typeface="+mn-ea"/>
-                <a:cs typeface="+mn-cs"/>
-              </a:defRPr>
-            </a:lvl6pPr>
-            <a:lvl7pPr marL="2743200" indent="0">
-              <a:defRPr sz="1100">
-                <a:latin typeface="+mn-lt"/>
-                <a:ea typeface="+mn-ea"/>
-                <a:cs typeface="+mn-cs"/>
-              </a:defRPr>
-            </a:lvl7pPr>
-            <a:lvl8pPr marL="3200400" indent="0">
-              <a:defRPr sz="1100">
-                <a:latin typeface="+mn-lt"/>
-                <a:ea typeface="+mn-ea"/>
-                <a:cs typeface="+mn-cs"/>
-              </a:defRPr>
-            </a:lvl8pPr>
-            <a:lvl9pPr marL="3657600" indent="0">
-              <a:defRPr sz="1100">
-                <a:latin typeface="+mn-lt"/>
-                <a:ea typeface="+mn-ea"/>
-                <a:cs typeface="+mn-cs"/>
-              </a:defRPr>
-            </a:lvl9pPr>
-          </a:lstStyle>
-          <a:p>
-            <a:pPr algn="ctr"/>
-            <a:endParaRPr kumimoji="1" lang="ja-JP" altLang="en-US" b="1" dirty="0">
-              <a:latin typeface="+mn-ea"/>
-            </a:endParaRPr>
-          </a:p>
-        </p:txBody>
-      </p:sp>
-      <p:sp>
-        <p:nvSpPr>
-          <p:cNvPr id="39" name="正方形/長方形 38"/>
-          <p:cNvSpPr/>
-          <p:nvPr/>
-        </p:nvSpPr>
-        <p:spPr bwMode="auto">
-          <a:xfrm>
-            <a:off x="190142" y="5547133"/>
-            <a:ext cx="2077660" cy="489280"/>
-          </a:xfrm>
-          <a:prstGeom prst="rect">
-            <a:avLst/>
-          </a:prstGeom>
-          <a:noFill/>
-          <a:ln w="38100">
-            <a:solidFill>
-              <a:srgbClr val="FF0000"/>
-            </a:solidFill>
-          </a:ln>
-          <a:effectLst/>
-          <a:extLst/>
-        </p:spPr>
-        <p:txBody>
-          <a:bodyPr rot="0" spcFirstLastPara="0" vert="horz" wrap="square" lIns="72000" tIns="72000" rIns="72000" bIns="72000" numCol="1" spcCol="0" rtlCol="0" fromWordArt="0" anchor="ctr" anchorCtr="0" forceAA="0" compatLnSpc="1">
-            <a:prstTxWarp prst="textNoShape">
-              <a:avLst/>
-            </a:prstTxWarp>
-            <a:noAutofit/>
-          </a:bodyPr>
-          <a:lstStyle>
-            <a:lvl1pPr marL="0" indent="0">
-              <a:defRPr sz="1100">
-                <a:latin typeface="+mn-lt"/>
-                <a:ea typeface="+mn-ea"/>
-                <a:cs typeface="+mn-cs"/>
-              </a:defRPr>
-            </a:lvl1pPr>
-            <a:lvl2pPr marL="457200" indent="0">
-              <a:defRPr sz="1100">
-                <a:latin typeface="+mn-lt"/>
-                <a:ea typeface="+mn-ea"/>
-                <a:cs typeface="+mn-cs"/>
-              </a:defRPr>
-            </a:lvl2pPr>
-            <a:lvl3pPr marL="914400" indent="0">
-              <a:defRPr sz="1100">
-                <a:latin typeface="+mn-lt"/>
-                <a:ea typeface="+mn-ea"/>
-                <a:cs typeface="+mn-cs"/>
-              </a:defRPr>
-            </a:lvl3pPr>
-            <a:lvl4pPr marL="1371600" indent="0">
-              <a:defRPr sz="1100">
-                <a:latin typeface="+mn-lt"/>
-                <a:ea typeface="+mn-ea"/>
-                <a:cs typeface="+mn-cs"/>
-              </a:defRPr>
-            </a:lvl4pPr>
-            <a:lvl5pPr marL="1828800" indent="0">
-              <a:defRPr sz="1100">
-                <a:latin typeface="+mn-lt"/>
-                <a:ea typeface="+mn-ea"/>
-                <a:cs typeface="+mn-cs"/>
-              </a:defRPr>
-            </a:lvl5pPr>
-            <a:lvl6pPr marL="2286000" indent="0">
-              <a:defRPr sz="1100">
-                <a:latin typeface="+mn-lt"/>
-                <a:ea typeface="+mn-ea"/>
-                <a:cs typeface="+mn-cs"/>
-              </a:defRPr>
-            </a:lvl6pPr>
-            <a:lvl7pPr marL="2743200" indent="0">
-              <a:defRPr sz="1100">
-                <a:latin typeface="+mn-lt"/>
-                <a:ea typeface="+mn-ea"/>
-                <a:cs typeface="+mn-cs"/>
-              </a:defRPr>
-            </a:lvl7pPr>
-            <a:lvl8pPr marL="3200400" indent="0">
-              <a:defRPr sz="1100">
-                <a:latin typeface="+mn-lt"/>
-                <a:ea typeface="+mn-ea"/>
-                <a:cs typeface="+mn-cs"/>
-              </a:defRPr>
-            </a:lvl8pPr>
-            <a:lvl9pPr marL="3657600" indent="0">
-              <a:defRPr sz="1100">
-                <a:latin typeface="+mn-lt"/>
-                <a:ea typeface="+mn-ea"/>
-                <a:cs typeface="+mn-cs"/>
-              </a:defRPr>
-            </a:lvl9pPr>
-          </a:lstStyle>
-          <a:p>
-            <a:pPr algn="ctr"/>
-            <a:endParaRPr kumimoji="1" lang="ja-JP" altLang="en-US" b="1" dirty="0">
-              <a:latin typeface="+mn-ea"/>
+          <a:lstStyle/>
+          <a:p>
+            <a:r>
+              <a:rPr lang="ja-JP" altLang="en-US" dirty="0">
+                <a:solidFill>
+                  <a:srgbClr val="FF0000"/>
+                </a:solidFill>
+              </a:rPr>
+              <a:t>⑤</a:t>
+            </a:r>
+            <a:endParaRPr kumimoji="1" lang="ja-JP" altLang="en-US" dirty="0">
+              <a:solidFill>
+                <a:srgbClr val="FF0000"/>
+              </a:solidFill>
             </a:endParaRPr>
           </a:p>
         </p:txBody>
@@ -22928,7 +23927,7 @@
             </a:r>
             <a:r>
               <a:rPr lang="en-US" altLang="ja-JP" dirty="0" smtClean="0"/>
-              <a:t>2/12</a:t>
+              <a:t>2/14</a:t>
             </a:r>
             <a:r>
               <a:rPr lang="ja-JP" altLang="en-US" dirty="0" smtClean="0"/>
@@ -23265,8 +24264,8 @@
         </p:nvSpPr>
         <p:spPr bwMode="auto">
           <a:xfrm>
-            <a:off x="6156220" y="3871606"/>
-            <a:ext cx="524932" cy="260412"/>
+            <a:off x="6444260" y="3961756"/>
+            <a:ext cx="360050" cy="241139"/>
           </a:xfrm>
           <a:prstGeom prst="rect">
             <a:avLst/>
@@ -23368,8 +24367,8 @@
         </p:nvSpPr>
         <p:spPr bwMode="auto">
           <a:xfrm>
-            <a:off x="5838371" y="4427790"/>
-            <a:ext cx="1535829" cy="260412"/>
+            <a:off x="6138092" y="4538894"/>
+            <a:ext cx="1602348" cy="173847"/>
           </a:xfrm>
           <a:prstGeom prst="rect">
             <a:avLst/>
@@ -23471,7 +24470,7 @@
         </p:nvSpPr>
         <p:spPr bwMode="auto">
           <a:xfrm>
-            <a:off x="6403640" y="5048751"/>
+            <a:off x="6872493" y="5090747"/>
             <a:ext cx="2532742" cy="719868"/>
           </a:xfrm>
           <a:prstGeom prst="wedgeRectCallout">

--- a/asset/Learn/ITA-Conductor_en.pptx
+++ b/asset/Learn/ITA-Conductor_en.pptx
@@ -279,7 +279,7 @@
               <a:rPr kumimoji="1" lang="ja-JP" altLang="en-US" smtClean="0">
                 <a:ea typeface="メイリオ" panose="020B0604030504040204" pitchFamily="50" charset="-128"/>
               </a:rPr>
-              <a:t>2022/2/2</a:t>
+              <a:t>2022/6/20</a:t>
             </a:fld>
             <a:endParaRPr kumimoji="1" lang="ja-JP" altLang="en-US" dirty="0">
               <a:ea typeface="メイリオ" panose="020B0604030504040204" pitchFamily="50" charset="-128"/>
@@ -425,7 +425,7 @@
             <a:fld id="{4B26993D-C081-44EB-B0F5-A9F467792B62}" type="datetimeFigureOut">
               <a:rPr lang="ja-JP" altLang="en-US" smtClean="0"/>
               <a:pPr/>
-              <a:t>2022/2/2</a:t>
+              <a:t>2022/6/20</a:t>
             </a:fld>
             <a:endParaRPr lang="ja-JP" altLang="en-US" dirty="0"/>
           </a:p>
@@ -1048,7 +1048,7 @@
           <a:p>
             <a:fld id="{56F9016B-CCA6-43BE-8BEE-59565A35F4F7}" type="datetimeFigureOut">
               <a:rPr kumimoji="1" lang="ja-JP" altLang="en-US" smtClean="0"/>
-              <a:t>2022/2/2</a:t>
+              <a:t>2022/6/20</a:t>
             </a:fld>
             <a:endParaRPr kumimoji="1" lang="ja-JP" altLang="en-US"/>
           </a:p>
@@ -1250,7 +1250,7 @@
           <a:p>
             <a:fld id="{56F9016B-CCA6-43BE-8BEE-59565A35F4F7}" type="datetimeFigureOut">
               <a:rPr kumimoji="1" lang="ja-JP" altLang="en-US" smtClean="0"/>
-              <a:t>2022/2/2</a:t>
+              <a:t>2022/6/20</a:t>
             </a:fld>
             <a:endParaRPr kumimoji="1" lang="ja-JP" altLang="en-US"/>
           </a:p>
@@ -1496,7 +1496,7 @@
           <a:p>
             <a:fld id="{56F9016B-CCA6-43BE-8BEE-59565A35F4F7}" type="datetimeFigureOut">
               <a:rPr kumimoji="1" lang="ja-JP" altLang="en-US" smtClean="0"/>
-              <a:t>2022/2/2</a:t>
+              <a:t>2022/6/20</a:t>
             </a:fld>
             <a:endParaRPr kumimoji="1" lang="ja-JP" altLang="en-US"/>
           </a:p>
@@ -1792,7 +1792,7 @@
           <a:p>
             <a:fld id="{56F9016B-CCA6-43BE-8BEE-59565A35F4F7}" type="datetimeFigureOut">
               <a:rPr kumimoji="1" lang="ja-JP" altLang="en-US" smtClean="0"/>
-              <a:t>2022/2/2</a:t>
+              <a:t>2022/6/20</a:t>
             </a:fld>
             <a:endParaRPr kumimoji="1" lang="ja-JP" altLang="en-US"/>
           </a:p>
@@ -2223,7 +2223,7 @@
           <a:p>
             <a:fld id="{56F9016B-CCA6-43BE-8BEE-59565A35F4F7}" type="datetimeFigureOut">
               <a:rPr kumimoji="1" lang="ja-JP" altLang="en-US" smtClean="0"/>
-              <a:t>2022/2/2</a:t>
+              <a:t>2022/6/20</a:t>
             </a:fld>
             <a:endParaRPr kumimoji="1" lang="ja-JP" altLang="en-US"/>
           </a:p>
@@ -2341,7 +2341,7 @@
           <a:p>
             <a:fld id="{56F9016B-CCA6-43BE-8BEE-59565A35F4F7}" type="datetimeFigureOut">
               <a:rPr kumimoji="1" lang="ja-JP" altLang="en-US" smtClean="0"/>
-              <a:t>2022/2/2</a:t>
+              <a:t>2022/6/20</a:t>
             </a:fld>
             <a:endParaRPr kumimoji="1" lang="ja-JP" altLang="en-US"/>
           </a:p>
@@ -2436,7 +2436,7 @@
           <a:p>
             <a:fld id="{56F9016B-CCA6-43BE-8BEE-59565A35F4F7}" type="datetimeFigureOut">
               <a:rPr kumimoji="1" lang="ja-JP" altLang="en-US" smtClean="0"/>
-              <a:t>2022/2/2</a:t>
+              <a:t>2022/6/20</a:t>
             </a:fld>
             <a:endParaRPr kumimoji="1" lang="ja-JP" altLang="en-US"/>
           </a:p>
@@ -2745,7 +2745,7 @@
           <a:p>
             <a:fld id="{56F9016B-CCA6-43BE-8BEE-59565A35F4F7}" type="datetimeFigureOut">
               <a:rPr kumimoji="1" lang="ja-JP" altLang="en-US" smtClean="0"/>
-              <a:t>2022/2/2</a:t>
+              <a:t>2022/6/20</a:t>
             </a:fld>
             <a:endParaRPr kumimoji="1" lang="ja-JP" altLang="en-US"/>
           </a:p>
@@ -2998,7 +2998,7 @@
           <a:p>
             <a:fld id="{56F9016B-CCA6-43BE-8BEE-59565A35F4F7}" type="datetimeFigureOut">
               <a:rPr kumimoji="1" lang="ja-JP" altLang="en-US" smtClean="0"/>
-              <a:t>2022/2/2</a:t>
+              <a:t>2022/6/20</a:t>
             </a:fld>
             <a:endParaRPr kumimoji="1" lang="ja-JP" altLang="en-US"/>
           </a:p>
@@ -3275,7 +3275,7 @@
           <a:p>
             <a:fld id="{56F9016B-CCA6-43BE-8BEE-59565A35F4F7}" type="datetimeFigureOut">
               <a:rPr kumimoji="1" lang="ja-JP" altLang="en-US" smtClean="0"/>
-              <a:t>2022/2/2</a:t>
+              <a:t>2022/6/20</a:t>
             </a:fld>
             <a:endParaRPr kumimoji="1" lang="ja-JP" altLang="en-US"/>
           </a:p>
@@ -3487,7 +3487,7 @@
           <a:p>
             <a:fld id="{56F9016B-CCA6-43BE-8BEE-59565A35F4F7}" type="datetimeFigureOut">
               <a:rPr kumimoji="1" lang="ja-JP" altLang="en-US" smtClean="0"/>
-              <a:t>2022/2/2</a:t>
+              <a:t>2022/6/20</a:t>
             </a:fld>
             <a:endParaRPr kumimoji="1" lang="ja-JP" altLang="en-US"/>
           </a:p>
@@ -6546,7 +6546,7 @@
           <a:p>
             <a:fld id="{56F9016B-CCA6-43BE-8BEE-59565A35F4F7}" type="datetimeFigureOut">
               <a:rPr kumimoji="1" lang="ja-JP" altLang="en-US" smtClean="0"/>
-              <a:t>2022/2/2</a:t>
+              <a:t>2022/6/20</a:t>
             </a:fld>
             <a:endParaRPr kumimoji="1" lang="ja-JP" altLang="en-US"/>
           </a:p>
@@ -6984,7 +6984,7 @@
             </a:r>
             <a:r>
               <a:rPr lang="en-US" altLang="ja-JP" dirty="0" smtClean="0"/>
-              <a:t>1.9</a:t>
+              <a:t>1.10</a:t>
             </a:r>
             <a:r>
               <a:rPr lang="en-US" altLang="ja-JP" dirty="0"/>
@@ -7530,16 +7530,8 @@
               <a:t>　</a:t>
             </a:r>
             <a:r>
-              <a:rPr lang="ja-JP" altLang="en-US" dirty="0" smtClean="0"/>
-              <a:t>（</a:t>
-            </a:r>
-            <a:r>
               <a:rPr lang="en-US" altLang="ja-JP" dirty="0" smtClean="0"/>
-              <a:t>3/14</a:t>
-            </a:r>
-            <a:r>
-              <a:rPr lang="ja-JP" altLang="en-US" dirty="0" smtClean="0"/>
-              <a:t>）</a:t>
+              <a:t>(3/14)</a:t>
             </a:r>
             <a:endParaRPr kumimoji="1" lang="ja-JP" altLang="en-US" dirty="0"/>
           </a:p>
@@ -7566,19 +7558,11 @@
             </a:pPr>
             <a:r>
               <a:rPr lang="en-US" altLang="ja-JP" b="1" dirty="0" smtClean="0"/>
-              <a:t>Conductor class edit</a:t>
-            </a:r>
-            <a:r>
-              <a:rPr lang="ja-JP" altLang="en-US" b="1" dirty="0" smtClean="0"/>
-              <a:t>（</a:t>
+              <a:t>Conductor class </a:t>
             </a:r>
             <a:r>
               <a:rPr lang="en-US" altLang="ja-JP" b="1" dirty="0" smtClean="0"/>
-              <a:t>2/4</a:t>
-            </a:r>
-            <a:r>
-              <a:rPr lang="ja-JP" altLang="en-US" b="1" dirty="0" smtClean="0"/>
-              <a:t>）</a:t>
+              <a:t>edit(2/4)</a:t>
             </a:r>
             <a:endParaRPr lang="en-US" altLang="ja-JP" b="1" dirty="0"/>
           </a:p>
@@ -8380,16 +8364,8 @@
               <a:t>　</a:t>
             </a:r>
             <a:r>
-              <a:rPr lang="ja-JP" altLang="en-US" dirty="0" smtClean="0"/>
-              <a:t>（</a:t>
-            </a:r>
-            <a:r>
               <a:rPr lang="en-US" altLang="ja-JP" dirty="0" smtClean="0"/>
-              <a:t>4/14</a:t>
-            </a:r>
-            <a:r>
-              <a:rPr lang="ja-JP" altLang="en-US" dirty="0" smtClean="0"/>
-              <a:t>）</a:t>
+              <a:t>(4/14)</a:t>
             </a:r>
             <a:endParaRPr kumimoji="1" lang="ja-JP" altLang="en-US" dirty="0"/>
           </a:p>
@@ -8424,23 +8400,11 @@
             </a:r>
             <a:r>
               <a:rPr lang="en-US" altLang="ja-JP" b="1" dirty="0" smtClean="0"/>
-              <a:t>class edit</a:t>
-            </a:r>
-            <a:r>
-              <a:rPr lang="ja-JP" altLang="en-US" b="1" dirty="0" smtClean="0"/>
-              <a:t>（</a:t>
-            </a:r>
-            <a:r>
-              <a:rPr lang="en-US" altLang="ja-JP" b="1" dirty="0"/>
-              <a:t>3</a:t>
+              <a:t>class </a:t>
             </a:r>
             <a:r>
               <a:rPr lang="en-US" altLang="ja-JP" b="1" dirty="0" smtClean="0"/>
-              <a:t>/4</a:t>
-            </a:r>
-            <a:r>
-              <a:rPr lang="ja-JP" altLang="en-US" b="1" dirty="0" smtClean="0"/>
-              <a:t>）</a:t>
+              <a:t>edit(3/4)</a:t>
             </a:r>
             <a:endParaRPr lang="en-US" altLang="ja-JP" b="1" dirty="0" smtClean="0"/>
           </a:p>
@@ -12045,16 +12009,8 @@
               <a:t>　</a:t>
             </a:r>
             <a:r>
-              <a:rPr lang="ja-JP" altLang="en-US" dirty="0" smtClean="0"/>
-              <a:t>（</a:t>
-            </a:r>
-            <a:r>
               <a:rPr lang="en-US" altLang="ja-JP" dirty="0" smtClean="0"/>
-              <a:t>5/14</a:t>
-            </a:r>
-            <a:r>
-              <a:rPr lang="ja-JP" altLang="en-US" dirty="0" smtClean="0"/>
-              <a:t>）</a:t>
+              <a:t>(5/14)</a:t>
             </a:r>
             <a:endParaRPr kumimoji="1" lang="ja-JP" altLang="en-US" dirty="0"/>
           </a:p>
@@ -12081,19 +12037,11 @@
             </a:pPr>
             <a:r>
               <a:rPr lang="en-US" altLang="ja-JP" b="1" dirty="0" smtClean="0"/>
-              <a:t>Conductor class edit</a:t>
-            </a:r>
-            <a:r>
-              <a:rPr lang="ja-JP" altLang="en-US" b="1" dirty="0" smtClean="0"/>
-              <a:t>（</a:t>
+              <a:t>Conductor class </a:t>
             </a:r>
             <a:r>
               <a:rPr lang="en-US" altLang="ja-JP" b="1" dirty="0" smtClean="0"/>
-              <a:t>4/4</a:t>
-            </a:r>
-            <a:r>
-              <a:rPr lang="ja-JP" altLang="en-US" b="1" dirty="0" smtClean="0"/>
-              <a:t>）</a:t>
+              <a:t>edit(4/4)</a:t>
             </a:r>
             <a:endParaRPr lang="en-US" altLang="ja-JP" b="1" dirty="0"/>
           </a:p>
@@ -12126,7 +12074,7 @@
       </p:sp>
       <p:pic>
         <p:nvPicPr>
-          <p:cNvPr id="8" name="図 7"/>
+          <p:cNvPr id="7" name="図 6"/>
           <p:cNvPicPr>
             <a:picLocks noChangeAspect="1"/>
           </p:cNvPicPr>
@@ -12140,8 +12088,8 @@
         </p:blipFill>
         <p:spPr>
           <a:xfrm>
-            <a:off x="4581526" y="1916790"/>
-            <a:ext cx="4381988" cy="1781175"/>
+            <a:off x="179512" y="1916790"/>
+            <a:ext cx="4367473" cy="3981450"/>
           </a:xfrm>
           <a:prstGeom prst="rect">
             <a:avLst/>
@@ -12150,7 +12098,7 @@
       </p:pic>
       <p:pic>
         <p:nvPicPr>
-          <p:cNvPr id="4" name="図 3"/>
+          <p:cNvPr id="8" name="図 7"/>
           <p:cNvPicPr>
             <a:picLocks noChangeAspect="1"/>
           </p:cNvPicPr>
@@ -12164,32 +12112,8 @@
         </p:blipFill>
         <p:spPr>
           <a:xfrm>
-            <a:off x="251401" y="1916790"/>
-            <a:ext cx="4116824" cy="3600500"/>
-          </a:xfrm>
-          <a:prstGeom prst="rect">
-            <a:avLst/>
-          </a:prstGeom>
-        </p:spPr>
-      </p:pic>
-      <p:pic>
-        <p:nvPicPr>
-          <p:cNvPr id="5" name="図 4"/>
-          <p:cNvPicPr>
-            <a:picLocks noChangeAspect="1"/>
-          </p:cNvPicPr>
-          <p:nvPr/>
-        </p:nvPicPr>
-        <p:blipFill>
-          <a:blip r:embed="rId5"/>
-          <a:stretch>
-            <a:fillRect/>
-          </a:stretch>
-        </p:blipFill>
-        <p:spPr>
-          <a:xfrm>
-            <a:off x="4581526" y="2098606"/>
-            <a:ext cx="4384480" cy="2842604"/>
+            <a:off x="4581526" y="1916790"/>
+            <a:ext cx="4381988" cy="1781175"/>
           </a:xfrm>
           <a:prstGeom prst="rect">
             <a:avLst/>
@@ -12400,19 +12324,11 @@
             </a:r>
             <a:r>
               <a:rPr lang="en-US" altLang="ja-JP" dirty="0" smtClean="0"/>
-              <a:t>Conductor Function Description</a:t>
-            </a:r>
-            <a:r>
-              <a:rPr lang="ja-JP" altLang="en-US" dirty="0" smtClean="0"/>
-              <a:t>（</a:t>
+              <a:t>Conductor Function </a:t>
             </a:r>
             <a:r>
               <a:rPr lang="en-US" altLang="ja-JP" dirty="0" smtClean="0"/>
-              <a:t>6/14</a:t>
-            </a:r>
-            <a:r>
-              <a:rPr lang="ja-JP" altLang="en-US" dirty="0" smtClean="0"/>
-              <a:t>）</a:t>
+              <a:t>Description(6/14)</a:t>
             </a:r>
             <a:endParaRPr kumimoji="1" lang="ja-JP" altLang="en-US" dirty="0"/>
           </a:p>
@@ -12439,11 +12355,11 @@
             </a:pPr>
             <a:r>
               <a:rPr lang="en-US" altLang="ja-JP" b="1" dirty="0"/>
-              <a:t>Conductor execution(1/2</a:t>
+              <a:t>Conductor </a:t>
             </a:r>
             <a:r>
               <a:rPr lang="en-US" altLang="ja-JP" b="1" dirty="0" smtClean="0"/>
-              <a:t>)</a:t>
+              <a:t>execution(1/2)</a:t>
             </a:r>
             <a:endParaRPr lang="en-US" altLang="ja-JP" dirty="0" smtClean="0"/>
           </a:p>
@@ -13077,16 +12993,8 @@
               <a:t>　</a:t>
             </a:r>
             <a:r>
-              <a:rPr lang="ja-JP" altLang="en-US" dirty="0" smtClean="0"/>
-              <a:t>（</a:t>
-            </a:r>
-            <a:r>
               <a:rPr lang="en-US" altLang="ja-JP" dirty="0" smtClean="0"/>
-              <a:t>7/14</a:t>
-            </a:r>
-            <a:r>
-              <a:rPr lang="ja-JP" altLang="en-US" dirty="0" smtClean="0"/>
-              <a:t>）</a:t>
+              <a:t>(7/14)</a:t>
             </a:r>
             <a:endParaRPr kumimoji="1" lang="ja-JP" altLang="en-US" dirty="0"/>
           </a:p>
@@ -13121,7 +13029,11 @@
             </a:r>
             <a:r>
               <a:rPr lang="en-US" altLang="ja-JP" b="1" dirty="0" smtClean="0"/>
-              <a:t>execution (2/2)</a:t>
+              <a:t>execution </a:t>
+            </a:r>
+            <a:r>
+              <a:rPr lang="en-US" altLang="ja-JP" b="1" dirty="0" smtClean="0"/>
+              <a:t>(2/2)</a:t>
             </a:r>
             <a:endParaRPr lang="en-US" altLang="ja-JP" dirty="0" smtClean="0"/>
           </a:p>
@@ -13514,16 +13426,8 @@
               <a:t>　</a:t>
             </a:r>
             <a:r>
-              <a:rPr lang="ja-JP" altLang="en-US" dirty="0" smtClean="0"/>
-              <a:t>（</a:t>
-            </a:r>
-            <a:r>
               <a:rPr lang="en-US" altLang="ja-JP" dirty="0" smtClean="0"/>
-              <a:t>8/14</a:t>
-            </a:r>
-            <a:r>
-              <a:rPr lang="ja-JP" altLang="en-US" dirty="0" smtClean="0"/>
-              <a:t>）</a:t>
+              <a:t>(8/14)</a:t>
             </a:r>
             <a:endParaRPr kumimoji="1" lang="ja-JP" altLang="en-US" dirty="0"/>
           </a:p>
@@ -13939,7 +13843,7 @@
       </p:grpSpPr>
       <p:pic>
         <p:nvPicPr>
-          <p:cNvPr id="5" name="図 4"/>
+          <p:cNvPr id="4" name="図 3"/>
           <p:cNvPicPr>
             <a:picLocks noChangeAspect="1"/>
           </p:cNvPicPr>
@@ -13953,14 +13857,53 @@
         </p:blipFill>
         <p:spPr>
           <a:xfrm>
-            <a:off x="251400" y="2272958"/>
-            <a:ext cx="8715683" cy="3028301"/>
+            <a:off x="395420" y="2092532"/>
+            <a:ext cx="6832678" cy="4257155"/>
           </a:xfrm>
           <a:prstGeom prst="rect">
             <a:avLst/>
           </a:prstGeom>
         </p:spPr>
       </p:pic>
+      <p:sp>
+        <p:nvSpPr>
+          <p:cNvPr id="2" name="タイトル 1"/>
+          <p:cNvSpPr>
+            <a:spLocks noGrp="1"/>
+          </p:cNvSpPr>
+          <p:nvPr>
+            <p:ph type="title"/>
+          </p:nvPr>
+        </p:nvSpPr>
+        <p:spPr/>
+        <p:txBody>
+          <a:bodyPr/>
+          <a:lstStyle/>
+          <a:p>
+            <a:r>
+              <a:rPr lang="en-US" altLang="ja-JP" dirty="0"/>
+              <a:t>2.3</a:t>
+            </a:r>
+            <a:r>
+              <a:rPr lang="ja-JP" altLang="en-US" dirty="0"/>
+              <a:t>　</a:t>
+            </a:r>
+            <a:r>
+              <a:rPr lang="en-US" altLang="ja-JP" dirty="0" smtClean="0"/>
+              <a:t>Conductor Function Description</a:t>
+            </a:r>
+            <a:r>
+              <a:rPr lang="ja-JP" altLang="en-US" dirty="0"/>
+              <a:t>　</a:t>
+            </a:r>
+            <a:r>
+              <a:rPr lang="en-US" altLang="ja-JP" dirty="0" smtClean="0"/>
+              <a:t>(9/14)</a:t>
+            </a:r>
+            <a:endParaRPr kumimoji="1" lang="ja-JP" altLang="en-US" dirty="0"/>
+          </a:p>
+        </p:txBody>
+      </p:sp>
       <p:sp>
         <p:nvSpPr>
           <p:cNvPr id="3" name="コンテンツ プレースホルダー 2"/>
@@ -13982,19 +13925,11 @@
             </a:pPr>
             <a:r>
               <a:rPr lang="en-US" altLang="ja-JP" b="1" dirty="0" smtClean="0"/>
-              <a:t>Conductor check</a:t>
-            </a:r>
-            <a:r>
-              <a:rPr lang="ja-JP" altLang="en-US" b="1" dirty="0" smtClean="0"/>
-              <a:t>（</a:t>
-            </a:r>
-            <a:r>
-              <a:rPr lang="en-US" altLang="ja-JP" b="1" dirty="0"/>
-              <a:t>1</a:t>
-            </a:r>
-            <a:r>
-              <a:rPr lang="ja-JP" altLang="en-US" b="1" dirty="0" smtClean="0"/>
-              <a:t>）</a:t>
+              <a:t>Conductor </a:t>
+            </a:r>
+            <a:r>
+              <a:rPr lang="en-US" altLang="ja-JP" b="1" dirty="0" smtClean="0"/>
+              <a:t>check(1)</a:t>
             </a:r>
             <a:r>
               <a:rPr lang="en-US" altLang="ja-JP" b="1" dirty="0" smtClean="0"/>
@@ -14008,53 +13943,6 @@
               <a:t>In the “Conductor” Menu group -&gt; “Conductor list” menu -&gt;”List” Sub-menu, users can download the input/results data for each Conductor.</a:t>
             </a:r>
             <a:endParaRPr lang="ja-JP" altLang="en-US" dirty="0" smtClean="0"/>
-          </a:p>
-        </p:txBody>
-      </p:sp>
-      <p:sp>
-        <p:nvSpPr>
-          <p:cNvPr id="2" name="タイトル 1"/>
-          <p:cNvSpPr>
-            <a:spLocks noGrp="1"/>
-          </p:cNvSpPr>
-          <p:nvPr>
-            <p:ph type="title"/>
-          </p:nvPr>
-        </p:nvSpPr>
-        <p:spPr/>
-        <p:txBody>
-          <a:bodyPr/>
-          <a:lstStyle/>
-          <a:p>
-            <a:r>
-              <a:rPr lang="en-US" altLang="ja-JP" dirty="0"/>
-              <a:t>2.3</a:t>
-            </a:r>
-            <a:r>
-              <a:rPr lang="ja-JP" altLang="en-US" dirty="0"/>
-              <a:t>　</a:t>
-            </a:r>
-            <a:r>
-              <a:rPr lang="en-US" altLang="ja-JP" dirty="0" smtClean="0"/>
-              <a:t>Conductor Function Description</a:t>
-            </a:r>
-            <a:r>
-              <a:rPr lang="ja-JP" altLang="en-US" dirty="0"/>
-              <a:t>　</a:t>
-            </a:r>
-            <a:r>
-              <a:rPr lang="ja-JP" altLang="en-US" dirty="0" smtClean="0"/>
-              <a:t>（</a:t>
-            </a:r>
-            <a:r>
-              <a:rPr lang="en-US" altLang="ja-JP" dirty="0" smtClean="0"/>
-              <a:t>9/14</a:t>
-            </a:r>
-            <a:r>
-              <a:rPr lang="ja-JP" altLang="en-US" dirty="0" smtClean="0"/>
-              <a:t>）</a:t>
-            </a:r>
-            <a:endParaRPr kumimoji="1" lang="ja-JP" altLang="en-US" dirty="0"/>
           </a:p>
         </p:txBody>
       </p:sp>
@@ -14066,8 +13954,8 @@
         </p:nvSpPr>
         <p:spPr bwMode="auto">
           <a:xfrm>
-            <a:off x="251400" y="4528418"/>
-            <a:ext cx="792110" cy="268772"/>
+            <a:off x="395420" y="3789050"/>
+            <a:ext cx="792110" cy="196762"/>
           </a:xfrm>
           <a:prstGeom prst="rect">
             <a:avLst/>
@@ -14105,8 +13993,8 @@
         </p:nvSpPr>
         <p:spPr bwMode="auto">
           <a:xfrm>
-            <a:off x="5796170" y="5121118"/>
-            <a:ext cx="1296180" cy="180141"/>
+            <a:off x="5292100" y="4725180"/>
+            <a:ext cx="1440200" cy="504070"/>
           </a:xfrm>
           <a:prstGeom prst="rect">
             <a:avLst/>
@@ -14200,16 +14088,8 @@
               <a:t>　</a:t>
             </a:r>
             <a:r>
-              <a:rPr lang="ja-JP" altLang="en-US" dirty="0" smtClean="0"/>
-              <a:t>（</a:t>
-            </a:r>
-            <a:r>
               <a:rPr lang="en-US" altLang="ja-JP" dirty="0" smtClean="0"/>
-              <a:t>10/14</a:t>
-            </a:r>
-            <a:r>
-              <a:rPr lang="ja-JP" altLang="en-US" dirty="0" smtClean="0"/>
-              <a:t>）</a:t>
+              <a:t>(10/14)</a:t>
             </a:r>
             <a:endParaRPr kumimoji="1" lang="ja-JP" altLang="en-US" dirty="0"/>
           </a:p>
@@ -14241,19 +14121,11 @@
             </a:pPr>
             <a:r>
               <a:rPr lang="en-US" altLang="ja-JP" b="1" dirty="0" smtClean="0"/>
-              <a:t>Conductor Routine Executions</a:t>
-            </a:r>
-            <a:r>
-              <a:rPr lang="ja-JP" altLang="en-US" b="1" dirty="0" smtClean="0"/>
-              <a:t>（</a:t>
+              <a:t>Conductor Routine </a:t>
             </a:r>
             <a:r>
               <a:rPr lang="en-US" altLang="ja-JP" b="1" dirty="0" smtClean="0"/>
-              <a:t>1/3</a:t>
-            </a:r>
-            <a:r>
-              <a:rPr lang="ja-JP" altLang="en-US" b="1" dirty="0" smtClean="0"/>
-              <a:t>）</a:t>
+              <a:t>Executions(1/3)</a:t>
             </a:r>
             <a:endParaRPr lang="en-US" altLang="ja-JP" b="1" dirty="0" smtClean="0"/>
           </a:p>
@@ -14614,16 +14486,8 @@
               <a:t>　</a:t>
             </a:r>
             <a:r>
-              <a:rPr lang="ja-JP" altLang="en-US" dirty="0" smtClean="0"/>
-              <a:t>（</a:t>
-            </a:r>
-            <a:r>
               <a:rPr lang="en-US" altLang="ja-JP" dirty="0" smtClean="0"/>
-              <a:t>11/14</a:t>
-            </a:r>
-            <a:r>
-              <a:rPr lang="ja-JP" altLang="en-US" dirty="0" smtClean="0"/>
-              <a:t>）</a:t>
+              <a:t>(11/14)</a:t>
             </a:r>
             <a:endParaRPr kumimoji="1" lang="ja-JP" altLang="en-US" dirty="0"/>
           </a:p>
@@ -14650,19 +14514,11 @@
             </a:pPr>
             <a:r>
               <a:rPr lang="en-US" altLang="ja-JP" b="1" dirty="0" smtClean="0"/>
-              <a:t>Conductor Routine Executions</a:t>
-            </a:r>
-            <a:r>
-              <a:rPr lang="ja-JP" altLang="en-US" b="1" dirty="0" smtClean="0"/>
-              <a:t>（</a:t>
+              <a:t>Conductor Routine </a:t>
             </a:r>
             <a:r>
               <a:rPr lang="en-US" altLang="ja-JP" b="1" dirty="0" smtClean="0"/>
-              <a:t>2/3</a:t>
-            </a:r>
-            <a:r>
-              <a:rPr lang="ja-JP" altLang="en-US" b="1" dirty="0" smtClean="0"/>
-              <a:t>）</a:t>
+              <a:t>Executions(2/3)</a:t>
             </a:r>
             <a:endParaRPr lang="en-US" altLang="ja-JP" b="1" dirty="0" smtClean="0"/>
           </a:p>
@@ -15002,8 +14858,8 @@
         </p:nvSpPr>
         <p:spPr bwMode="auto">
           <a:xfrm>
-            <a:off x="899490" y="4540104"/>
-            <a:ext cx="5075331" cy="1900729"/>
+            <a:off x="1547580" y="4540104"/>
+            <a:ext cx="4427241" cy="1900729"/>
           </a:xfrm>
           <a:prstGeom prst="rect">
             <a:avLst/>
@@ -15075,20 +14931,28 @@
               <a:rPr lang="en-US" altLang="ja-JP" sz="1400" b="1" dirty="0" smtClean="0"/>
             </a:br>
             <a:r>
+              <a:rPr lang="ja-JP" altLang="en-US" sz="1400" b="1" dirty="0" smtClean="0"/>
+              <a:t>初回</a:t>
+            </a:r>
+            <a:r>
               <a:rPr lang="en-US" altLang="ja-JP" sz="1400" b="1" dirty="0" smtClean="0"/>
-              <a:t>1</a:t>
-            </a:r>
-            <a:r>
-              <a:rPr lang="en-US" altLang="ja-JP" sz="1400" b="1" baseline="30000" dirty="0" smtClean="0"/>
-              <a:t>st</a:t>
+              <a:t>(=</a:t>
+            </a:r>
+            <a:r>
+              <a:rPr lang="ja-JP" altLang="en-US" sz="1400" b="1" dirty="0"/>
+              <a:t>次回実行</a:t>
+            </a:r>
+            <a:r>
+              <a:rPr lang="ja-JP" altLang="en-US" sz="1400" b="1" dirty="0" smtClean="0"/>
+              <a:t>日付</a:t>
             </a:r>
             <a:r>
               <a:rPr lang="en-US" altLang="ja-JP" sz="1400" b="1" dirty="0" smtClean="0"/>
-              <a:t> time</a:t>
-            </a:r>
-            <a:r>
-              <a:rPr lang="en-US" altLang="ja-JP" sz="1400" b="1" dirty="0" smtClean="0"/>
-              <a:t>(=next execution date)</a:t>
+              <a:t>)</a:t>
+            </a:r>
+            <a:r>
+              <a:rPr lang="ja-JP" altLang="en-US" sz="1400" b="1" dirty="0" smtClean="0"/>
+              <a:t> </a:t>
             </a:r>
             <a:r>
               <a:rPr lang="ja-JP" altLang="en-US" sz="1400" b="1" dirty="0" smtClean="0"/>
@@ -15116,34 +14980,10 @@
               <a:t>2</a:t>
             </a:r>
             <a:r>
-              <a:rPr lang="en-US" altLang="ja-JP" sz="1400" b="1" baseline="30000" dirty="0" smtClean="0">
-                <a:latin typeface="+mn-ea"/>
-              </a:rPr>
-              <a:t>nd</a:t>
-            </a:r>
-            <a:r>
-              <a:rPr lang="en-US" altLang="ja-JP" sz="1400" b="1" dirty="0" smtClean="0">
-                <a:latin typeface="+mn-ea"/>
-              </a:rPr>
-              <a:t> time</a:t>
-            </a:r>
-            <a:r>
               <a:rPr lang="ja-JP" altLang="en-US" sz="1400" b="1" dirty="0" smtClean="0">
                 <a:latin typeface="+mn-ea"/>
               </a:rPr>
-              <a:t>       </a:t>
-            </a:r>
-            <a:r>
-              <a:rPr lang="en-US" altLang="ja-JP" sz="1400" b="1" dirty="0" smtClean="0">
-                <a:latin typeface="+mn-ea"/>
-              </a:rPr>
-              <a:t>	</a:t>
-            </a:r>
-            <a:r>
-              <a:rPr lang="ja-JP" altLang="en-US" sz="1400" b="1" dirty="0" smtClean="0">
-                <a:latin typeface="+mn-ea"/>
-              </a:rPr>
-              <a:t>                   </a:t>
+              <a:t>回目                       </a:t>
             </a:r>
             <a:r>
               <a:rPr lang="ja-JP" altLang="en-US" sz="1400" b="1" dirty="0" smtClean="0"/>
@@ -15163,34 +15003,10 @@
               <a:t>3</a:t>
             </a:r>
             <a:r>
-              <a:rPr lang="en-US" altLang="ja-JP" sz="1400" b="1" baseline="30000" dirty="0" smtClean="0">
-                <a:latin typeface="+mn-ea"/>
-              </a:rPr>
-              <a:t>rd</a:t>
-            </a:r>
-            <a:r>
-              <a:rPr lang="en-US" altLang="ja-JP" sz="1400" b="1" dirty="0" smtClean="0">
-                <a:latin typeface="+mn-ea"/>
-              </a:rPr>
-              <a:t> time</a:t>
-            </a:r>
-            <a:r>
               <a:rPr lang="ja-JP" altLang="en-US" sz="1400" b="1" dirty="0" smtClean="0">
                 <a:latin typeface="+mn-ea"/>
               </a:rPr>
-              <a:t>             </a:t>
-            </a:r>
-            <a:r>
-              <a:rPr lang="en-US" altLang="ja-JP" sz="1400" b="1" dirty="0" smtClean="0">
-                <a:latin typeface="+mn-ea"/>
-              </a:rPr>
-              <a:t>		</a:t>
-            </a:r>
-            <a:r>
-              <a:rPr lang="ja-JP" altLang="en-US" sz="1400" b="1" dirty="0" smtClean="0">
-                <a:latin typeface="+mn-ea"/>
-              </a:rPr>
-              <a:t>            </a:t>
+              <a:t>回目                       </a:t>
             </a:r>
             <a:r>
               <a:rPr lang="ja-JP" altLang="en-US" sz="1400" b="1" dirty="0" smtClean="0"/>
@@ -15235,8 +15051,8 @@
         </p:nvSpPr>
         <p:spPr bwMode="auto">
           <a:xfrm>
-            <a:off x="971500" y="4576243"/>
-            <a:ext cx="5003321" cy="899991"/>
+            <a:off x="1671261" y="4760202"/>
+            <a:ext cx="4427241" cy="683961"/>
           </a:xfrm>
           <a:prstGeom prst="rect">
             <a:avLst/>
@@ -15257,53 +15073,68 @@
           </a:bodyPr>
           <a:lstStyle/>
           <a:p>
-            <a:pPr algn="ctr"/>
-            <a:r>
-              <a:rPr lang="en-US" altLang="ja-JP" sz="1200" b="1" dirty="0">
+            <a:r>
+              <a:rPr lang="ja-JP" altLang="en-US" sz="1400" b="1" dirty="0" smtClean="0">
                 <a:latin typeface="+mn-ea"/>
               </a:rPr>
-              <a:t>If the current date is " </a:t>
-            </a:r>
-            <a:r>
-              <a:rPr lang="en-US" altLang="ja-JP" sz="1200" b="1" dirty="0" smtClean="0">
+              <a:t>現在日時「</a:t>
+            </a:r>
+            <a:r>
+              <a:rPr lang="en-US" altLang="ja-JP" sz="1400" b="1" dirty="0" smtClean="0">
                 <a:latin typeface="+mn-ea"/>
               </a:rPr>
-              <a:t>31/8/2021”</a:t>
+              <a:t>2021/8/31 00:00</a:t>
+            </a:r>
+            <a:r>
+              <a:rPr lang="ja-JP" altLang="en-US" sz="1400" b="1" dirty="0" smtClean="0">
+                <a:latin typeface="+mn-ea"/>
+              </a:rPr>
+              <a:t>」に</a:t>
+            </a:r>
+            <a:r>
+              <a:rPr lang="en-US" altLang="ja-JP" sz="1400" b="1" dirty="0" smtClean="0">
+                <a:latin typeface="+mn-ea"/>
+              </a:rPr>
+              <a:t/>
             </a:r>
             <a:br>
-              <a:rPr lang="en-US" altLang="ja-JP" sz="1200" b="1" dirty="0" smtClean="0">
+              <a:rPr lang="en-US" altLang="ja-JP" sz="1400" b="1" dirty="0" smtClean="0">
                 <a:latin typeface="+mn-ea"/>
               </a:rPr>
             </a:br>
             <a:r>
-              <a:rPr lang="en-US" altLang="ja-JP" sz="1200" b="1" dirty="0" smtClean="0">
+              <a:rPr lang="ja-JP" altLang="en-US" sz="1400" b="1" dirty="0" smtClean="0">
                 <a:latin typeface="+mn-ea"/>
               </a:rPr>
-              <a:t>and </a:t>
-            </a:r>
-            <a:r>
-              <a:rPr lang="en-US" altLang="ja-JP" sz="1200" b="1" dirty="0">
+              <a:t>左図のようにスケジュール設定した場合</a:t>
+            </a:r>
+            <a:r>
+              <a:rPr lang="en-US" altLang="ja-JP" sz="1400" b="1" dirty="0" smtClean="0">
                 <a:latin typeface="+mn-ea"/>
               </a:rPr>
-              <a:t>the execution schedule is set as the same above, </a:t>
-            </a:r>
-          </a:p>
-          <a:p>
-            <a:pPr algn="ctr"/>
-            <a:r>
-              <a:rPr lang="en-US" altLang="ja-JP" sz="1200" b="1" dirty="0">
+              <a:t/>
+            </a:r>
+            <a:br>
+              <a:rPr lang="en-US" altLang="ja-JP" sz="1400" b="1" dirty="0" smtClean="0">
                 <a:latin typeface="+mn-ea"/>
               </a:rPr>
-              <a:t>the conductor will be executed at the following dates:</a:t>
-            </a:r>
-            <a:r>
-              <a:rPr lang="en-US" altLang="ja-JP" sz="1200" b="1" dirty="0" smtClean="0"/>
+            </a:br>
+            <a:r>
+              <a:rPr lang="en-US" altLang="ja-JP" sz="1400" b="1" dirty="0" smtClean="0"/>
+              <a:t>Conductor</a:t>
+            </a:r>
+            <a:r>
+              <a:rPr lang="ja-JP" altLang="en-US" sz="1400" b="1" dirty="0" smtClean="0"/>
+              <a:t>の実行日時は以下のようになります。</a:t>
+            </a:r>
+            <a:r>
+              <a:rPr lang="en-US" altLang="ja-JP" sz="1400" b="1" dirty="0" smtClean="0"/>
               <a:t/>
             </a:r>
             <a:br>
-              <a:rPr lang="en-US" altLang="ja-JP" sz="1200" b="1" dirty="0" smtClean="0"/>
+              <a:rPr lang="en-US" altLang="ja-JP" sz="1400" b="1" dirty="0" smtClean="0"/>
             </a:br>
-            <a:endParaRPr lang="ja-JP" altLang="en-US" sz="1200" b="1" dirty="0">
+            <a:endParaRPr lang="ja-JP" altLang="en-US" sz="1400" b="1" dirty="0">
               <a:latin typeface="+mn-ea"/>
             </a:endParaRPr>
           </a:p>
@@ -15346,30 +15177,6 @@
           <a:chExt cx="0" cy="0"/>
         </a:xfrm>
       </p:grpSpPr>
-      <p:pic>
-        <p:nvPicPr>
-          <p:cNvPr id="5" name="図 4"/>
-          <p:cNvPicPr>
-            <a:picLocks noChangeAspect="1"/>
-          </p:cNvPicPr>
-          <p:nvPr/>
-        </p:nvPicPr>
-        <p:blipFill>
-          <a:blip r:embed="rId2"/>
-          <a:stretch>
-            <a:fillRect/>
-          </a:stretch>
-        </p:blipFill>
-        <p:spPr>
-          <a:xfrm>
-            <a:off x="179512" y="3867178"/>
-            <a:ext cx="4743964" cy="1888251"/>
-          </a:xfrm>
-          <a:prstGeom prst="rect">
-            <a:avLst/>
-          </a:prstGeom>
-        </p:spPr>
-      </p:pic>
       <p:sp>
         <p:nvSpPr>
           <p:cNvPr id="2" name="タイトル 1"/>
@@ -15407,15 +15214,11 @@
             </a:r>
             <a:r>
               <a:rPr lang="ja-JP" altLang="en-US" dirty="0" smtClean="0"/>
-              <a:t>　（</a:t>
+              <a:t>　</a:t>
             </a:r>
             <a:r>
               <a:rPr lang="en-US" altLang="ja-JP" dirty="0" smtClean="0"/>
-              <a:t>12/14</a:t>
-            </a:r>
-            <a:r>
-              <a:rPr lang="ja-JP" altLang="en-US" dirty="0" smtClean="0"/>
-              <a:t>）</a:t>
+              <a:t>(12/14)</a:t>
             </a:r>
             <a:endParaRPr kumimoji="1" lang="ja-JP" altLang="en-US" dirty="0"/>
           </a:p>
@@ -15445,16 +15248,8 @@
               <a:t>Conductor Routine Executions </a:t>
             </a:r>
             <a:r>
-              <a:rPr lang="ja-JP" altLang="en-US" b="1" dirty="0" smtClean="0"/>
-              <a:t>（</a:t>
-            </a:r>
-            <a:r>
               <a:rPr lang="en-US" altLang="ja-JP" b="1" dirty="0" smtClean="0"/>
-              <a:t>3/3</a:t>
-            </a:r>
-            <a:r>
-              <a:rPr lang="ja-JP" altLang="en-US" b="1" dirty="0" smtClean="0"/>
-              <a:t>）</a:t>
+              <a:t>(3/3)</a:t>
             </a:r>
             <a:endParaRPr lang="en-US" altLang="ja-JP" b="1" dirty="0" smtClean="0"/>
           </a:p>
@@ -15462,7 +15257,11 @@
             <a:pPr lvl="1"/>
             <a:r>
               <a:rPr lang="en-US" altLang="ja-JP" sz="1400" dirty="0"/>
-              <a:t>Any Conductor operations registered with a scheduled routine will display "Not executed (Reserved) </a:t>
+              <a:t>Any Conductor operations registered with a scheduled routine will display "Not executed </a:t>
+            </a:r>
+            <a:r>
+              <a:rPr lang="en-US" altLang="ja-JP" sz="1400" dirty="0" smtClean="0"/>
+              <a:t>(Reserved) </a:t>
             </a:r>
             <a:r>
               <a:rPr lang="en-US" altLang="ja-JP" sz="1400" dirty="0" smtClean="0"/>
@@ -15470,7 +15269,27 @@
             </a:r>
             <a:r>
               <a:rPr lang="en-US" altLang="ja-JP" sz="1400" dirty="0"/>
-              <a:t> (The default interval (time) value is 3 minutes). </a:t>
+              <a:t> </a:t>
+            </a:r>
+            <a:r>
+              <a:rPr lang="en-US" altLang="ja-JP" sz="1400" dirty="0" smtClean="0"/>
+              <a:t>(The </a:t>
+            </a:r>
+            <a:r>
+              <a:rPr lang="en-US" altLang="ja-JP" sz="1400" dirty="0"/>
+              <a:t>default interval </a:t>
+            </a:r>
+            <a:r>
+              <a:rPr lang="en-US" altLang="ja-JP" sz="1400" dirty="0" smtClean="0"/>
+              <a:t>(time) </a:t>
+            </a:r>
+            <a:r>
+              <a:rPr lang="en-US" altLang="ja-JP" sz="1400" dirty="0"/>
+              <a:t>value is 3 </a:t>
+            </a:r>
+            <a:r>
+              <a:rPr lang="en-US" altLang="ja-JP" sz="1400" dirty="0" smtClean="0"/>
+              <a:t>minutes). </a:t>
             </a:r>
             <a:r>
               <a:rPr lang="en-US" altLang="ja-JP" sz="1400" dirty="0" smtClean="0"/>
@@ -15482,19 +15301,37 @@
             </a:r>
             <a:r>
               <a:rPr lang="en-US" altLang="ja-JP" sz="1400" dirty="0" smtClean="0"/>
-              <a:t>. For more information, please see </a:t>
+              <a:t>. For more information, please </a:t>
             </a:r>
             <a:r>
               <a:rPr lang="en-US" altLang="ja-JP" sz="1400" dirty="0" smtClean="0"/>
-              <a:t>the Management console user manual. </a:t>
-            </a:r>
-            <a:endParaRPr lang="en-US" altLang="ja-JP" sz="1400" dirty="0" smtClean="0"/>
+              <a:t>see the </a:t>
+            </a:r>
+            <a:r>
+              <a:rPr lang="en-US" altLang="ja-JP" sz="1400" dirty="0" smtClean="0">
+                <a:hlinkClick r:id="rId2"/>
+              </a:rPr>
+              <a:t>Management console user manual</a:t>
+            </a:r>
+            <a:endParaRPr lang="en-US" altLang="ja-JP" sz="1400" dirty="0"/>
           </a:p>
           <a:p>
             <a:pPr lvl="1"/>
             <a:r>
+              <a:rPr lang="en-US" altLang="ja-JP" sz="1400" dirty="0" smtClean="0"/>
+              <a:t>Conductor/Symphonies </a:t>
+            </a:r>
+            <a:r>
               <a:rPr lang="en-US" altLang="ja-JP" sz="1400" dirty="0"/>
-              <a:t>Conductor/Symphonies with the status "Unexecuted (Schedule) can be seen in the "Work status" field in the dashboard and in the "Conductor list" menu.</a:t>
+              <a:t>with the status "Unexecuted </a:t>
+            </a:r>
+            <a:r>
+              <a:rPr lang="en-US" altLang="ja-JP" sz="1400" dirty="0" smtClean="0"/>
+              <a:t>(Schedule) </a:t>
+            </a:r>
+            <a:r>
+              <a:rPr lang="en-US" altLang="ja-JP" sz="1400" dirty="0"/>
+              <a:t>can be seen in the "Work status" field in the dashboard and in the "Conductor list" menu.</a:t>
             </a:r>
             <a:r>
               <a:rPr lang="en-US" altLang="ja-JP" dirty="0" smtClean="0"/>
@@ -15504,6 +15341,30 @@
           </a:p>
         </p:txBody>
       </p:sp>
+      <p:pic>
+        <p:nvPicPr>
+          <p:cNvPr id="6" name="図 5"/>
+          <p:cNvPicPr>
+            <a:picLocks noChangeAspect="1"/>
+          </p:cNvPicPr>
+          <p:nvPr/>
+        </p:nvPicPr>
+        <p:blipFill>
+          <a:blip r:embed="rId3"/>
+          <a:stretch>
+            <a:fillRect/>
+          </a:stretch>
+        </p:blipFill>
+        <p:spPr>
+          <a:xfrm>
+            <a:off x="47671" y="3917698"/>
+            <a:ext cx="4968333" cy="2339558"/>
+          </a:xfrm>
+          <a:prstGeom prst="rect">
+            <a:avLst/>
+          </a:prstGeom>
+        </p:spPr>
+      </p:pic>
       <p:pic>
         <p:nvPicPr>
           <p:cNvPr id="7" name="図 6"/>
@@ -15513,7 +15374,7 @@
           <p:nvPr/>
         </p:nvPicPr>
         <p:blipFill>
-          <a:blip r:embed="rId3"/>
+          <a:blip r:embed="rId4"/>
           <a:stretch>
             <a:fillRect/>
           </a:stretch>
@@ -15536,8 +15397,8 @@
         </p:nvSpPr>
         <p:spPr bwMode="auto">
           <a:xfrm>
-            <a:off x="2314668" y="5626782"/>
-            <a:ext cx="169042" cy="128647"/>
+            <a:off x="3448461" y="5285888"/>
+            <a:ext cx="504070" cy="216030"/>
           </a:xfrm>
           <a:prstGeom prst="rect">
             <a:avLst/>
@@ -15614,8 +15475,8 @@
         </p:nvSpPr>
         <p:spPr bwMode="auto">
           <a:xfrm>
-            <a:off x="683460" y="5789956"/>
-            <a:ext cx="6480899" cy="916743"/>
+            <a:off x="2627730" y="5755430"/>
+            <a:ext cx="4536629" cy="951270"/>
           </a:xfrm>
           <a:custGeom>
             <a:avLst/>
@@ -16559,7 +16420,19 @@
               <a:rPr lang="en-US" altLang="ja-JP" sz="1200" b="1" dirty="0">
                 <a:latin typeface="+mn-ea"/>
               </a:rPr>
-              <a:t>the status will change to "Unexecuted (Schedule))" 17:57 2021/9/1.</a:t>
+              <a:t>the status will change to "Unexecuted </a:t>
+            </a:r>
+            <a:r>
+              <a:rPr lang="en-US" altLang="ja-JP" sz="1200" b="1" dirty="0" smtClean="0">
+                <a:latin typeface="+mn-ea"/>
+              </a:rPr>
+              <a:t>(Schedule))" </a:t>
+            </a:r>
+            <a:r>
+              <a:rPr lang="en-US" altLang="ja-JP" sz="1200" b="1" dirty="0">
+                <a:latin typeface="+mn-ea"/>
+              </a:rPr>
+              <a:t>17:57 2021/9/1.</a:t>
             </a:r>
             <a:endParaRPr lang="ja-JP" altLang="en-US" sz="1200" b="1" dirty="0">
               <a:latin typeface="+mn-ea"/>
@@ -16798,7 +16671,7 @@
       </p:grpSpPr>
       <p:pic>
         <p:nvPicPr>
-          <p:cNvPr id="4" name="図 3"/>
+          <p:cNvPr id="6" name="図 5"/>
           <p:cNvPicPr>
             <a:picLocks noChangeAspect="1"/>
           </p:cNvPicPr>
@@ -16812,8 +16685,8 @@
         </p:blipFill>
         <p:spPr>
           <a:xfrm>
-            <a:off x="179512" y="2533866"/>
-            <a:ext cx="8753006" cy="3801253"/>
+            <a:off x="395420" y="3068950"/>
+            <a:ext cx="8576479" cy="2952410"/>
           </a:xfrm>
           <a:prstGeom prst="rect">
             <a:avLst/>
@@ -16844,24 +16717,24 @@
               <a:t>　</a:t>
             </a:r>
             <a:r>
+              <a:rPr lang="en-US" altLang="ja-JP" dirty="0" smtClean="0"/>
+              <a:t>Conductor </a:t>
+            </a:r>
+            <a:r>
               <a:rPr lang="en-US" altLang="ja-JP" dirty="0"/>
-              <a:t> Conductor Function </a:t>
+              <a:t>Function </a:t>
             </a:r>
             <a:r>
               <a:rPr lang="en-US" altLang="ja-JP" dirty="0" smtClean="0"/>
               <a:t>Description</a:t>
             </a:r>
             <a:r>
-              <a:rPr lang="ja-JP" altLang="en-US" dirty="0"/>
-              <a:t>　（</a:t>
+              <a:rPr lang="ja-JP" altLang="en-US" dirty="0" smtClean="0"/>
+              <a:t>　</a:t>
             </a:r>
             <a:r>
               <a:rPr lang="en-US" altLang="ja-JP" dirty="0" smtClean="0"/>
-              <a:t>13/14</a:t>
-            </a:r>
-            <a:r>
-              <a:rPr lang="ja-JP" altLang="en-US" dirty="0" smtClean="0"/>
-              <a:t>）</a:t>
+              <a:t>(13/14)</a:t>
             </a:r>
             <a:endParaRPr kumimoji="1" lang="ja-JP" altLang="en-US" dirty="0"/>
           </a:p>
@@ -16896,85 +16769,60 @@
             </a:r>
             <a:r>
               <a:rPr lang="en-US" altLang="ja-JP" b="1" dirty="0" smtClean="0"/>
-              <a:t>notification definition</a:t>
-            </a:r>
-            <a:r>
-              <a:rPr lang="ja-JP" altLang="en-US" b="1" dirty="0" smtClean="0"/>
-              <a:t>（</a:t>
-            </a:r>
-            <a:r>
-              <a:rPr lang="en-US" altLang="ja-JP" b="1" dirty="0" smtClean="0"/>
-              <a:t>1/2</a:t>
-            </a:r>
-            <a:r>
-              <a:rPr lang="ja-JP" altLang="en-US" b="1" dirty="0" smtClean="0"/>
-              <a:t>）</a:t>
-            </a:r>
-            <a:endParaRPr lang="en-US" altLang="ja-JP" b="1" dirty="0" smtClean="0"/>
+              <a:t>Notification destination definition(1/2)</a:t>
+            </a:r>
+            <a:endParaRPr lang="en-US" altLang="ja-JP" b="1" dirty="0"/>
           </a:p>
           <a:p>
             <a:pPr lvl="1"/>
             <a:r>
+              <a:rPr lang="en-US" altLang="ja-JP" dirty="0"/>
+              <a:t>This allows users to send Conductor execution results to specified message tools (Teams, Slack) through http requests</a:t>
+            </a:r>
+            <a:r>
               <a:rPr lang="en-US" altLang="ja-JP" dirty="0" smtClean="0"/>
-              <a:t>Send conductor operation results to selected message tool</a:t>
-            </a:r>
-            <a:r>
-              <a:rPr lang="ja-JP" altLang="en-US" dirty="0"/>
-              <a:t> </a:t>
+              <a:t>. Use </a:t>
+            </a:r>
+            <a:r>
+              <a:rPr lang="en-US" altLang="ja-JP" dirty="0"/>
+              <a:t>the "Conductor notification destination definition" menu to configure </a:t>
             </a:r>
             <a:r>
               <a:rPr lang="en-US" altLang="ja-JP" dirty="0" smtClean="0"/>
-              <a:t>(Teams, Slack) by http request. Set definition for destination and content in “Conductor notification definition” menu. For detail see</a:t>
-            </a:r>
-            <a:r>
-              <a:rPr lang="ja-JP" altLang="en-US" dirty="0"/>
-              <a:t> </a:t>
-            </a:r>
-            <a:r>
-              <a:rPr lang="en-US" altLang="ja-JP" dirty="0" smtClean="0">
+              <a:t>receiving </a:t>
+            </a:r>
+            <a:r>
+              <a:rPr lang="en-US" altLang="ja-JP" dirty="0"/>
+              <a:t>messaging tools and define notification </a:t>
+            </a:r>
+            <a:r>
+              <a:rPr lang="en-US" altLang="ja-JP" dirty="0" smtClean="0"/>
+              <a:t>contents. For </a:t>
+            </a:r>
+            <a:r>
+              <a:rPr lang="en-US" altLang="ja-JP" dirty="0"/>
+              <a:t>more information, see the </a:t>
+            </a:r>
+            <a:r>
+              <a:rPr lang="en-US" altLang="ja-JP" dirty="0">
                 <a:hlinkClick r:id="rId3"/>
               </a:rPr>
-              <a:t>this manual</a:t>
+              <a:t>manual</a:t>
             </a:r>
             <a:r>
               <a:rPr lang="en-US" altLang="ja-JP" dirty="0" smtClean="0"/>
               <a:t>.</a:t>
             </a:r>
-            <a:endParaRPr lang="en-US" altLang="ja-JP" dirty="0" smtClean="0"/>
           </a:p>
           <a:p>
             <a:pPr lvl="1"/>
             <a:r>
               <a:rPr lang="en-US" altLang="ja-JP" dirty="0" smtClean="0"/>
-              <a:t>Applicable </a:t>
-            </a:r>
-            <a:r>
-              <a:rPr lang="en-US" altLang="ja-JP" dirty="0" smtClean="0"/>
-              <a:t>for</a:t>
-            </a:r>
-            <a:r>
-              <a:rPr lang="en-US" altLang="ja-JP" dirty="0" smtClean="0"/>
-              <a:t> </a:t>
-            </a:r>
-            <a:r>
-              <a:rPr lang="en-US" altLang="ja-JP" dirty="0" smtClean="0"/>
-              <a:t>checking results </a:t>
-            </a:r>
-            <a:r>
-              <a:rPr lang="en-US" altLang="ja-JP" dirty="0" smtClean="0"/>
-              <a:t>of</a:t>
-            </a:r>
-            <a:r>
-              <a:rPr lang="en-US" altLang="ja-JP" dirty="0" smtClean="0"/>
-              <a:t> </a:t>
-            </a:r>
-            <a:r>
-              <a:rPr lang="en-US" altLang="ja-JP" dirty="0" smtClean="0"/>
-              <a:t>long </a:t>
-            </a:r>
-            <a:r>
-              <a:rPr lang="en-US" altLang="ja-JP" dirty="0" smtClean="0"/>
-              <a:t> or reserved operations.</a:t>
+              <a:t>This </a:t>
+            </a:r>
+            <a:r>
+              <a:rPr lang="en-US" altLang="ja-JP" dirty="0"/>
+              <a:t>tool is especially helpful for executions with long processing times and for reserved/scheduled operations.</a:t>
             </a:r>
             <a:endParaRPr kumimoji="1" lang="ja-JP" altLang="en-US" dirty="0"/>
           </a:p>
@@ -17023,8 +16871,8 @@
         </p:nvSpPr>
         <p:spPr bwMode="auto">
           <a:xfrm>
-            <a:off x="1187530" y="5121706"/>
-            <a:ext cx="7561050" cy="751501"/>
+            <a:off x="1370209" y="4261719"/>
+            <a:ext cx="7593304" cy="1251439"/>
           </a:xfrm>
           <a:prstGeom prst="rect">
             <a:avLst/>
@@ -17036,7 +16884,6 @@
             </a:solidFill>
           </a:ln>
           <a:effectLst/>
-          <a:extLst/>
         </p:spPr>
         <p:txBody>
           <a:bodyPr rot="0" spcFirstLastPara="0" vertOverflow="overflow" horzOverflow="overflow" vert="horz" wrap="none" lIns="72000" tIns="72000" rIns="72000" bIns="72000" numCol="1" spcCol="0" rtlCol="0" fromWordArt="0" anchor="ctr" anchorCtr="0" forceAA="0" compatLnSpc="1">
@@ -17048,7 +16895,7 @@
           <a:lstStyle/>
           <a:p>
             <a:pPr algn="ctr"/>
-            <a:endParaRPr kumimoji="1" lang="ja-JP" altLang="en-US" b="1" dirty="0" smtClean="0">
+            <a:endParaRPr kumimoji="1" lang="ja-JP" altLang="en-US" b="1" dirty="0">
               <a:latin typeface="+mn-ea"/>
             </a:endParaRPr>
           </a:p>
@@ -17062,7 +16909,7 @@
         </p:nvSpPr>
         <p:spPr bwMode="auto">
           <a:xfrm>
-            <a:off x="5580140" y="4005080"/>
+            <a:off x="6228230" y="3428485"/>
             <a:ext cx="2592360" cy="858827"/>
           </a:xfrm>
           <a:prstGeom prst="wedgeRectCallout">
@@ -17083,7 +16930,6 @@
             </a:solidFill>
           </a:ln>
           <a:effectLst/>
-          <a:extLst/>
         </p:spPr>
         <p:txBody>
           <a:bodyPr rot="0" spcFirstLastPara="0" vertOverflow="overflow" horzOverflow="overflow" vert="horz" wrap="none" lIns="72000" tIns="72000" rIns="72000" bIns="72000" numCol="1" spcCol="0" rtlCol="0" fromWordArt="0" anchor="ctr" anchorCtr="0" forceAA="0" compatLnSpc="1">
@@ -17099,7 +16945,7 @@
               <a:rPr lang="en-US" altLang="ja-JP" sz="1600" b="1" dirty="0" smtClean="0">
                 <a:latin typeface="+mn-ea"/>
               </a:rPr>
-              <a:t>Define notification</a:t>
+              <a:t>Configure notifications </a:t>
             </a:r>
           </a:p>
           <a:p>
@@ -17108,21 +16954,9 @@
               <a:rPr lang="en-US" altLang="ja-JP" sz="1600" b="1" dirty="0" smtClean="0">
                 <a:latin typeface="+mn-ea"/>
               </a:rPr>
-              <a:t> destination</a:t>
-            </a:r>
-            <a:r>
-              <a:rPr lang="ja-JP" altLang="en-US" sz="1600" b="1" dirty="0" smtClean="0">
-                <a:latin typeface="+mn-ea"/>
-              </a:rPr>
-              <a:t>・</a:t>
-            </a:r>
-            <a:r>
-              <a:rPr lang="en-US" altLang="ja-JP" sz="1600" b="1" dirty="0" smtClean="0">
-                <a:latin typeface="+mn-ea"/>
-              </a:rPr>
-              <a:t>content</a:t>
-            </a:r>
-            <a:endParaRPr kumimoji="1" lang="ja-JP" altLang="en-US" sz="1600" b="1" dirty="0" smtClean="0">
+              <a:t>and their destinations.</a:t>
+            </a:r>
+            <a:endParaRPr kumimoji="1" lang="ja-JP" altLang="en-US" sz="1600" b="1" dirty="0">
               <a:latin typeface="+mn-ea"/>
             </a:endParaRPr>
           </a:p>
@@ -17131,7 +16965,7 @@
     </p:spTree>
     <p:extLst>
       <p:ext uri="{BB962C8B-B14F-4D97-AF65-F5344CB8AC3E}">
-        <p14:creationId xmlns:p14="http://schemas.microsoft.com/office/powerpoint/2010/main" val="4216228233"/>
+        <p14:creationId xmlns:p14="http://schemas.microsoft.com/office/powerpoint/2010/main" val="2453329902"/>
       </p:ext>
     </p:extLst>
   </p:cSld>
@@ -17160,21 +16994,44 @@
       </p:grpSpPr>
       <p:pic>
         <p:nvPicPr>
-          <p:cNvPr id="5" name="図 4"/>
+          <p:cNvPr id="12" name="図 11"/>
+          <p:cNvPicPr/>
+          <p:nvPr/>
+        </p:nvPicPr>
+        <p:blipFill>
+          <a:blip r:embed="rId2"/>
+          <a:stretch>
+            <a:fillRect/>
+          </a:stretch>
+        </p:blipFill>
+        <p:spPr>
+          <a:xfrm>
+            <a:off x="1835620" y="5073337"/>
+            <a:ext cx="5041138" cy="1379851"/>
+          </a:xfrm>
+          <a:prstGeom prst="rect">
+            <a:avLst/>
+          </a:prstGeom>
+        </p:spPr>
+      </p:pic>
+      <p:pic>
+        <p:nvPicPr>
+          <p:cNvPr id="7" name="図 6"/>
           <p:cNvPicPr>
             <a:picLocks noChangeAspect="1"/>
           </p:cNvPicPr>
           <p:nvPr/>
         </p:nvPicPr>
-        <p:blipFill rotWithShape="1">
-          <a:blip r:embed="rId2"/>
-          <a:srcRect l="-2662" r="2662"/>
-          <a:stretch/>
+        <p:blipFill>
+          <a:blip r:embed="rId3"/>
+          <a:stretch>
+            <a:fillRect/>
+          </a:stretch>
         </p:blipFill>
         <p:spPr>
           <a:xfrm>
-            <a:off x="62696" y="2173466"/>
-            <a:ext cx="8857231" cy="2880400"/>
+            <a:off x="283210" y="1992650"/>
+            <a:ext cx="8728979" cy="3020570"/>
           </a:xfrm>
           <a:prstGeom prst="rect">
             <a:avLst/>
@@ -17205,8 +17062,12 @@
               <a:t>　</a:t>
             </a:r>
             <a:r>
+              <a:rPr lang="en-US" altLang="ja-JP" dirty="0" smtClean="0"/>
+              <a:t>Conductor </a:t>
+            </a:r>
+            <a:r>
               <a:rPr lang="en-US" altLang="ja-JP" dirty="0"/>
-              <a:t> Conductor Function </a:t>
+              <a:t>Function </a:t>
             </a:r>
             <a:r>
               <a:rPr lang="en-US" altLang="ja-JP" dirty="0" smtClean="0"/>
@@ -17214,15 +17075,11 @@
             </a:r>
             <a:r>
               <a:rPr lang="ja-JP" altLang="en-US" dirty="0"/>
-              <a:t>　（</a:t>
+              <a:t>　</a:t>
             </a:r>
             <a:r>
               <a:rPr lang="en-US" altLang="ja-JP" dirty="0" smtClean="0"/>
-              <a:t>14/14</a:t>
-            </a:r>
-            <a:r>
-              <a:rPr lang="ja-JP" altLang="en-US" dirty="0" smtClean="0"/>
-              <a:t>）</a:t>
+              <a:t>(14/14)</a:t>
             </a:r>
             <a:endParaRPr kumimoji="1" lang="ja-JP" altLang="en-US" dirty="0"/>
           </a:p>
@@ -17248,7 +17105,7 @@
               <a:buChar char="l"/>
             </a:pPr>
             <a:r>
-              <a:rPr lang="en-US" altLang="ja-JP" b="1" dirty="0" smtClean="0"/>
+              <a:rPr lang="en-US" altLang="ja-JP" b="1" dirty="0"/>
               <a:t>Conductor</a:t>
             </a:r>
             <a:r>
@@ -17256,35 +17113,16 @@
               <a:t> </a:t>
             </a:r>
             <a:r>
-              <a:rPr lang="en-US" altLang="ja-JP" b="1" dirty="0" smtClean="0"/>
-              <a:t>notification definition</a:t>
-            </a:r>
-            <a:r>
-              <a:rPr lang="ja-JP" altLang="en-US" b="1" dirty="0" smtClean="0"/>
-              <a:t>（</a:t>
-            </a:r>
-            <a:r>
-              <a:rPr lang="en-US" altLang="ja-JP" b="1" dirty="0" smtClean="0"/>
-              <a:t>2/2</a:t>
-            </a:r>
-            <a:r>
-              <a:rPr lang="ja-JP" altLang="en-US" b="1" dirty="0" smtClean="0"/>
-              <a:t>）</a:t>
-            </a:r>
-            <a:endParaRPr lang="en-US" altLang="ja-JP" b="1" dirty="0" smtClean="0"/>
+              <a:rPr lang="en-US" altLang="ja-JP" b="1" dirty="0"/>
+              <a:t>Notification destination definition(1/2)</a:t>
+            </a:r>
+            <a:endParaRPr lang="en-US" altLang="ja-JP" b="1" dirty="0"/>
           </a:p>
           <a:p>
             <a:pPr lvl="1"/>
             <a:r>
-              <a:rPr lang="en-US" altLang="ja-JP" dirty="0" smtClean="0"/>
-              <a:t>Users can press the “Notice” button in the “Conductor class edit” to select what statuses will send a notification. </a:t>
-            </a:r>
-            <a:br>
-              <a:rPr lang="en-US" altLang="ja-JP" dirty="0" smtClean="0"/>
-            </a:br>
-            <a:r>
-              <a:rPr lang="en-US" altLang="ja-JP" dirty="0" smtClean="0"/>
-              <a:t>The notifications must be defined in the Conductor notification definition menu.</a:t>
+              <a:rPr lang="en-US" altLang="ja-JP" dirty="0"/>
+              <a:t>Users can specify Conductor notification destination definitions registered in the "Conductor class edit" &gt; "Notice" menu, and select what Conductor status sends notifications.</a:t>
             </a:r>
             <a:endParaRPr lang="ja-JP" altLang="en-US" dirty="0"/>
           </a:p>
@@ -17333,13 +17171,13 @@
         </p:nvSpPr>
         <p:spPr bwMode="auto">
           <a:xfrm>
-            <a:off x="4973286" y="2186152"/>
-            <a:ext cx="3218491" cy="648090"/>
+            <a:off x="4729187" y="2059166"/>
+            <a:ext cx="3218491" cy="863888"/>
           </a:xfrm>
           <a:prstGeom prst="wedgeRectCallout">
             <a:avLst>
-              <a:gd name="adj1" fmla="val 62826"/>
-              <a:gd name="adj2" fmla="val 32789"/>
+              <a:gd name="adj1" fmla="val 69511"/>
+              <a:gd name="adj2" fmla="val 29053"/>
             </a:avLst>
           </a:prstGeom>
           <a:solidFill>
@@ -17354,7 +17192,6 @@
             </a:solidFill>
           </a:ln>
           <a:effectLst/>
-          <a:extLst/>
         </p:spPr>
         <p:txBody>
           <a:bodyPr rot="0" spcFirstLastPara="0" vertOverflow="overflow" horzOverflow="overflow" vert="horz" wrap="none" lIns="72000" tIns="72000" rIns="72000" bIns="72000" numCol="1" spcCol="0" rtlCol="0" fromWordArt="0" anchor="ctr" anchorCtr="0" forceAA="0" compatLnSpc="1">
@@ -17367,23 +17204,23 @@
           <a:p>
             <a:pPr algn="ctr"/>
             <a:r>
-              <a:rPr kumimoji="1" lang="en-US" altLang="ja-JP" sz="1600" b="1" dirty="0" smtClean="0">
+              <a:rPr lang="en-US" altLang="ja-JP" sz="1600" b="1" dirty="0" smtClean="0">
                 <a:latin typeface="+mn-ea"/>
               </a:rPr>
-              <a:t>Click to display the </a:t>
+              <a:t>Click this button to </a:t>
             </a:r>
             <a:br>
-              <a:rPr kumimoji="1" lang="en-US" altLang="ja-JP" sz="1600" b="1" dirty="0" smtClean="0">
+              <a:rPr lang="en-US" altLang="ja-JP" sz="1600" b="1" dirty="0" smtClean="0">
                 <a:latin typeface="+mn-ea"/>
               </a:rPr>
             </a:br>
             <a:r>
-              <a:rPr kumimoji="1" lang="en-US" altLang="ja-JP" sz="1600" b="1" dirty="0" smtClean="0">
+              <a:rPr lang="en-US" altLang="ja-JP" sz="1600" b="1" dirty="0" smtClean="0">
                 <a:latin typeface="+mn-ea"/>
               </a:rPr>
-              <a:t>“Notice list”</a:t>
-            </a:r>
-            <a:endParaRPr kumimoji="1" lang="ja-JP" altLang="en-US" sz="1600" b="1" dirty="0" smtClean="0">
+              <a:t>display the “Notice list”.</a:t>
+            </a:r>
+            <a:endParaRPr kumimoji="1" lang="ja-JP" altLang="en-US" sz="1600" b="1" dirty="0">
               <a:latin typeface="+mn-ea"/>
             </a:endParaRPr>
           </a:p>
@@ -17397,8 +17234,8 @@
         </p:nvSpPr>
         <p:spPr bwMode="auto">
           <a:xfrm>
-            <a:off x="8645796" y="2678875"/>
-            <a:ext cx="293338" cy="195074"/>
+            <a:off x="8652139" y="2575638"/>
+            <a:ext cx="360050" cy="249649"/>
           </a:xfrm>
           <a:prstGeom prst="rect">
             <a:avLst/>
@@ -17410,7 +17247,6 @@
             </a:solidFill>
           </a:ln>
           <a:effectLst/>
-          <a:extLst/>
         </p:spPr>
         <p:txBody>
           <a:bodyPr rot="0" spcFirstLastPara="0" vertOverflow="overflow" horzOverflow="overflow" vert="horz" wrap="none" lIns="72000" tIns="72000" rIns="72000" bIns="72000" numCol="1" spcCol="0" rtlCol="0" fromWordArt="0" anchor="ctr" anchorCtr="0" forceAA="0" compatLnSpc="1">
@@ -17422,7 +17258,7 @@
           <a:lstStyle/>
           <a:p>
             <a:pPr algn="ctr"/>
-            <a:endParaRPr kumimoji="1" lang="ja-JP" altLang="en-US" b="1" dirty="0" smtClean="0">
+            <a:endParaRPr kumimoji="1" lang="ja-JP" altLang="en-US" b="1" dirty="0">
               <a:latin typeface="+mn-ea"/>
             </a:endParaRPr>
           </a:p>
@@ -17436,8 +17272,8 @@
         </p:nvCxnSpPr>
         <p:spPr bwMode="auto">
           <a:xfrm flipH="1">
-            <a:off x="7348044" y="3068950"/>
-            <a:ext cx="1040486" cy="1980413"/>
+            <a:off x="6544057" y="2825287"/>
+            <a:ext cx="2108083" cy="2441445"/>
           </a:xfrm>
           <a:prstGeom prst="straightConnector1">
             <a:avLst/>
@@ -17470,32 +17306,10 @@
           </a:extLst>
         </p:spPr>
       </p:cxnSp>
-      <p:pic>
-        <p:nvPicPr>
-          <p:cNvPr id="12" name="図 11"/>
-          <p:cNvPicPr/>
-          <p:nvPr/>
-        </p:nvPicPr>
-        <p:blipFill>
-          <a:blip r:embed="rId3"/>
-          <a:stretch>
-            <a:fillRect/>
-          </a:stretch>
-        </p:blipFill>
-        <p:spPr>
-          <a:xfrm>
-            <a:off x="2411700" y="5049363"/>
-            <a:ext cx="4891783" cy="1476067"/>
-          </a:xfrm>
-          <a:prstGeom prst="rect">
-            <a:avLst/>
-          </a:prstGeom>
-        </p:spPr>
-      </p:pic>
     </p:spTree>
     <p:extLst>
       <p:ext uri="{BB962C8B-B14F-4D97-AF65-F5344CB8AC3E}">
-        <p14:creationId xmlns:p14="http://schemas.microsoft.com/office/powerpoint/2010/main" val="315922539"/>
+        <p14:creationId xmlns:p14="http://schemas.microsoft.com/office/powerpoint/2010/main" val="4052184719"/>
       </p:ext>
     </p:extLst>
   </p:cSld>
@@ -18719,7 +18533,7 @@
       </p:grpSpPr>
       <p:pic>
         <p:nvPicPr>
-          <p:cNvPr id="4" name="図 3"/>
+          <p:cNvPr id="5" name="図 4"/>
           <p:cNvPicPr>
             <a:picLocks noChangeAspect="1"/>
           </p:cNvPicPr>
@@ -18733,8 +18547,8 @@
         </p:blipFill>
         <p:spPr>
           <a:xfrm>
-            <a:off x="179267" y="1704780"/>
-            <a:ext cx="8702702" cy="3524470"/>
+            <a:off x="323410" y="1916790"/>
+            <a:ext cx="8137130" cy="3971392"/>
           </a:xfrm>
           <a:prstGeom prst="rect">
             <a:avLst/>
@@ -19039,8 +18853,8 @@
         </p:nvSpPr>
         <p:spPr bwMode="auto">
           <a:xfrm flipH="1">
-            <a:off x="3563860" y="2606494"/>
-            <a:ext cx="576080" cy="784189"/>
+            <a:off x="3563860" y="2780910"/>
+            <a:ext cx="576080" cy="648090"/>
           </a:xfrm>
           <a:prstGeom prst="rect">
             <a:avLst/>
@@ -20405,25 +20219,13 @@
                 <a:rPr lang="en-US" altLang="ja-JP" sz="900" b="1" dirty="0" smtClean="0">
                   <a:latin typeface="+mn-ea"/>
                 </a:rPr>
-                <a:t>parameter</a:t>
+                <a:t>parameter(variable</a:t>
               </a:r>
               <a:r>
-                <a:rPr lang="ja-JP" altLang="en-US" sz="900" b="1" dirty="0" smtClean="0">
+                <a:rPr lang="en-US" altLang="ja-JP" sz="1100" b="1" dirty="0" smtClean="0">
                   <a:latin typeface="+mn-ea"/>
                 </a:rPr>
-                <a:t>（</a:t>
-              </a:r>
-              <a:r>
-                <a:rPr lang="en-US" altLang="ja-JP" sz="900" b="1" dirty="0" smtClean="0">
-                  <a:latin typeface="+mn-ea"/>
-                </a:rPr>
-                <a:t>variable</a:t>
-              </a:r>
-              <a:r>
-                <a:rPr lang="ja-JP" altLang="en-US" sz="1100" b="1" dirty="0" smtClean="0">
-                  <a:latin typeface="+mn-ea"/>
-                </a:rPr>
-                <a:t>）</a:t>
+                <a:t>)</a:t>
               </a:r>
               <a:endParaRPr lang="en-US" altLang="ja-JP" sz="1100" b="1" dirty="0">
                 <a:latin typeface="+mn-ea"/>
@@ -21004,19 +20806,13 @@
               <a:rPr lang="en-US" altLang="ja-JP" sz="1200" b="1" dirty="0">
                 <a:latin typeface="+mn-ea"/>
               </a:rPr>
-              <a:t>N</a:t>
+              <a:t>n</a:t>
             </a:r>
             <a:r>
               <a:rPr lang="en-US" altLang="ja-JP" sz="1200" b="1" dirty="0" smtClean="0">
                 <a:latin typeface="+mn-ea"/>
               </a:rPr>
-              <a:t>ormal </a:t>
-            </a:r>
-            <a:r>
-              <a:rPr lang="en-US" altLang="ja-JP" sz="1200" b="1" dirty="0" smtClean="0">
-                <a:latin typeface="+mn-ea"/>
-              </a:rPr>
-              <a:t>end</a:t>
+              <a:t>ormal end</a:t>
             </a:r>
             <a:endParaRPr kumimoji="1" lang="en-US" altLang="ja-JP" sz="1200" b="1" dirty="0" smtClean="0">
               <a:latin typeface="+mn-ea"/>
@@ -21122,8 +20918,11 @@
                   </a:schemeClr>
                 </a:solidFill>
               </a:rPr>
-              <a:t>Parallel </a:t>
-            </a:r>
+              <a:t>Parallel movement executions</a:t>
+            </a:r>
+          </a:p>
+          <a:p>
+            <a:pPr lvl="1"/>
             <a:r>
               <a:rPr lang="en-US" altLang="ja-JP" sz="1800" b="1" dirty="0" smtClean="0">
                 <a:solidFill>
@@ -21133,21 +20932,7 @@
                   </a:schemeClr>
                 </a:solidFill>
               </a:rPr>
-              <a:t>movement executions</a:t>
-            </a:r>
-          </a:p>
-          <a:p>
-            <a:pPr lvl="1"/>
-            <a:r>
-              <a:rPr lang="en-US" altLang="ja-JP" sz="1800" b="1" dirty="0" smtClean="0">
-                <a:solidFill>
-                  <a:schemeClr val="accent6">
-                    <a:lumMod val="90000"/>
-                    <a:lumOff val="10000"/>
-                  </a:schemeClr>
-                </a:solidFill>
-              </a:rPr>
-              <a:t>Call other </a:t>
+              <a:t>Ability to call other </a:t>
             </a:r>
             <a:r>
               <a:rPr lang="en-US" altLang="ja-JP" sz="1800" b="1" dirty="0" err="1" smtClean="0">
@@ -21172,6 +20957,17 @@
           <a:p>
             <a:pPr lvl="1"/>
             <a:r>
+              <a:rPr lang="en-US" altLang="ja-JP" sz="1800" b="1" dirty="0">
+                <a:solidFill>
+                  <a:schemeClr val="accent6">
+                    <a:lumMod val="90000"/>
+                    <a:lumOff val="10000"/>
+                  </a:schemeClr>
+                </a:solidFill>
+              </a:rPr>
+              <a:t>Conditional branching according to the execution result of </a:t>
+            </a:r>
+            <a:r>
               <a:rPr lang="en-US" altLang="ja-JP" sz="1800" b="1" dirty="0" smtClean="0">
                 <a:solidFill>
                   <a:schemeClr val="accent6">
@@ -21180,48 +20976,9 @@
                   </a:schemeClr>
                 </a:solidFill>
               </a:rPr>
-              <a:t>Conditional branch depending on Movement results</a:t>
-            </a:r>
-            <a:r>
-              <a:rPr lang="en-US" altLang="ja-JP" sz="1800" b="1" dirty="0" smtClean="0">
-                <a:solidFill>
-                  <a:schemeClr val="accent6">
-                    <a:lumMod val="90000"/>
-                    <a:lumOff val="10000"/>
-                  </a:schemeClr>
-                </a:solidFill>
-              </a:rPr>
-              <a:t/>
-            </a:r>
-            <a:br>
-              <a:rPr lang="en-US" altLang="ja-JP" sz="1800" b="1" dirty="0" smtClean="0">
-                <a:solidFill>
-                  <a:schemeClr val="accent6">
-                    <a:lumMod val="90000"/>
-                    <a:lumOff val="10000"/>
-                  </a:schemeClr>
-                </a:solidFill>
-              </a:rPr>
-            </a:br>
-            <a:endParaRPr lang="en-US" altLang="ja-JP" sz="1800" b="1" dirty="0" smtClean="0">
-              <a:solidFill>
-                <a:schemeClr val="accent6">
-                  <a:lumMod val="90000"/>
-                  <a:lumOff val="10000"/>
-                </a:schemeClr>
-              </a:solidFill>
-            </a:endParaRPr>
-          </a:p>
-          <a:p>
-            <a:pPr lvl="1"/>
-            <a:endParaRPr lang="en-US" altLang="ja-JP" sz="1800" b="1" dirty="0" smtClean="0">
-              <a:solidFill>
-                <a:schemeClr val="accent6">
-                  <a:lumMod val="90000"/>
-                  <a:lumOff val="10000"/>
-                </a:schemeClr>
-              </a:solidFill>
-            </a:endParaRPr>
+              <a:t>movement</a:t>
+            </a:r>
+            <a:endParaRPr lang="en-US" altLang="ja-JP" sz="1800" b="1" dirty="0" smtClean="0"/>
           </a:p>
         </p:txBody>
       </p:sp>
@@ -21875,22 +21632,13 @@
           <a:p>
             <a:pPr algn="ctr"/>
             <a:r>
-              <a:rPr lang="en-US" altLang="ja-JP" b="1" dirty="0">
-                <a:solidFill>
-                  <a:schemeClr val="bg1"/>
-                </a:solidFill>
-                <a:latin typeface="+mn-ea"/>
-              </a:rPr>
-              <a:t>C</a:t>
-            </a:r>
-            <a:r>
               <a:rPr lang="en-US" altLang="ja-JP" b="1" dirty="0" smtClean="0">
                 <a:solidFill>
                   <a:schemeClr val="bg1"/>
                 </a:solidFill>
                 <a:latin typeface="+mn-ea"/>
               </a:rPr>
-              <a:t>all</a:t>
+              <a:t>call</a:t>
             </a:r>
             <a:r>
               <a:rPr kumimoji="1" lang="en-US" altLang="ja-JP" b="1" dirty="0" smtClean="0">
@@ -22519,16 +22267,10 @@
           <a:p>
             <a:pPr algn="ctr"/>
             <a:r>
-              <a:rPr lang="en-US" altLang="ja-JP" sz="1200" b="1" dirty="0">
-                <a:latin typeface="+mn-ea"/>
-              </a:rPr>
-              <a:t>E</a:t>
-            </a:r>
-            <a:r>
               <a:rPr lang="en-US" altLang="ja-JP" sz="1200" b="1" dirty="0" smtClean="0">
                 <a:latin typeface="+mn-ea"/>
               </a:rPr>
-              <a:t>rror</a:t>
+              <a:t>error</a:t>
             </a:r>
             <a:endParaRPr kumimoji="1" lang="en-US" altLang="ja-JP" sz="1200" b="1" dirty="0" smtClean="0">
               <a:latin typeface="+mn-ea"/>
@@ -22673,30 +22415,6 @@
           <a:chExt cx="0" cy="0"/>
         </a:xfrm>
       </p:grpSpPr>
-      <p:pic>
-        <p:nvPicPr>
-          <p:cNvPr id="5" name="図 4"/>
-          <p:cNvPicPr>
-            <a:picLocks noChangeAspect="1"/>
-          </p:cNvPicPr>
-          <p:nvPr/>
-        </p:nvPicPr>
-        <p:blipFill>
-          <a:blip r:embed="rId2"/>
-          <a:stretch>
-            <a:fillRect/>
-          </a:stretch>
-        </p:blipFill>
-        <p:spPr>
-          <a:xfrm>
-            <a:off x="173702" y="1537607"/>
-            <a:ext cx="2111305" cy="4877074"/>
-          </a:xfrm>
-          <a:prstGeom prst="rect">
-            <a:avLst/>
-          </a:prstGeom>
-        </p:spPr>
-      </p:pic>
       <p:sp>
         <p:nvSpPr>
           <p:cNvPr id="2" name="タイトル 1"/>
@@ -22728,15 +22446,11 @@
             </a:r>
             <a:r>
               <a:rPr lang="ja-JP" altLang="en-US" dirty="0"/>
-              <a:t>　（</a:t>
+              <a:t>　</a:t>
             </a:r>
             <a:r>
               <a:rPr lang="en-US" altLang="ja-JP" dirty="0" smtClean="0"/>
-              <a:t>1/14</a:t>
-            </a:r>
-            <a:r>
-              <a:rPr lang="ja-JP" altLang="en-US" dirty="0" smtClean="0"/>
-              <a:t>）</a:t>
+              <a:t>(1/14)</a:t>
             </a:r>
             <a:endParaRPr kumimoji="1" lang="ja-JP" altLang="en-US" dirty="0"/>
           </a:p>
@@ -22751,7 +22465,7 @@
         <p:spPr>
           <a:xfrm>
             <a:off x="2691359" y="1531554"/>
-            <a:ext cx="6266310" cy="4031873"/>
+            <a:ext cx="6266310" cy="3477875"/>
           </a:xfrm>
           <a:prstGeom prst="rect">
             <a:avLst/>
@@ -22911,38 +22625,11 @@
               <a:rPr lang="en-US" altLang="ja-JP" sz="1600" dirty="0" smtClean="0"/>
               <a:t>.</a:t>
             </a:r>
-          </a:p>
-          <a:p>
+            <a:endParaRPr lang="en-US" altLang="ja-JP" sz="1600" dirty="0"/>
+          </a:p>
+          <a:p>
+            <a:pPr lvl="1"/>
             <a:endParaRPr lang="en-US" altLang="ja-JP" sz="1600" dirty="0" smtClean="0"/>
-          </a:p>
-          <a:p>
-            <a:r>
-              <a:rPr lang="ja-JP" altLang="en-US" b="1" dirty="0" smtClean="0"/>
-              <a:t>⑤</a:t>
-            </a:r>
-            <a:r>
-              <a:rPr lang="en-US" altLang="ja-JP" b="1" dirty="0" smtClean="0"/>
-              <a:t>Conductor notification definition</a:t>
-            </a:r>
-          </a:p>
-          <a:p>
-            <a:r>
-              <a:rPr lang="ja-JP" altLang="en-US" b="1" dirty="0"/>
-              <a:t>　</a:t>
-            </a:r>
-            <a:r>
-              <a:rPr lang="en-US" altLang="ja-JP" sz="1600" dirty="0" smtClean="0"/>
-              <a:t>Set </a:t>
-            </a:r>
-            <a:r>
-              <a:rPr lang="en-US" altLang="ja-JP" sz="1600" dirty="0"/>
-              <a:t>definition for conductor </a:t>
-            </a:r>
-            <a:r>
-              <a:rPr lang="en-US" altLang="ja-JP" sz="1600" dirty="0" smtClean="0"/>
-              <a:t>operation notifications.</a:t>
-            </a:r>
-            <a:endParaRPr lang="en-US" altLang="ja-JP" sz="1600" dirty="0"/>
           </a:p>
         </p:txBody>
       </p:sp>
@@ -23154,7 +22841,7 @@
         </p:nvSpPr>
         <p:spPr>
           <a:xfrm>
-            <a:off x="2244543" y="4089995"/>
+            <a:off x="2278309" y="3681500"/>
             <a:ext cx="415498" cy="369332"/>
           </a:xfrm>
           <a:prstGeom prst="rect">
@@ -23192,7 +22879,7 @@
         </p:nvSpPr>
         <p:spPr>
           <a:xfrm>
-            <a:off x="2244543" y="4460178"/>
+            <a:off x="2285007" y="4049814"/>
             <a:ext cx="415498" cy="369332"/>
           </a:xfrm>
           <a:prstGeom prst="rect">
@@ -23230,7 +22917,7 @@
         </p:nvSpPr>
         <p:spPr>
           <a:xfrm>
-            <a:off x="2243519" y="4909816"/>
+            <a:off x="2285007" y="4487992"/>
             <a:ext cx="415498" cy="369332"/>
           </a:xfrm>
           <a:prstGeom prst="rect">
@@ -23268,7 +22955,7 @@
         </p:nvSpPr>
         <p:spPr>
           <a:xfrm>
-            <a:off x="2275861" y="5956658"/>
+            <a:off x="2284242" y="5445280"/>
             <a:ext cx="415498" cy="369332"/>
           </a:xfrm>
           <a:prstGeom prst="rect">
@@ -23298,6 +22985,32 @@
           </a:p>
         </p:txBody>
       </p:sp>
+      <p:pic>
+        <p:nvPicPr>
+          <p:cNvPr id="35" name="コンテンツ プレースホルダー 34"/>
+          <p:cNvPicPr>
+            <a:picLocks noGrp="1" noChangeAspect="1"/>
+          </p:cNvPicPr>
+          <p:nvPr>
+            <p:ph sz="quarter" idx="10"/>
+          </p:nvPr>
+        </p:nvPicPr>
+        <p:blipFill>
+          <a:blip r:embed="rId2"/>
+          <a:stretch>
+            <a:fillRect/>
+          </a:stretch>
+        </p:blipFill>
+        <p:spPr>
+          <a:xfrm>
+            <a:off x="179512" y="1514573"/>
+            <a:ext cx="2077660" cy="4566117"/>
+          </a:xfrm>
+          <a:prstGeom prst="rect">
+            <a:avLst/>
+          </a:prstGeom>
+        </p:spPr>
+      </p:pic>
       <p:sp>
         <p:nvSpPr>
           <p:cNvPr id="36" name="正方形/長方形 35"/>
@@ -23306,8 +23019,8 @@
         </p:nvSpPr>
         <p:spPr bwMode="auto">
           <a:xfrm>
-            <a:off x="161895" y="4497834"/>
-            <a:ext cx="2095038" cy="359490"/>
+            <a:off x="179512" y="3545319"/>
+            <a:ext cx="2077660" cy="489280"/>
           </a:xfrm>
           <a:prstGeom prst="rect">
             <a:avLst/>
@@ -23409,8 +23122,8 @@
         </p:nvSpPr>
         <p:spPr bwMode="auto">
           <a:xfrm>
-            <a:off x="171262" y="4857324"/>
-            <a:ext cx="2092489" cy="489280"/>
+            <a:off x="179512" y="4492164"/>
+            <a:ext cx="2077660" cy="489280"/>
           </a:xfrm>
           <a:prstGeom prst="rect">
             <a:avLst/>
@@ -23512,7 +23225,7 @@
         </p:nvSpPr>
         <p:spPr bwMode="auto">
           <a:xfrm>
-            <a:off x="166751" y="4008554"/>
+            <a:off x="166990" y="4009614"/>
             <a:ext cx="2090182" cy="489280"/>
           </a:xfrm>
           <a:prstGeom prst="rect">
@@ -23615,110 +23328,7 @@
         </p:nvSpPr>
         <p:spPr bwMode="auto">
           <a:xfrm>
-            <a:off x="173251" y="5799359"/>
-            <a:ext cx="2071292" cy="615321"/>
-          </a:xfrm>
-          <a:prstGeom prst="rect">
-            <a:avLst/>
-          </a:prstGeom>
-          <a:noFill/>
-          <a:ln w="38100">
-            <a:solidFill>
-              <a:srgbClr val="FF0000"/>
-            </a:solidFill>
-          </a:ln>
-          <a:effectLst/>
-          <a:extLst/>
-        </p:spPr>
-        <p:txBody>
-          <a:bodyPr rot="0" spcFirstLastPara="0" vert="horz" wrap="square" lIns="72000" tIns="72000" rIns="72000" bIns="72000" numCol="1" spcCol="0" rtlCol="0" fromWordArt="0" anchor="ctr" anchorCtr="0" forceAA="0" compatLnSpc="1">
-            <a:prstTxWarp prst="textNoShape">
-              <a:avLst/>
-            </a:prstTxWarp>
-            <a:noAutofit/>
-          </a:bodyPr>
-          <a:lstStyle>
-            <a:lvl1pPr marL="0" indent="0">
-              <a:defRPr sz="1100">
-                <a:latin typeface="+mn-lt"/>
-                <a:ea typeface="+mn-ea"/>
-                <a:cs typeface="+mn-cs"/>
-              </a:defRPr>
-            </a:lvl1pPr>
-            <a:lvl2pPr marL="457200" indent="0">
-              <a:defRPr sz="1100">
-                <a:latin typeface="+mn-lt"/>
-                <a:ea typeface="+mn-ea"/>
-                <a:cs typeface="+mn-cs"/>
-              </a:defRPr>
-            </a:lvl2pPr>
-            <a:lvl3pPr marL="914400" indent="0">
-              <a:defRPr sz="1100">
-                <a:latin typeface="+mn-lt"/>
-                <a:ea typeface="+mn-ea"/>
-                <a:cs typeface="+mn-cs"/>
-              </a:defRPr>
-            </a:lvl3pPr>
-            <a:lvl4pPr marL="1371600" indent="0">
-              <a:defRPr sz="1100">
-                <a:latin typeface="+mn-lt"/>
-                <a:ea typeface="+mn-ea"/>
-                <a:cs typeface="+mn-cs"/>
-              </a:defRPr>
-            </a:lvl4pPr>
-            <a:lvl5pPr marL="1828800" indent="0">
-              <a:defRPr sz="1100">
-                <a:latin typeface="+mn-lt"/>
-                <a:ea typeface="+mn-ea"/>
-                <a:cs typeface="+mn-cs"/>
-              </a:defRPr>
-            </a:lvl5pPr>
-            <a:lvl6pPr marL="2286000" indent="0">
-              <a:defRPr sz="1100">
-                <a:latin typeface="+mn-lt"/>
-                <a:ea typeface="+mn-ea"/>
-                <a:cs typeface="+mn-cs"/>
-              </a:defRPr>
-            </a:lvl6pPr>
-            <a:lvl7pPr marL="2743200" indent="0">
-              <a:defRPr sz="1100">
-                <a:latin typeface="+mn-lt"/>
-                <a:ea typeface="+mn-ea"/>
-                <a:cs typeface="+mn-cs"/>
-              </a:defRPr>
-            </a:lvl7pPr>
-            <a:lvl8pPr marL="3200400" indent="0">
-              <a:defRPr sz="1100">
-                <a:latin typeface="+mn-lt"/>
-                <a:ea typeface="+mn-ea"/>
-                <a:cs typeface="+mn-cs"/>
-              </a:defRPr>
-            </a:lvl8pPr>
-            <a:lvl9pPr marL="3657600" indent="0">
-              <a:defRPr sz="1100">
-                <a:latin typeface="+mn-lt"/>
-                <a:ea typeface="+mn-ea"/>
-                <a:cs typeface="+mn-cs"/>
-              </a:defRPr>
-            </a:lvl9pPr>
-          </a:lstStyle>
-          <a:p>
-            <a:pPr algn="ctr"/>
-            <a:endParaRPr kumimoji="1" lang="ja-JP" altLang="en-US" b="1" dirty="0">
-              <a:latin typeface="+mn-ea"/>
-            </a:endParaRPr>
-          </a:p>
-        </p:txBody>
-      </p:sp>
-      <p:sp>
-        <p:nvSpPr>
-          <p:cNvPr id="17" name="正方形/長方形 16"/>
-          <p:cNvSpPr/>
-          <p:nvPr/>
-        </p:nvSpPr>
-        <p:spPr bwMode="auto">
-          <a:xfrm>
-            <a:off x="166883" y="3043131"/>
+            <a:off x="190142" y="5547133"/>
             <a:ext cx="2077660" cy="489280"/>
           </a:xfrm>
           <a:prstGeom prst="rect">
@@ -23809,44 +23419,6 @@
             <a:pPr algn="ctr"/>
             <a:endParaRPr kumimoji="1" lang="ja-JP" altLang="en-US" b="1" dirty="0">
               <a:latin typeface="+mn-ea"/>
-            </a:endParaRPr>
-          </a:p>
-        </p:txBody>
-      </p:sp>
-      <p:sp>
-        <p:nvSpPr>
-          <p:cNvPr id="18" name="テキスト ボックス 17"/>
-          <p:cNvSpPr txBox="1"/>
-          <p:nvPr/>
-        </p:nvSpPr>
-        <p:spPr>
-          <a:xfrm>
-            <a:off x="2239970" y="3128625"/>
-            <a:ext cx="415498" cy="369332"/>
-          </a:xfrm>
-          <a:prstGeom prst="rect">
-            <a:avLst/>
-          </a:prstGeom>
-          <a:noFill/>
-        </p:spPr>
-        <p:txBody>
-          <a:bodyPr wrap="none" rtlCol="0">
-            <a:spAutoFit/>
-          </a:bodyPr>
-          <a:lstStyle/>
-          <a:p>
-            <a:r>
-              <a:rPr lang="ja-JP" altLang="en-US" dirty="0">
-                <a:solidFill>
-                  <a:srgbClr val="FF0000"/>
-                </a:solidFill>
-              </a:rPr>
-              <a:t>⑤</a:t>
-            </a:r>
-            <a:endParaRPr kumimoji="1" lang="ja-JP" altLang="en-US" dirty="0">
-              <a:solidFill>
-                <a:srgbClr val="FF0000"/>
-              </a:solidFill>
             </a:endParaRPr>
           </a:p>
         </p:txBody>
@@ -23922,16 +23494,8 @@
               <a:t>　</a:t>
             </a:r>
             <a:r>
-              <a:rPr lang="ja-JP" altLang="en-US" dirty="0" smtClean="0"/>
-              <a:t>（</a:t>
-            </a:r>
-            <a:r>
               <a:rPr lang="en-US" altLang="ja-JP" dirty="0" smtClean="0"/>
-              <a:t>2/14</a:t>
-            </a:r>
-            <a:r>
-              <a:rPr lang="ja-JP" altLang="en-US" dirty="0" smtClean="0"/>
-              <a:t>）</a:t>
+              <a:t>(2/14)</a:t>
             </a:r>
             <a:endParaRPr kumimoji="1" lang="ja-JP" altLang="en-US" dirty="0"/>
           </a:p>
@@ -23963,19 +23527,11 @@
             </a:pPr>
             <a:r>
               <a:rPr lang="en-US" altLang="ja-JP" b="1" dirty="0" smtClean="0"/>
-              <a:t>Conductor class edit</a:t>
-            </a:r>
-            <a:r>
-              <a:rPr lang="ja-JP" altLang="en-US" b="1" dirty="0" smtClean="0"/>
-              <a:t>（</a:t>
+              <a:t>Conductor class </a:t>
             </a:r>
             <a:r>
               <a:rPr lang="en-US" altLang="ja-JP" b="1" dirty="0" smtClean="0"/>
-              <a:t>1/4</a:t>
-            </a:r>
-            <a:r>
-              <a:rPr lang="ja-JP" altLang="en-US" b="1" dirty="0" smtClean="0"/>
-              <a:t>）</a:t>
+              <a:t>edit(1/4)</a:t>
             </a:r>
             <a:endParaRPr lang="en-US" altLang="ja-JP" b="1" dirty="0"/>
           </a:p>
@@ -24264,8 +23820,8 @@
         </p:nvSpPr>
         <p:spPr bwMode="auto">
           <a:xfrm>
-            <a:off x="6444260" y="3961756"/>
-            <a:ext cx="360050" cy="241139"/>
+            <a:off x="6156220" y="3871606"/>
+            <a:ext cx="524932" cy="260412"/>
           </a:xfrm>
           <a:prstGeom prst="rect">
             <a:avLst/>
@@ -24367,8 +23923,8 @@
         </p:nvSpPr>
         <p:spPr bwMode="auto">
           <a:xfrm>
-            <a:off x="6138092" y="4538894"/>
-            <a:ext cx="1602348" cy="173847"/>
+            <a:off x="5838371" y="4427790"/>
+            <a:ext cx="1535829" cy="260412"/>
           </a:xfrm>
           <a:prstGeom prst="rect">
             <a:avLst/>
@@ -24470,7 +24026,7 @@
         </p:nvSpPr>
         <p:spPr bwMode="auto">
           <a:xfrm>
-            <a:off x="6872493" y="5090747"/>
+            <a:off x="6403640" y="5048751"/>
             <a:ext cx="2532742" cy="719868"/>
           </a:xfrm>
           <a:prstGeom prst="wedgeRectCallout">
